--- a/Final_Presentation.pptx
+++ b/Final_Presentation.pptx
@@ -12,10 +12,27 @@
     <p:sldId id="262" r:id="rId6"/>
     <p:sldId id="260" r:id="rId7"/>
     <p:sldId id="264" r:id="rId8"/>
-    <p:sldId id="266" r:id="rId9"/>
-    <p:sldId id="265" r:id="rId10"/>
-    <p:sldId id="263" r:id="rId11"/>
-    <p:sldId id="261" r:id="rId12"/>
+    <p:sldId id="267" r:id="rId9"/>
+    <p:sldId id="268" r:id="rId10"/>
+    <p:sldId id="269" r:id="rId11"/>
+    <p:sldId id="266" r:id="rId12"/>
+    <p:sldId id="270" r:id="rId13"/>
+    <p:sldId id="272" r:id="rId14"/>
+    <p:sldId id="273" r:id="rId15"/>
+    <p:sldId id="274" r:id="rId16"/>
+    <p:sldId id="275" r:id="rId17"/>
+    <p:sldId id="276" r:id="rId18"/>
+    <p:sldId id="277" r:id="rId19"/>
+    <p:sldId id="278" r:id="rId20"/>
+    <p:sldId id="279" r:id="rId21"/>
+    <p:sldId id="280" r:id="rId22"/>
+    <p:sldId id="265" r:id="rId23"/>
+    <p:sldId id="281" r:id="rId24"/>
+    <p:sldId id="282" r:id="rId25"/>
+    <p:sldId id="283" r:id="rId26"/>
+    <p:sldId id="284" r:id="rId27"/>
+    <p:sldId id="263" r:id="rId28"/>
+    <p:sldId id="261" r:id="rId29"/>
   </p:sldIdLst>
   <p:sldSz cx="9144000" cy="6858000" type="screen4x3"/>
   <p:notesSz cx="6858000" cy="9144000"/>
@@ -114,6 +131,22 @@
       </a:defRPr>
     </a:lvl9pPr>
   </p:defaultTextStyle>
+  <p:extLst>
+    <p:ext uri="{EFAFB233-063F-42B5-8137-9DF3F51BA10A}">
+      <p15:sldGuideLst xmlns:p15="http://schemas.microsoft.com/office/powerpoint/2012/main">
+        <p15:guide id="1" orient="horz" pos="2160">
+          <p15:clr>
+            <a:srgbClr val="A4A3A4"/>
+          </p15:clr>
+        </p15:guide>
+        <p15:guide id="2" pos="2880">
+          <p15:clr>
+            <a:srgbClr val="A4A3A4"/>
+          </p15:clr>
+        </p15:guide>
+      </p15:sldGuideLst>
+    </p:ext>
+  </p:extLst>
 </p:presentation>
 </file>
 
@@ -303,7 +336,7 @@
             <a:fld id="{8E36636D-D922-432D-A958-524484B5923D}" type="datetimeFigureOut">
               <a:rPr lang="en-US" smtClean="0"/>
               <a:pPr/>
-              <a:t>12/9/18</a:t>
+              <a:t>12/10/2018</a:t>
             </a:fld>
             <a:endParaRPr lang="en-US"/>
           </a:p>
@@ -470,7 +503,7 @@
             <a:fld id="{8E36636D-D922-432D-A958-524484B5923D}" type="datetimeFigureOut">
               <a:rPr lang="en-US" smtClean="0"/>
               <a:pPr/>
-              <a:t>12/9/18</a:t>
+              <a:t>12/10/2018</a:t>
             </a:fld>
             <a:endParaRPr lang="en-US"/>
           </a:p>
@@ -647,7 +680,7 @@
             <a:fld id="{8E36636D-D922-432D-A958-524484B5923D}" type="datetimeFigureOut">
               <a:rPr lang="en-US" smtClean="0"/>
               <a:pPr/>
-              <a:t>12/9/18</a:t>
+              <a:t>12/10/2018</a:t>
             </a:fld>
             <a:endParaRPr lang="en-US"/>
           </a:p>
@@ -814,7 +847,7 @@
             <a:fld id="{8E36636D-D922-432D-A958-524484B5923D}" type="datetimeFigureOut">
               <a:rPr lang="en-US" smtClean="0"/>
               <a:pPr/>
-              <a:t>12/9/18</a:t>
+              <a:t>12/10/2018</a:t>
             </a:fld>
             <a:endParaRPr lang="en-US"/>
           </a:p>
@@ -1055,7 +1088,7 @@
             <a:fld id="{8E36636D-D922-432D-A958-524484B5923D}" type="datetimeFigureOut">
               <a:rPr lang="en-US" smtClean="0"/>
               <a:pPr/>
-              <a:t>12/9/18</a:t>
+              <a:t>12/10/2018</a:t>
             </a:fld>
             <a:endParaRPr lang="en-US"/>
           </a:p>
@@ -1340,7 +1373,7 @@
             <a:fld id="{8E36636D-D922-432D-A958-524484B5923D}" type="datetimeFigureOut">
               <a:rPr lang="en-US" smtClean="0"/>
               <a:pPr/>
-              <a:t>12/9/18</a:t>
+              <a:t>12/10/2018</a:t>
             </a:fld>
             <a:endParaRPr lang="en-US"/>
           </a:p>
@@ -1759,7 +1792,7 @@
             <a:fld id="{8E36636D-D922-432D-A958-524484B5923D}" type="datetimeFigureOut">
               <a:rPr lang="en-US" smtClean="0"/>
               <a:pPr/>
-              <a:t>12/9/18</a:t>
+              <a:t>12/10/2018</a:t>
             </a:fld>
             <a:endParaRPr lang="en-US"/>
           </a:p>
@@ -1874,7 +1907,7 @@
             <a:fld id="{8E36636D-D922-432D-A958-524484B5923D}" type="datetimeFigureOut">
               <a:rPr lang="en-US" smtClean="0"/>
               <a:pPr/>
-              <a:t>12/9/18</a:t>
+              <a:t>12/10/2018</a:t>
             </a:fld>
             <a:endParaRPr lang="en-US"/>
           </a:p>
@@ -1966,7 +1999,7 @@
             <a:fld id="{8E36636D-D922-432D-A958-524484B5923D}" type="datetimeFigureOut">
               <a:rPr lang="en-US" smtClean="0"/>
               <a:pPr/>
-              <a:t>12/9/18</a:t>
+              <a:t>12/10/2018</a:t>
             </a:fld>
             <a:endParaRPr lang="en-US"/>
           </a:p>
@@ -2247,7 +2280,7 @@
             <a:fld id="{8E36636D-D922-432D-A958-524484B5923D}" type="datetimeFigureOut">
               <a:rPr lang="en-US" smtClean="0"/>
               <a:pPr/>
-              <a:t>12/9/18</a:t>
+              <a:t>12/10/2018</a:t>
             </a:fld>
             <a:endParaRPr lang="en-US"/>
           </a:p>
@@ -2508,7 +2541,7 @@
             <a:fld id="{8E36636D-D922-432D-A958-524484B5923D}" type="datetimeFigureOut">
               <a:rPr lang="en-US" smtClean="0"/>
               <a:pPr/>
-              <a:t>12/9/18</a:t>
+              <a:t>12/10/2018</a:t>
             </a:fld>
             <a:endParaRPr lang="en-US"/>
           </a:p>
@@ -2718,7 +2751,7 @@
             <a:fld id="{8E36636D-D922-432D-A958-524484B5923D}" type="datetimeFigureOut">
               <a:rPr lang="en-US" smtClean="0"/>
               <a:pPr/>
-              <a:t>12/9/18</a:t>
+              <a:t>12/10/2018</a:t>
             </a:fld>
             <a:endParaRPr lang="en-US"/>
           </a:p>
@@ -3262,23 +3295,396 @@
             <p:ph type="title"/>
           </p:nvPr>
         </p:nvSpPr>
-        <p:spPr/>
-        <p:txBody>
-          <a:bodyPr/>
+        <p:spPr>
+          <a:xfrm>
+            <a:off x="457200" y="71185"/>
+            <a:ext cx="8229600" cy="961412"/>
+          </a:xfrm>
+        </p:spPr>
+        <p:txBody>
+          <a:bodyPr>
+            <a:normAutofit/>
+          </a:bodyPr>
           <a:lstStyle/>
           <a:p>
             <a:r>
               <a:rPr lang="en-US" dirty="0" smtClean="0"/>
-              <a:t>Results</a:t>
+              <a:t>Steps of the Project</a:t>
             </a:r>
             <a:endParaRPr lang="en-US" dirty="0"/>
+          </a:p>
+        </p:txBody>
+      </p:sp>
+      <p:sp>
+        <p:nvSpPr>
+          <p:cNvPr id="5" name="TextBox 4"/>
+          <p:cNvSpPr txBox="1"/>
+          <p:nvPr/>
+        </p:nvSpPr>
+        <p:spPr>
+          <a:xfrm>
+            <a:off x="329704" y="1885307"/>
+            <a:ext cx="1609732" cy="646331"/>
+          </a:xfrm>
+          <a:prstGeom prst="rect">
+            <a:avLst/>
+          </a:prstGeom>
+          <a:solidFill>
+            <a:schemeClr val="tx1">
+              <a:lumMod val="75000"/>
+            </a:schemeClr>
+          </a:solidFill>
+        </p:spPr>
+        <p:txBody>
+          <a:bodyPr wrap="square" rtlCol="0">
+            <a:spAutoFit/>
+          </a:bodyPr>
+          <a:lstStyle/>
+          <a:p>
+            <a:pPr algn="ctr"/>
+            <a:r>
+              <a:rPr lang="en-US" dirty="0" smtClean="0">
+                <a:solidFill>
+                  <a:schemeClr val="bg2"/>
+                </a:solidFill>
+              </a:rPr>
+              <a:t>Load Model and Predict</a:t>
+            </a:r>
+            <a:endParaRPr lang="en-US" dirty="0">
+              <a:solidFill>
+                <a:schemeClr val="bg2"/>
+              </a:solidFill>
+            </a:endParaRPr>
+          </a:p>
+        </p:txBody>
+      </p:sp>
+      <p:sp>
+        <p:nvSpPr>
+          <p:cNvPr id="6" name="TextBox 5"/>
+          <p:cNvSpPr txBox="1"/>
+          <p:nvPr/>
+        </p:nvSpPr>
+        <p:spPr>
+          <a:xfrm>
+            <a:off x="329704" y="2729522"/>
+            <a:ext cx="1609732" cy="1200329"/>
+          </a:xfrm>
+          <a:prstGeom prst="rect">
+            <a:avLst/>
+          </a:prstGeom>
+          <a:solidFill>
+            <a:schemeClr val="tx1">
+              <a:lumMod val="75000"/>
+            </a:schemeClr>
+          </a:solidFill>
+        </p:spPr>
+        <p:txBody>
+          <a:bodyPr wrap="square" rtlCol="0">
+            <a:spAutoFit/>
+          </a:bodyPr>
+          <a:lstStyle/>
+          <a:p>
+            <a:pPr algn="ctr"/>
+            <a:r>
+              <a:rPr lang="en-US" dirty="0" smtClean="0">
+                <a:solidFill>
+                  <a:schemeClr val="bg2"/>
+                </a:solidFill>
+              </a:rPr>
+              <a:t>Resize Prediction back to 101x101</a:t>
+            </a:r>
+            <a:endParaRPr lang="en-US" dirty="0">
+              <a:solidFill>
+                <a:schemeClr val="bg2"/>
+              </a:solidFill>
+            </a:endParaRPr>
+          </a:p>
+        </p:txBody>
+      </p:sp>
+      <p:sp>
+        <p:nvSpPr>
+          <p:cNvPr id="7" name="TextBox 6"/>
+          <p:cNvSpPr txBox="1"/>
+          <p:nvPr/>
+        </p:nvSpPr>
+        <p:spPr>
+          <a:xfrm>
+            <a:off x="329704" y="4219827"/>
+            <a:ext cx="1609732" cy="1477328"/>
+          </a:xfrm>
+          <a:prstGeom prst="rect">
+            <a:avLst/>
+          </a:prstGeom>
+          <a:solidFill>
+            <a:schemeClr val="tx1">
+              <a:lumMod val="75000"/>
+            </a:schemeClr>
+          </a:solidFill>
+        </p:spPr>
+        <p:txBody>
+          <a:bodyPr wrap="square" rtlCol="0">
+            <a:spAutoFit/>
+          </a:bodyPr>
+          <a:lstStyle/>
+          <a:p>
+            <a:pPr algn="ctr"/>
+            <a:r>
+              <a:rPr lang="en-US" dirty="0" smtClean="0">
+                <a:solidFill>
+                  <a:schemeClr val="bg2"/>
+                </a:solidFill>
+              </a:rPr>
+              <a:t>Convert Predictions to Kaggle Competition Format</a:t>
+            </a:r>
+            <a:endParaRPr lang="en-US" dirty="0">
+              <a:solidFill>
+                <a:schemeClr val="bg2"/>
+              </a:solidFill>
+            </a:endParaRPr>
+          </a:p>
+        </p:txBody>
+      </p:sp>
+      <p:sp>
+        <p:nvSpPr>
+          <p:cNvPr id="8" name="TextBox 7"/>
+          <p:cNvSpPr txBox="1"/>
+          <p:nvPr/>
+        </p:nvSpPr>
+        <p:spPr>
+          <a:xfrm>
+            <a:off x="2552020" y="3145020"/>
+            <a:ext cx="6022718" cy="369332"/>
+          </a:xfrm>
+          <a:prstGeom prst="rect">
+            <a:avLst/>
+          </a:prstGeom>
+          <a:solidFill>
+            <a:schemeClr val="tx1">
+              <a:lumMod val="75000"/>
+            </a:schemeClr>
+          </a:solidFill>
+        </p:spPr>
+        <p:txBody>
+          <a:bodyPr wrap="square" rtlCol="0">
+            <a:spAutoFit/>
+          </a:bodyPr>
+          <a:lstStyle/>
+          <a:p>
+            <a:pPr algn="ctr"/>
+            <a:r>
+              <a:rPr lang="en-US" dirty="0" smtClean="0">
+                <a:solidFill>
+                  <a:schemeClr val="bg2"/>
+                </a:solidFill>
+              </a:rPr>
+              <a:t>-Resize and Numpy Squeeze</a:t>
+            </a:r>
+            <a:endParaRPr lang="en-US" dirty="0">
+              <a:solidFill>
+                <a:schemeClr val="bg2"/>
+              </a:solidFill>
+            </a:endParaRPr>
+          </a:p>
+        </p:txBody>
+      </p:sp>
+      <p:sp>
+        <p:nvSpPr>
+          <p:cNvPr id="9" name="TextBox 8"/>
+          <p:cNvSpPr txBox="1"/>
+          <p:nvPr/>
+        </p:nvSpPr>
+        <p:spPr>
+          <a:xfrm>
+            <a:off x="2552020" y="4635325"/>
+            <a:ext cx="6022718" cy="646331"/>
+          </a:xfrm>
+          <a:prstGeom prst="rect">
+            <a:avLst/>
+          </a:prstGeom>
+          <a:solidFill>
+            <a:schemeClr val="tx1">
+              <a:lumMod val="75000"/>
+            </a:schemeClr>
+          </a:solidFill>
+        </p:spPr>
+        <p:txBody>
+          <a:bodyPr wrap="square" rtlCol="0">
+            <a:spAutoFit/>
+          </a:bodyPr>
+          <a:lstStyle/>
+          <a:p>
+            <a:pPr algn="ctr"/>
+            <a:r>
+              <a:rPr lang="en-US" dirty="0" smtClean="0">
+                <a:solidFill>
+                  <a:schemeClr val="bg2"/>
+                </a:solidFill>
+              </a:rPr>
+              <a:t>-Used build function to convert predictions.</a:t>
+            </a:r>
+          </a:p>
+          <a:p>
+            <a:pPr algn="ctr"/>
+            <a:r>
+              <a:rPr lang="en-US" dirty="0" smtClean="0">
+                <a:solidFill>
+                  <a:schemeClr val="bg2"/>
+                </a:solidFill>
+              </a:rPr>
+              <a:t>-Called function on predictions list</a:t>
+            </a:r>
+            <a:endParaRPr lang="en-US" dirty="0" smtClean="0">
+              <a:solidFill>
+                <a:schemeClr val="bg2"/>
+              </a:solidFill>
+            </a:endParaRPr>
+          </a:p>
+        </p:txBody>
+      </p:sp>
+      <p:sp>
+        <p:nvSpPr>
+          <p:cNvPr id="10" name="TextBox 9"/>
+          <p:cNvSpPr txBox="1"/>
+          <p:nvPr/>
+        </p:nvSpPr>
+        <p:spPr>
+          <a:xfrm>
+            <a:off x="329704" y="1153212"/>
+            <a:ext cx="1609732" cy="369332"/>
+          </a:xfrm>
+          <a:prstGeom prst="rect">
+            <a:avLst/>
+          </a:prstGeom>
+          <a:solidFill>
+            <a:schemeClr val="tx1">
+              <a:lumMod val="75000"/>
+            </a:schemeClr>
+          </a:solidFill>
+        </p:spPr>
+        <p:txBody>
+          <a:bodyPr wrap="square" rtlCol="0">
+            <a:spAutoFit/>
+          </a:bodyPr>
+          <a:lstStyle/>
+          <a:p>
+            <a:pPr algn="ctr"/>
+            <a:r>
+              <a:rPr lang="en-US" b="1" dirty="0" smtClean="0">
+                <a:solidFill>
+                  <a:schemeClr val="bg2"/>
+                </a:solidFill>
+              </a:rPr>
+              <a:t>Step</a:t>
+            </a:r>
+            <a:endParaRPr lang="en-US" b="1" dirty="0">
+              <a:solidFill>
+                <a:schemeClr val="bg2"/>
+              </a:solidFill>
+            </a:endParaRPr>
+          </a:p>
+        </p:txBody>
+      </p:sp>
+      <p:sp>
+        <p:nvSpPr>
+          <p:cNvPr id="11" name="TextBox 10"/>
+          <p:cNvSpPr txBox="1"/>
+          <p:nvPr/>
+        </p:nvSpPr>
+        <p:spPr>
+          <a:xfrm>
+            <a:off x="2552020" y="1153212"/>
+            <a:ext cx="6022718" cy="369332"/>
+          </a:xfrm>
+          <a:prstGeom prst="rect">
+            <a:avLst/>
+          </a:prstGeom>
+          <a:solidFill>
+            <a:schemeClr val="tx1">
+              <a:lumMod val="75000"/>
+            </a:schemeClr>
+          </a:solidFill>
+        </p:spPr>
+        <p:txBody>
+          <a:bodyPr wrap="square" rtlCol="0">
+            <a:spAutoFit/>
+          </a:bodyPr>
+          <a:lstStyle/>
+          <a:p>
+            <a:pPr algn="ctr"/>
+            <a:r>
+              <a:rPr lang="en-US" b="1" dirty="0" smtClean="0">
+                <a:solidFill>
+                  <a:schemeClr val="bg2"/>
+                </a:solidFill>
+              </a:rPr>
+              <a:t>Description of Step</a:t>
+            </a:r>
+            <a:endParaRPr lang="en-US" b="1" dirty="0">
+              <a:solidFill>
+                <a:schemeClr val="bg2"/>
+              </a:solidFill>
+            </a:endParaRPr>
+          </a:p>
+        </p:txBody>
+      </p:sp>
+      <p:sp>
+        <p:nvSpPr>
+          <p:cNvPr id="12" name="TextBox 11"/>
+          <p:cNvSpPr txBox="1"/>
+          <p:nvPr/>
+        </p:nvSpPr>
+        <p:spPr>
+          <a:xfrm>
+            <a:off x="2552020" y="1884669"/>
+            <a:ext cx="6022718" cy="646331"/>
+          </a:xfrm>
+          <a:prstGeom prst="rect">
+            <a:avLst/>
+          </a:prstGeom>
+          <a:solidFill>
+            <a:schemeClr val="tx1">
+              <a:lumMod val="75000"/>
+            </a:schemeClr>
+          </a:solidFill>
+        </p:spPr>
+        <p:txBody>
+          <a:bodyPr wrap="square" rtlCol="0">
+            <a:spAutoFit/>
+          </a:bodyPr>
+          <a:lstStyle/>
+          <a:p>
+            <a:pPr algn="ctr"/>
+            <a:r>
+              <a:rPr lang="en-US" dirty="0" smtClean="0">
+                <a:solidFill>
+                  <a:schemeClr val="bg2"/>
+                </a:solidFill>
+              </a:rPr>
+              <a:t>-Load_Model and import custom mean_iou object</a:t>
+            </a:r>
+          </a:p>
+          <a:p>
+            <a:pPr algn="ctr"/>
+            <a:r>
+              <a:rPr lang="en-US" dirty="0" smtClean="0">
+                <a:solidFill>
+                  <a:schemeClr val="bg2"/>
+                </a:solidFill>
+              </a:rPr>
+              <a:t>-If confidence is above 0.5 threshold, have it become salt (1)</a:t>
+            </a:r>
+            <a:endParaRPr lang="en-US" dirty="0">
+              <a:solidFill>
+                <a:schemeClr val="bg2"/>
+              </a:solidFill>
+            </a:endParaRPr>
           </a:p>
         </p:txBody>
       </p:sp>
     </p:spTree>
     <p:extLst>
       <p:ext uri="{BB962C8B-B14F-4D97-AF65-F5344CB8AC3E}">
-        <p14:creationId xmlns:p14="http://schemas.microsoft.com/office/powerpoint/2010/main" val="3846159669"/>
+        <p14:creationId xmlns:p14="http://schemas.microsoft.com/office/powerpoint/2010/main" val="3910133653"/>
       </p:ext>
     </p:extLst>
   </p:cSld>
@@ -3317,8 +3723,8 @@
         </p:nvSpPr>
         <p:spPr>
           <a:xfrm>
-            <a:off x="457200" y="143785"/>
-            <a:ext cx="8229600" cy="1126368"/>
+            <a:off x="457200" y="192024"/>
+            <a:ext cx="8229600" cy="740664"/>
           </a:xfrm>
         </p:spPr>
         <p:txBody>
@@ -3328,136 +3734,713 @@
           <a:lstStyle/>
           <a:p>
             <a:r>
-              <a:rPr lang="en-US" dirty="0" smtClean="0"/>
-              <a:t>References Cited</a:t>
-            </a:r>
-            <a:endParaRPr lang="en-US" dirty="0"/>
-          </a:p>
-        </p:txBody>
-      </p:sp>
-      <p:sp>
-        <p:nvSpPr>
-          <p:cNvPr id="7" name="Rectangle 6"/>
-          <p:cNvSpPr/>
+              <a:rPr lang="en-US" sz="4000" dirty="0" smtClean="0"/>
+              <a:t>Steps of the Project: Original Design</a:t>
+            </a:r>
+            <a:endParaRPr lang="en-US" sz="4000" dirty="0"/>
+          </a:p>
+        </p:txBody>
+      </p:sp>
+      <p:pic>
+        <p:nvPicPr>
+          <p:cNvPr id="3" name="Picture 2"/>
+          <p:cNvPicPr>
+            <a:picLocks noChangeAspect="1"/>
+          </p:cNvPicPr>
           <p:nvPr/>
-        </p:nvSpPr>
-        <p:spPr>
-          <a:xfrm>
-            <a:off x="187622" y="1270153"/>
-            <a:ext cx="8956378" cy="646331"/>
+        </p:nvPicPr>
+        <p:blipFill>
+          <a:blip r:embed="rId2"/>
+          <a:stretch>
+            <a:fillRect/>
+          </a:stretch>
+        </p:blipFill>
+        <p:spPr>
+          <a:xfrm>
+            <a:off x="2304288" y="1089811"/>
+            <a:ext cx="4535424" cy="5312542"/>
           </a:xfrm>
           <a:prstGeom prst="rect">
             <a:avLst/>
           </a:prstGeom>
         </p:spPr>
-        <p:txBody>
-          <a:bodyPr wrap="square">
-            <a:spAutoFit/>
+      </p:pic>
+    </p:spTree>
+    <p:extLst>
+      <p:ext uri="{BB962C8B-B14F-4D97-AF65-F5344CB8AC3E}">
+        <p14:creationId xmlns:p14="http://schemas.microsoft.com/office/powerpoint/2010/main" val="2186954218"/>
+      </p:ext>
+    </p:extLst>
+  </p:cSld>
+  <p:clrMapOvr>
+    <a:masterClrMapping/>
+  </p:clrMapOvr>
+</p:sld>
+</file>
+
+<file path=ppt/slides/slide12.xml><?xml version="1.0" encoding="utf-8"?>
+<p:sld xmlns:a="http://schemas.openxmlformats.org/drawingml/2006/main" xmlns:r="http://schemas.openxmlformats.org/officeDocument/2006/relationships" xmlns:p="http://schemas.openxmlformats.org/presentationml/2006/main">
+  <p:cSld>
+    <p:spTree>
+      <p:nvGrpSpPr>
+        <p:cNvPr id="1" name=""/>
+        <p:cNvGrpSpPr/>
+        <p:nvPr/>
+      </p:nvGrpSpPr>
+      <p:grpSpPr>
+        <a:xfrm>
+          <a:off x="0" y="0"/>
+          <a:ext cx="0" cy="0"/>
+          <a:chOff x="0" y="0"/>
+          <a:chExt cx="0" cy="0"/>
+        </a:xfrm>
+      </p:grpSpPr>
+      <p:sp>
+        <p:nvSpPr>
+          <p:cNvPr id="2" name="Title 1"/>
+          <p:cNvSpPr>
+            <a:spLocks noGrp="1"/>
+          </p:cNvSpPr>
+          <p:nvPr>
+            <p:ph type="title"/>
+          </p:nvPr>
+        </p:nvSpPr>
+        <p:spPr>
+          <a:xfrm>
+            <a:off x="457200" y="192024"/>
+            <a:ext cx="8229600" cy="740664"/>
+          </a:xfrm>
+        </p:spPr>
+        <p:txBody>
+          <a:bodyPr>
+            <a:normAutofit/>
           </a:bodyPr>
           <a:lstStyle/>
           <a:p>
             <a:r>
-              <a:rPr lang="en-US" dirty="0"/>
-              <a:t>Challenges in drilling salt formations and rubble zones. (</a:t>
-            </a:r>
-            <a:r>
-              <a:rPr lang="en-US" dirty="0" err="1"/>
-              <a:t>n.d.</a:t>
-            </a:r>
-            <a:r>
-              <a:rPr lang="en-US" dirty="0"/>
-              <a:t>). </a:t>
-            </a:r>
-            <a:r>
-              <a:rPr lang="en-US" dirty="0" smtClean="0"/>
-              <a:t>Retrieved </a:t>
-            </a:r>
-            <a:r>
-              <a:rPr lang="en-US" dirty="0"/>
-              <a:t>December </a:t>
-            </a:r>
-            <a:r>
-              <a:rPr lang="en-US" dirty="0" smtClean="0"/>
-              <a:t>9, 2018,</a:t>
-            </a:r>
-          </a:p>
-          <a:p>
-            <a:r>
-              <a:rPr lang="en-US" dirty="0" smtClean="0"/>
-              <a:t>from </a:t>
-            </a:r>
-            <a:r>
-              <a:rPr lang="en-US" dirty="0">
-                <a:hlinkClick r:id="rId2"/>
-              </a:rPr>
-              <a:t>https://</a:t>
-            </a:r>
-            <a:r>
-              <a:rPr lang="en-US" dirty="0" smtClean="0">
-                <a:hlinkClick r:id="rId2"/>
-              </a:rPr>
-              <a:t>petrowiki.org</a:t>
-            </a:r>
-            <a:r>
-              <a:rPr lang="en-US" dirty="0" smtClean="0"/>
-              <a:t>/Challenges_in_drilling_salt_formations_and_rubble_zones</a:t>
-            </a:r>
-            <a:endParaRPr lang="en-US" dirty="0"/>
-          </a:p>
-        </p:txBody>
-      </p:sp>
-      <p:sp>
-        <p:nvSpPr>
-          <p:cNvPr id="8" name="Rectangle 7"/>
-          <p:cNvSpPr/>
+              <a:rPr lang="en-US" sz="4000" dirty="0" smtClean="0"/>
+              <a:t>Steps of the Project: Original Design</a:t>
+            </a:r>
+            <a:endParaRPr lang="en-US" sz="4000" dirty="0"/>
+          </a:p>
+        </p:txBody>
+      </p:sp>
+      <p:pic>
+        <p:nvPicPr>
+          <p:cNvPr id="4" name="Picture 3"/>
+          <p:cNvPicPr>
+            <a:picLocks noChangeAspect="1"/>
+          </p:cNvPicPr>
           <p:nvPr/>
-        </p:nvSpPr>
-        <p:spPr>
-          <a:xfrm>
-            <a:off x="187622" y="1997838"/>
-            <a:ext cx="8499178" cy="646331"/>
+        </p:nvPicPr>
+        <p:blipFill>
+          <a:blip r:embed="rId2"/>
+          <a:stretch>
+            <a:fillRect/>
+          </a:stretch>
+        </p:blipFill>
+        <p:spPr>
+          <a:xfrm>
+            <a:off x="782097" y="1185291"/>
+            <a:ext cx="7579805" cy="4921952"/>
           </a:xfrm>
           <a:prstGeom prst="rect">
             <a:avLst/>
           </a:prstGeom>
         </p:spPr>
-        <p:txBody>
-          <a:bodyPr wrap="square">
-            <a:spAutoFit/>
-          </a:bodyPr>
-          <a:lstStyle/>
-          <a:p>
-            <a:r>
-              <a:rPr lang="en-US" dirty="0" smtClean="0"/>
-              <a:t>TGS Salt Identification Challenge (</a:t>
-            </a:r>
-            <a:r>
-              <a:rPr lang="en-US" dirty="0"/>
-              <a:t>n.d.). Retrieved December 9, 2018, from https://</a:t>
-            </a:r>
-            <a:r>
-              <a:rPr lang="en-US" dirty="0" err="1"/>
-              <a:t>www.kaggle.com</a:t>
-            </a:r>
-            <a:r>
-              <a:rPr lang="en-US" dirty="0"/>
-              <a:t>/c/</a:t>
-            </a:r>
-            <a:r>
-              <a:rPr lang="en-US" dirty="0" err="1"/>
-              <a:t>tgs</a:t>
-            </a:r>
-            <a:r>
-              <a:rPr lang="en-US" dirty="0"/>
-              <a:t>-salt-identification-challenge</a:t>
-            </a:r>
-          </a:p>
-        </p:txBody>
-      </p:sp>
+      </p:pic>
     </p:spTree>
     <p:extLst>
       <p:ext uri="{BB962C8B-B14F-4D97-AF65-F5344CB8AC3E}">
-        <p14:creationId xmlns:p14="http://schemas.microsoft.com/office/powerpoint/2010/main" val="1370149627"/>
+        <p14:creationId xmlns:p14="http://schemas.microsoft.com/office/powerpoint/2010/main" val="783201335"/>
+      </p:ext>
+    </p:extLst>
+  </p:cSld>
+  <p:clrMapOvr>
+    <a:masterClrMapping/>
+  </p:clrMapOvr>
+</p:sld>
+</file>
+
+<file path=ppt/slides/slide13.xml><?xml version="1.0" encoding="utf-8"?>
+<p:sld xmlns:a="http://schemas.openxmlformats.org/drawingml/2006/main" xmlns:r="http://schemas.openxmlformats.org/officeDocument/2006/relationships" xmlns:p="http://schemas.openxmlformats.org/presentationml/2006/main">
+  <p:cSld>
+    <p:spTree>
+      <p:nvGrpSpPr>
+        <p:cNvPr id="1" name=""/>
+        <p:cNvGrpSpPr/>
+        <p:nvPr/>
+      </p:nvGrpSpPr>
+      <p:grpSpPr>
+        <a:xfrm>
+          <a:off x="0" y="0"/>
+          <a:ext cx="0" cy="0"/>
+          <a:chOff x="0" y="0"/>
+          <a:chExt cx="0" cy="0"/>
+        </a:xfrm>
+      </p:grpSpPr>
+      <p:sp>
+        <p:nvSpPr>
+          <p:cNvPr id="2" name="Title 1"/>
+          <p:cNvSpPr>
+            <a:spLocks noGrp="1"/>
+          </p:cNvSpPr>
+          <p:nvPr>
+            <p:ph type="title"/>
+          </p:nvPr>
+        </p:nvSpPr>
+        <p:spPr>
+          <a:xfrm>
+            <a:off x="457200" y="192024"/>
+            <a:ext cx="8229600" cy="740664"/>
+          </a:xfrm>
+        </p:spPr>
+        <p:txBody>
+          <a:bodyPr>
+            <a:normAutofit/>
+          </a:bodyPr>
+          <a:lstStyle/>
+          <a:p>
+            <a:r>
+              <a:rPr lang="en-US" sz="4000" dirty="0" smtClean="0"/>
+              <a:t>Steps of the Project: Original Design</a:t>
+            </a:r>
+            <a:endParaRPr lang="en-US" sz="4000" dirty="0"/>
+          </a:p>
+        </p:txBody>
+      </p:sp>
+      <p:pic>
+        <p:nvPicPr>
+          <p:cNvPr id="3" name="Picture 2"/>
+          <p:cNvPicPr>
+            <a:picLocks noChangeAspect="1"/>
+          </p:cNvPicPr>
+          <p:nvPr/>
+        </p:nvPicPr>
+        <p:blipFill>
+          <a:blip r:embed="rId2"/>
+          <a:stretch>
+            <a:fillRect/>
+          </a:stretch>
+        </p:blipFill>
+        <p:spPr>
+          <a:xfrm>
+            <a:off x="1807799" y="1069848"/>
+            <a:ext cx="5287373" cy="5401818"/>
+          </a:xfrm>
+          <a:prstGeom prst="rect">
+            <a:avLst/>
+          </a:prstGeom>
+        </p:spPr>
+      </p:pic>
+    </p:spTree>
+    <p:extLst>
+      <p:ext uri="{BB962C8B-B14F-4D97-AF65-F5344CB8AC3E}">
+        <p14:creationId xmlns:p14="http://schemas.microsoft.com/office/powerpoint/2010/main" val="1634992407"/>
+      </p:ext>
+    </p:extLst>
+  </p:cSld>
+  <p:clrMapOvr>
+    <a:masterClrMapping/>
+  </p:clrMapOvr>
+</p:sld>
+</file>
+
+<file path=ppt/slides/slide14.xml><?xml version="1.0" encoding="utf-8"?>
+<p:sld xmlns:a="http://schemas.openxmlformats.org/drawingml/2006/main" xmlns:r="http://schemas.openxmlformats.org/officeDocument/2006/relationships" xmlns:p="http://schemas.openxmlformats.org/presentationml/2006/main">
+  <p:cSld>
+    <p:spTree>
+      <p:nvGrpSpPr>
+        <p:cNvPr id="1" name=""/>
+        <p:cNvGrpSpPr/>
+        <p:nvPr/>
+      </p:nvGrpSpPr>
+      <p:grpSpPr>
+        <a:xfrm>
+          <a:off x="0" y="0"/>
+          <a:ext cx="0" cy="0"/>
+          <a:chOff x="0" y="0"/>
+          <a:chExt cx="0" cy="0"/>
+        </a:xfrm>
+      </p:grpSpPr>
+      <p:sp>
+        <p:nvSpPr>
+          <p:cNvPr id="2" name="Title 1"/>
+          <p:cNvSpPr>
+            <a:spLocks noGrp="1"/>
+          </p:cNvSpPr>
+          <p:nvPr>
+            <p:ph type="title"/>
+          </p:nvPr>
+        </p:nvSpPr>
+        <p:spPr>
+          <a:xfrm>
+            <a:off x="457200" y="192024"/>
+            <a:ext cx="8229600" cy="740664"/>
+          </a:xfrm>
+        </p:spPr>
+        <p:txBody>
+          <a:bodyPr>
+            <a:normAutofit/>
+          </a:bodyPr>
+          <a:lstStyle/>
+          <a:p>
+            <a:r>
+              <a:rPr lang="en-US" sz="4000" dirty="0" smtClean="0"/>
+              <a:t>Steps of the Project: Original Design</a:t>
+            </a:r>
+            <a:endParaRPr lang="en-US" sz="4000" dirty="0"/>
+          </a:p>
+        </p:txBody>
+      </p:sp>
+      <p:pic>
+        <p:nvPicPr>
+          <p:cNvPr id="3" name="Picture 2"/>
+          <p:cNvPicPr>
+            <a:picLocks noChangeAspect="1"/>
+          </p:cNvPicPr>
+          <p:nvPr/>
+        </p:nvPicPr>
+        <p:blipFill>
+          <a:blip r:embed="rId2"/>
+          <a:stretch>
+            <a:fillRect/>
+          </a:stretch>
+        </p:blipFill>
+        <p:spPr>
+          <a:xfrm>
+            <a:off x="1741646" y="932688"/>
+            <a:ext cx="5660707" cy="5741690"/>
+          </a:xfrm>
+          <a:prstGeom prst="rect">
+            <a:avLst/>
+          </a:prstGeom>
+        </p:spPr>
+      </p:pic>
+    </p:spTree>
+    <p:extLst>
+      <p:ext uri="{BB962C8B-B14F-4D97-AF65-F5344CB8AC3E}">
+        <p14:creationId xmlns:p14="http://schemas.microsoft.com/office/powerpoint/2010/main" val="2904655611"/>
+      </p:ext>
+    </p:extLst>
+  </p:cSld>
+  <p:clrMapOvr>
+    <a:masterClrMapping/>
+  </p:clrMapOvr>
+</p:sld>
+</file>
+
+<file path=ppt/slides/slide15.xml><?xml version="1.0" encoding="utf-8"?>
+<p:sld xmlns:a="http://schemas.openxmlformats.org/drawingml/2006/main" xmlns:r="http://schemas.openxmlformats.org/officeDocument/2006/relationships" xmlns:p="http://schemas.openxmlformats.org/presentationml/2006/main">
+  <p:cSld>
+    <p:spTree>
+      <p:nvGrpSpPr>
+        <p:cNvPr id="1" name=""/>
+        <p:cNvGrpSpPr/>
+        <p:nvPr/>
+      </p:nvGrpSpPr>
+      <p:grpSpPr>
+        <a:xfrm>
+          <a:off x="0" y="0"/>
+          <a:ext cx="0" cy="0"/>
+          <a:chOff x="0" y="0"/>
+          <a:chExt cx="0" cy="0"/>
+        </a:xfrm>
+      </p:grpSpPr>
+      <p:sp>
+        <p:nvSpPr>
+          <p:cNvPr id="2" name="Title 1"/>
+          <p:cNvSpPr>
+            <a:spLocks noGrp="1"/>
+          </p:cNvSpPr>
+          <p:nvPr>
+            <p:ph type="title"/>
+          </p:nvPr>
+        </p:nvSpPr>
+        <p:spPr>
+          <a:xfrm>
+            <a:off x="457200" y="192024"/>
+            <a:ext cx="8229600" cy="740664"/>
+          </a:xfrm>
+        </p:spPr>
+        <p:txBody>
+          <a:bodyPr>
+            <a:normAutofit/>
+          </a:bodyPr>
+          <a:lstStyle/>
+          <a:p>
+            <a:r>
+              <a:rPr lang="en-US" sz="4000" dirty="0" smtClean="0"/>
+              <a:t>Steps of the Project: Original Design</a:t>
+            </a:r>
+            <a:endParaRPr lang="en-US" sz="4000" dirty="0"/>
+          </a:p>
+        </p:txBody>
+      </p:sp>
+      <p:pic>
+        <p:nvPicPr>
+          <p:cNvPr id="4" name="Picture 3"/>
+          <p:cNvPicPr>
+            <a:picLocks noChangeAspect="1"/>
+          </p:cNvPicPr>
+          <p:nvPr/>
+        </p:nvPicPr>
+        <p:blipFill>
+          <a:blip r:embed="rId2"/>
+          <a:stretch>
+            <a:fillRect/>
+          </a:stretch>
+        </p:blipFill>
+        <p:spPr>
+          <a:xfrm>
+            <a:off x="1474470" y="1236134"/>
+            <a:ext cx="6195060" cy="5385074"/>
+          </a:xfrm>
+          <a:prstGeom prst="rect">
+            <a:avLst/>
+          </a:prstGeom>
+        </p:spPr>
+      </p:pic>
+    </p:spTree>
+    <p:extLst>
+      <p:ext uri="{BB962C8B-B14F-4D97-AF65-F5344CB8AC3E}">
+        <p14:creationId xmlns:p14="http://schemas.microsoft.com/office/powerpoint/2010/main" val="3494360878"/>
+      </p:ext>
+    </p:extLst>
+  </p:cSld>
+  <p:clrMapOvr>
+    <a:masterClrMapping/>
+  </p:clrMapOvr>
+</p:sld>
+</file>
+
+<file path=ppt/slides/slide16.xml><?xml version="1.0" encoding="utf-8"?>
+<p:sld xmlns:a="http://schemas.openxmlformats.org/drawingml/2006/main" xmlns:r="http://schemas.openxmlformats.org/officeDocument/2006/relationships" xmlns:p="http://schemas.openxmlformats.org/presentationml/2006/main">
+  <p:cSld>
+    <p:spTree>
+      <p:nvGrpSpPr>
+        <p:cNvPr id="1" name=""/>
+        <p:cNvGrpSpPr/>
+        <p:nvPr/>
+      </p:nvGrpSpPr>
+      <p:grpSpPr>
+        <a:xfrm>
+          <a:off x="0" y="0"/>
+          <a:ext cx="0" cy="0"/>
+          <a:chOff x="0" y="0"/>
+          <a:chExt cx="0" cy="0"/>
+        </a:xfrm>
+      </p:grpSpPr>
+      <p:sp>
+        <p:nvSpPr>
+          <p:cNvPr id="2" name="Title 1"/>
+          <p:cNvSpPr>
+            <a:spLocks noGrp="1"/>
+          </p:cNvSpPr>
+          <p:nvPr>
+            <p:ph type="title"/>
+          </p:nvPr>
+        </p:nvSpPr>
+        <p:spPr>
+          <a:xfrm>
+            <a:off x="457200" y="192024"/>
+            <a:ext cx="8229600" cy="740664"/>
+          </a:xfrm>
+        </p:spPr>
+        <p:txBody>
+          <a:bodyPr>
+            <a:normAutofit/>
+          </a:bodyPr>
+          <a:lstStyle/>
+          <a:p>
+            <a:r>
+              <a:rPr lang="en-US" sz="4000" dirty="0" smtClean="0"/>
+              <a:t>Steps of the Project: Original Design</a:t>
+            </a:r>
+            <a:endParaRPr lang="en-US" sz="4000" dirty="0"/>
+          </a:p>
+        </p:txBody>
+      </p:sp>
+      <p:pic>
+        <p:nvPicPr>
+          <p:cNvPr id="3" name="Picture 2"/>
+          <p:cNvPicPr>
+            <a:picLocks noChangeAspect="1"/>
+          </p:cNvPicPr>
+          <p:nvPr/>
+        </p:nvPicPr>
+        <p:blipFill>
+          <a:blip r:embed="rId2"/>
+          <a:stretch>
+            <a:fillRect/>
+          </a:stretch>
+        </p:blipFill>
+        <p:spPr>
+          <a:xfrm>
+            <a:off x="1773650" y="1015873"/>
+            <a:ext cx="5596699" cy="5684773"/>
+          </a:xfrm>
+          <a:prstGeom prst="rect">
+            <a:avLst/>
+          </a:prstGeom>
+        </p:spPr>
+      </p:pic>
+    </p:spTree>
+    <p:extLst>
+      <p:ext uri="{BB962C8B-B14F-4D97-AF65-F5344CB8AC3E}">
+        <p14:creationId xmlns:p14="http://schemas.microsoft.com/office/powerpoint/2010/main" val="2741469918"/>
+      </p:ext>
+    </p:extLst>
+  </p:cSld>
+  <p:clrMapOvr>
+    <a:masterClrMapping/>
+  </p:clrMapOvr>
+</p:sld>
+</file>
+
+<file path=ppt/slides/slide17.xml><?xml version="1.0" encoding="utf-8"?>
+<p:sld xmlns:a="http://schemas.openxmlformats.org/drawingml/2006/main" xmlns:r="http://schemas.openxmlformats.org/officeDocument/2006/relationships" xmlns:p="http://schemas.openxmlformats.org/presentationml/2006/main">
+  <p:cSld>
+    <p:spTree>
+      <p:nvGrpSpPr>
+        <p:cNvPr id="1" name=""/>
+        <p:cNvGrpSpPr/>
+        <p:nvPr/>
+      </p:nvGrpSpPr>
+      <p:grpSpPr>
+        <a:xfrm>
+          <a:off x="0" y="0"/>
+          <a:ext cx="0" cy="0"/>
+          <a:chOff x="0" y="0"/>
+          <a:chExt cx="0" cy="0"/>
+        </a:xfrm>
+      </p:grpSpPr>
+      <p:sp>
+        <p:nvSpPr>
+          <p:cNvPr id="2" name="Title 1"/>
+          <p:cNvSpPr>
+            <a:spLocks noGrp="1"/>
+          </p:cNvSpPr>
+          <p:nvPr>
+            <p:ph type="title"/>
+          </p:nvPr>
+        </p:nvSpPr>
+        <p:spPr>
+          <a:xfrm>
+            <a:off x="457200" y="192024"/>
+            <a:ext cx="8229600" cy="740664"/>
+          </a:xfrm>
+        </p:spPr>
+        <p:txBody>
+          <a:bodyPr>
+            <a:normAutofit/>
+          </a:bodyPr>
+          <a:lstStyle/>
+          <a:p>
+            <a:r>
+              <a:rPr lang="en-US" sz="4000" dirty="0" smtClean="0"/>
+              <a:t>Steps of the Project: Original Design</a:t>
+            </a:r>
+            <a:endParaRPr lang="en-US" sz="4000" dirty="0"/>
+          </a:p>
+        </p:txBody>
+      </p:sp>
+      <p:pic>
+        <p:nvPicPr>
+          <p:cNvPr id="4" name="Picture 3"/>
+          <p:cNvPicPr>
+            <a:picLocks noChangeAspect="1"/>
+          </p:cNvPicPr>
+          <p:nvPr/>
+        </p:nvPicPr>
+        <p:blipFill>
+          <a:blip r:embed="rId2"/>
+          <a:stretch>
+            <a:fillRect/>
+          </a:stretch>
+        </p:blipFill>
+        <p:spPr>
+          <a:xfrm>
+            <a:off x="2008853" y="1033272"/>
+            <a:ext cx="5126294" cy="5658612"/>
+          </a:xfrm>
+          <a:prstGeom prst="rect">
+            <a:avLst/>
+          </a:prstGeom>
+        </p:spPr>
+      </p:pic>
+    </p:spTree>
+    <p:extLst>
+      <p:ext uri="{BB962C8B-B14F-4D97-AF65-F5344CB8AC3E}">
+        <p14:creationId xmlns:p14="http://schemas.microsoft.com/office/powerpoint/2010/main" val="1920639078"/>
+      </p:ext>
+    </p:extLst>
+  </p:cSld>
+  <p:clrMapOvr>
+    <a:masterClrMapping/>
+  </p:clrMapOvr>
+</p:sld>
+</file>
+
+<file path=ppt/slides/slide18.xml><?xml version="1.0" encoding="utf-8"?>
+<p:sld xmlns:a="http://schemas.openxmlformats.org/drawingml/2006/main" xmlns:r="http://schemas.openxmlformats.org/officeDocument/2006/relationships" xmlns:p="http://schemas.openxmlformats.org/presentationml/2006/main">
+  <p:cSld>
+    <p:spTree>
+      <p:nvGrpSpPr>
+        <p:cNvPr id="1" name=""/>
+        <p:cNvGrpSpPr/>
+        <p:nvPr/>
+      </p:nvGrpSpPr>
+      <p:grpSpPr>
+        <a:xfrm>
+          <a:off x="0" y="0"/>
+          <a:ext cx="0" cy="0"/>
+          <a:chOff x="0" y="0"/>
+          <a:chExt cx="0" cy="0"/>
+        </a:xfrm>
+      </p:grpSpPr>
+      <p:sp>
+        <p:nvSpPr>
+          <p:cNvPr id="2" name="Title 1"/>
+          <p:cNvSpPr>
+            <a:spLocks noGrp="1"/>
+          </p:cNvSpPr>
+          <p:nvPr>
+            <p:ph type="title"/>
+          </p:nvPr>
+        </p:nvSpPr>
+        <p:spPr>
+          <a:xfrm>
+            <a:off x="457200" y="192024"/>
+            <a:ext cx="8229600" cy="740664"/>
+          </a:xfrm>
+        </p:spPr>
+        <p:txBody>
+          <a:bodyPr>
+            <a:normAutofit/>
+          </a:bodyPr>
+          <a:lstStyle/>
+          <a:p>
+            <a:r>
+              <a:rPr lang="en-US" sz="4000" dirty="0" smtClean="0"/>
+              <a:t>Steps of the Project: Original Design</a:t>
+            </a:r>
+            <a:endParaRPr lang="en-US" sz="4000" dirty="0"/>
+          </a:p>
+        </p:txBody>
+      </p:sp>
+      <p:pic>
+        <p:nvPicPr>
+          <p:cNvPr id="3" name="Picture 2"/>
+          <p:cNvPicPr>
+            <a:picLocks noChangeAspect="1"/>
+          </p:cNvPicPr>
+          <p:nvPr/>
+        </p:nvPicPr>
+        <p:blipFill>
+          <a:blip r:embed="rId2"/>
+          <a:stretch>
+            <a:fillRect/>
+          </a:stretch>
+        </p:blipFill>
+        <p:spPr>
+          <a:xfrm>
+            <a:off x="1534971" y="1033273"/>
+            <a:ext cx="6074058" cy="5596128"/>
+          </a:xfrm>
+          <a:prstGeom prst="rect">
+            <a:avLst/>
+          </a:prstGeom>
+        </p:spPr>
+      </p:pic>
+    </p:spTree>
+    <p:extLst>
+      <p:ext uri="{BB962C8B-B14F-4D97-AF65-F5344CB8AC3E}">
+        <p14:creationId xmlns:p14="http://schemas.microsoft.com/office/powerpoint/2010/main" val="3395641493"/>
+      </p:ext>
+    </p:extLst>
+  </p:cSld>
+  <p:clrMapOvr>
+    <a:masterClrMapping/>
+  </p:clrMapOvr>
+</p:sld>
+</file>
+
+<file path=ppt/slides/slide19.xml><?xml version="1.0" encoding="utf-8"?>
+<p:sld xmlns:a="http://schemas.openxmlformats.org/drawingml/2006/main" xmlns:r="http://schemas.openxmlformats.org/officeDocument/2006/relationships" xmlns:p="http://schemas.openxmlformats.org/presentationml/2006/main">
+  <p:cSld>
+    <p:spTree>
+      <p:nvGrpSpPr>
+        <p:cNvPr id="1" name=""/>
+        <p:cNvGrpSpPr/>
+        <p:nvPr/>
+      </p:nvGrpSpPr>
+      <p:grpSpPr>
+        <a:xfrm>
+          <a:off x="0" y="0"/>
+          <a:ext cx="0" cy="0"/>
+          <a:chOff x="0" y="0"/>
+          <a:chExt cx="0" cy="0"/>
+        </a:xfrm>
+      </p:grpSpPr>
+      <p:sp>
+        <p:nvSpPr>
+          <p:cNvPr id="2" name="Title 1"/>
+          <p:cNvSpPr>
+            <a:spLocks noGrp="1"/>
+          </p:cNvSpPr>
+          <p:nvPr>
+            <p:ph type="title"/>
+          </p:nvPr>
+        </p:nvSpPr>
+        <p:spPr>
+          <a:xfrm>
+            <a:off x="457200" y="192024"/>
+            <a:ext cx="8229600" cy="740664"/>
+          </a:xfrm>
+        </p:spPr>
+        <p:txBody>
+          <a:bodyPr>
+            <a:normAutofit/>
+          </a:bodyPr>
+          <a:lstStyle/>
+          <a:p>
+            <a:r>
+              <a:rPr lang="en-US" sz="4000" dirty="0" smtClean="0"/>
+              <a:t>Steps of the Project: Original Design</a:t>
+            </a:r>
+            <a:endParaRPr lang="en-US" sz="4000" dirty="0"/>
+          </a:p>
+        </p:txBody>
+      </p:sp>
+      <p:pic>
+        <p:nvPicPr>
+          <p:cNvPr id="4" name="Picture 3"/>
+          <p:cNvPicPr>
+            <a:picLocks noChangeAspect="1"/>
+          </p:cNvPicPr>
+          <p:nvPr/>
+        </p:nvPicPr>
+        <p:blipFill>
+          <a:blip r:embed="rId2"/>
+          <a:stretch>
+            <a:fillRect/>
+          </a:stretch>
+        </p:blipFill>
+        <p:spPr>
+          <a:xfrm>
+            <a:off x="1593723" y="1039323"/>
+            <a:ext cx="5956554" cy="5595029"/>
+          </a:xfrm>
+          <a:prstGeom prst="rect">
+            <a:avLst/>
+          </a:prstGeom>
+        </p:spPr>
+      </p:pic>
+    </p:spTree>
+    <p:extLst>
+      <p:ext uri="{BB962C8B-B14F-4D97-AF65-F5344CB8AC3E}">
+        <p14:creationId xmlns:p14="http://schemas.microsoft.com/office/powerpoint/2010/main" val="4035629620"/>
       </p:ext>
     </p:extLst>
   </p:cSld>
@@ -3608,6 +4591,1050 @@
     <p:extLst>
       <p:ext uri="{BB962C8B-B14F-4D97-AF65-F5344CB8AC3E}">
         <p14:creationId xmlns:p14="http://schemas.microsoft.com/office/powerpoint/2010/main" val="3772163134"/>
+      </p:ext>
+    </p:extLst>
+  </p:cSld>
+  <p:clrMapOvr>
+    <a:masterClrMapping/>
+  </p:clrMapOvr>
+</p:sld>
+</file>
+
+<file path=ppt/slides/slide20.xml><?xml version="1.0" encoding="utf-8"?>
+<p:sld xmlns:a="http://schemas.openxmlformats.org/drawingml/2006/main" xmlns:r="http://schemas.openxmlformats.org/officeDocument/2006/relationships" xmlns:p="http://schemas.openxmlformats.org/presentationml/2006/main">
+  <p:cSld>
+    <p:spTree>
+      <p:nvGrpSpPr>
+        <p:cNvPr id="1" name=""/>
+        <p:cNvGrpSpPr/>
+        <p:nvPr/>
+      </p:nvGrpSpPr>
+      <p:grpSpPr>
+        <a:xfrm>
+          <a:off x="0" y="0"/>
+          <a:ext cx="0" cy="0"/>
+          <a:chOff x="0" y="0"/>
+          <a:chExt cx="0" cy="0"/>
+        </a:xfrm>
+      </p:grpSpPr>
+      <p:sp>
+        <p:nvSpPr>
+          <p:cNvPr id="2" name="Title 1"/>
+          <p:cNvSpPr>
+            <a:spLocks noGrp="1"/>
+          </p:cNvSpPr>
+          <p:nvPr>
+            <p:ph type="title"/>
+          </p:nvPr>
+        </p:nvSpPr>
+        <p:spPr>
+          <a:xfrm>
+            <a:off x="457200" y="192024"/>
+            <a:ext cx="8229600" cy="740664"/>
+          </a:xfrm>
+        </p:spPr>
+        <p:txBody>
+          <a:bodyPr>
+            <a:normAutofit/>
+          </a:bodyPr>
+          <a:lstStyle/>
+          <a:p>
+            <a:r>
+              <a:rPr lang="en-US" sz="4000" dirty="0" smtClean="0"/>
+              <a:t>Steps of the Project: Original Design</a:t>
+            </a:r>
+            <a:endParaRPr lang="en-US" sz="4000" dirty="0"/>
+          </a:p>
+        </p:txBody>
+      </p:sp>
+      <p:pic>
+        <p:nvPicPr>
+          <p:cNvPr id="3" name="Picture 2"/>
+          <p:cNvPicPr>
+            <a:picLocks noChangeAspect="1"/>
+          </p:cNvPicPr>
+          <p:nvPr/>
+        </p:nvPicPr>
+        <p:blipFill>
+          <a:blip r:embed="rId2"/>
+          <a:stretch>
+            <a:fillRect/>
+          </a:stretch>
+        </p:blipFill>
+        <p:spPr>
+          <a:xfrm>
+            <a:off x="789305" y="1453896"/>
+            <a:ext cx="7565390" cy="4736592"/>
+          </a:xfrm>
+          <a:prstGeom prst="rect">
+            <a:avLst/>
+          </a:prstGeom>
+        </p:spPr>
+      </p:pic>
+    </p:spTree>
+    <p:extLst>
+      <p:ext uri="{BB962C8B-B14F-4D97-AF65-F5344CB8AC3E}">
+        <p14:creationId xmlns:p14="http://schemas.microsoft.com/office/powerpoint/2010/main" val="3257844469"/>
+      </p:ext>
+    </p:extLst>
+  </p:cSld>
+  <p:clrMapOvr>
+    <a:masterClrMapping/>
+  </p:clrMapOvr>
+</p:sld>
+</file>
+
+<file path=ppt/slides/slide21.xml><?xml version="1.0" encoding="utf-8"?>
+<p:sld xmlns:a="http://schemas.openxmlformats.org/drawingml/2006/main" xmlns:r="http://schemas.openxmlformats.org/officeDocument/2006/relationships" xmlns:p="http://schemas.openxmlformats.org/presentationml/2006/main">
+  <p:cSld>
+    <p:spTree>
+      <p:nvGrpSpPr>
+        <p:cNvPr id="1" name=""/>
+        <p:cNvGrpSpPr/>
+        <p:nvPr/>
+      </p:nvGrpSpPr>
+      <p:grpSpPr>
+        <a:xfrm>
+          <a:off x="0" y="0"/>
+          <a:ext cx="0" cy="0"/>
+          <a:chOff x="0" y="0"/>
+          <a:chExt cx="0" cy="0"/>
+        </a:xfrm>
+      </p:grpSpPr>
+      <p:sp>
+        <p:nvSpPr>
+          <p:cNvPr id="2" name="Title 1"/>
+          <p:cNvSpPr>
+            <a:spLocks noGrp="1"/>
+          </p:cNvSpPr>
+          <p:nvPr>
+            <p:ph type="title"/>
+          </p:nvPr>
+        </p:nvSpPr>
+        <p:spPr>
+          <a:xfrm>
+            <a:off x="457200" y="192024"/>
+            <a:ext cx="8229600" cy="740664"/>
+          </a:xfrm>
+        </p:spPr>
+        <p:txBody>
+          <a:bodyPr>
+            <a:normAutofit/>
+          </a:bodyPr>
+          <a:lstStyle/>
+          <a:p>
+            <a:r>
+              <a:rPr lang="en-US" sz="4000" dirty="0" smtClean="0"/>
+              <a:t>Steps of the Project: Original Design</a:t>
+            </a:r>
+            <a:endParaRPr lang="en-US" sz="4000" dirty="0"/>
+          </a:p>
+        </p:txBody>
+      </p:sp>
+      <p:sp>
+        <p:nvSpPr>
+          <p:cNvPr id="4" name="TextBox 3"/>
+          <p:cNvSpPr txBox="1"/>
+          <p:nvPr/>
+        </p:nvSpPr>
+        <p:spPr>
+          <a:xfrm>
+            <a:off x="832104" y="1234440"/>
+            <a:ext cx="7388352" cy="2677656"/>
+          </a:xfrm>
+          <a:prstGeom prst="rect">
+            <a:avLst/>
+          </a:prstGeom>
+          <a:noFill/>
+        </p:spPr>
+        <p:txBody>
+          <a:bodyPr wrap="square" rtlCol="0">
+            <a:spAutoFit/>
+          </a:bodyPr>
+          <a:lstStyle/>
+          <a:p>
+            <a:pPr marL="285750" indent="-285750">
+              <a:buFont typeface="Arial" panose="020B0604020202020204" pitchFamily="34" charset="0"/>
+              <a:buChar char="•"/>
+            </a:pPr>
+            <a:r>
+              <a:rPr lang="en-US" sz="2800" dirty="0" smtClean="0"/>
+              <a:t>As evident, there is a lot of code from start to finish.</a:t>
+            </a:r>
+          </a:p>
+          <a:p>
+            <a:pPr marL="285750" indent="-285750">
+              <a:buFont typeface="Arial" panose="020B0604020202020204" pitchFamily="34" charset="0"/>
+              <a:buChar char="•"/>
+            </a:pPr>
+            <a:r>
+              <a:rPr lang="en-US" sz="2800" dirty="0" smtClean="0"/>
+              <a:t>In order for testing purposes and efficiency, I created python files to eliminate some of the code on the screen for the user.</a:t>
+            </a:r>
+          </a:p>
+          <a:p>
+            <a:pPr marL="285750" indent="-285750">
+              <a:buFont typeface="Arial" panose="020B0604020202020204" pitchFamily="34" charset="0"/>
+              <a:buChar char="•"/>
+            </a:pPr>
+            <a:r>
+              <a:rPr lang="en-US" sz="2800" dirty="0" smtClean="0"/>
+              <a:t>Same Results but easier to read and use.</a:t>
+            </a:r>
+            <a:endParaRPr lang="en-US" sz="2800" dirty="0"/>
+          </a:p>
+        </p:txBody>
+      </p:sp>
+    </p:spTree>
+    <p:extLst>
+      <p:ext uri="{BB962C8B-B14F-4D97-AF65-F5344CB8AC3E}">
+        <p14:creationId xmlns:p14="http://schemas.microsoft.com/office/powerpoint/2010/main" val="2239358036"/>
+      </p:ext>
+    </p:extLst>
+  </p:cSld>
+  <p:clrMapOvr>
+    <a:masterClrMapping/>
+  </p:clrMapOvr>
+</p:sld>
+</file>
+
+<file path=ppt/slides/slide22.xml><?xml version="1.0" encoding="utf-8"?>
+<p:sld xmlns:a="http://schemas.openxmlformats.org/drawingml/2006/main" xmlns:r="http://schemas.openxmlformats.org/officeDocument/2006/relationships" xmlns:p="http://schemas.openxmlformats.org/presentationml/2006/main">
+  <p:cSld>
+    <p:spTree>
+      <p:nvGrpSpPr>
+        <p:cNvPr id="1" name=""/>
+        <p:cNvGrpSpPr/>
+        <p:nvPr/>
+      </p:nvGrpSpPr>
+      <p:grpSpPr>
+        <a:xfrm>
+          <a:off x="0" y="0"/>
+          <a:ext cx="0" cy="0"/>
+          <a:chOff x="0" y="0"/>
+          <a:chExt cx="0" cy="0"/>
+        </a:xfrm>
+      </p:grpSpPr>
+      <p:sp>
+        <p:nvSpPr>
+          <p:cNvPr id="2" name="Title 1"/>
+          <p:cNvSpPr>
+            <a:spLocks noGrp="1"/>
+          </p:cNvSpPr>
+          <p:nvPr>
+            <p:ph type="title"/>
+          </p:nvPr>
+        </p:nvSpPr>
+        <p:spPr>
+          <a:xfrm>
+            <a:off x="457200" y="259254"/>
+            <a:ext cx="8229600" cy="1143000"/>
+          </a:xfrm>
+        </p:spPr>
+        <p:txBody>
+          <a:bodyPr/>
+          <a:lstStyle/>
+          <a:p>
+            <a:r>
+              <a:rPr lang="en-US" dirty="0" smtClean="0"/>
+              <a:t>Improving User Experience:</a:t>
+            </a:r>
+            <a:endParaRPr lang="en-US" dirty="0"/>
+          </a:p>
+        </p:txBody>
+      </p:sp>
+      <p:sp>
+        <p:nvSpPr>
+          <p:cNvPr id="3" name="TextBox 2"/>
+          <p:cNvSpPr txBox="1"/>
+          <p:nvPr/>
+        </p:nvSpPr>
+        <p:spPr>
+          <a:xfrm>
+            <a:off x="824713" y="1402254"/>
+            <a:ext cx="7323447" cy="4801315"/>
+          </a:xfrm>
+          <a:prstGeom prst="rect">
+            <a:avLst/>
+          </a:prstGeom>
+          <a:noFill/>
+        </p:spPr>
+        <p:txBody>
+          <a:bodyPr wrap="square" rtlCol="0">
+            <a:spAutoFit/>
+          </a:bodyPr>
+          <a:lstStyle/>
+          <a:p>
+            <a:pPr marL="285750" indent="-285750">
+              <a:buFont typeface="Arial"/>
+              <a:buChar char="•"/>
+            </a:pPr>
+            <a:r>
+              <a:rPr lang="en-US" dirty="0" smtClean="0"/>
+              <a:t>In order to prevent the user from feeling overwhelmed in code, I created individual python scripts to make the process more user friendly.</a:t>
+            </a:r>
+          </a:p>
+          <a:p>
+            <a:pPr marL="285750" indent="-285750">
+              <a:buFont typeface="Arial"/>
+              <a:buChar char="•"/>
+            </a:pPr>
+            <a:r>
+              <a:rPr lang="en-US" dirty="0" smtClean="0"/>
+              <a:t>I placed the following python scripts in the </a:t>
+            </a:r>
+            <a:r>
+              <a:rPr lang="en-US" b="1" dirty="0" smtClean="0"/>
+              <a:t>python_scripts directory:</a:t>
+            </a:r>
+          </a:p>
+          <a:p>
+            <a:pPr marL="742950" lvl="1" indent="-285750">
+              <a:buFont typeface="Arial"/>
+              <a:buChar char="•"/>
+            </a:pPr>
+            <a:r>
+              <a:rPr lang="en-US" b="1" dirty="0" smtClean="0"/>
+              <a:t>dataloader.py</a:t>
+            </a:r>
+            <a:r>
+              <a:rPr lang="en-US" dirty="0" smtClean="0"/>
+              <a:t> </a:t>
+            </a:r>
+          </a:p>
+          <a:p>
+            <a:pPr marL="1200150" lvl="2" indent="-285750">
+              <a:buFont typeface="Arial"/>
+              <a:buChar char="•"/>
+            </a:pPr>
+            <a:r>
+              <a:rPr lang="en-US" dirty="0" smtClean="0"/>
+              <a:t>Imports the data into training and test data</a:t>
+            </a:r>
+          </a:p>
+          <a:p>
+            <a:pPr marL="1200150" lvl="2" indent="-285750">
+              <a:buFont typeface="Arial"/>
+              <a:buChar char="•"/>
+            </a:pPr>
+            <a:r>
+              <a:rPr lang="en-US" dirty="0" smtClean="0"/>
+              <a:t>Converts data into 128 x 128 </a:t>
+            </a:r>
+            <a:r>
+              <a:rPr lang="en-US" dirty="0" err="1" smtClean="0"/>
+              <a:t>numpy</a:t>
+            </a:r>
+            <a:r>
+              <a:rPr lang="en-US" dirty="0" smtClean="0"/>
+              <a:t> arrays</a:t>
+            </a:r>
+            <a:endParaRPr lang="en-US" b="1" dirty="0"/>
+          </a:p>
+          <a:p>
+            <a:pPr marL="742950" lvl="1" indent="-285750">
+              <a:buFont typeface="Arial"/>
+              <a:buChar char="•"/>
+            </a:pPr>
+            <a:r>
+              <a:rPr lang="en-US" b="1" dirty="0" smtClean="0"/>
+              <a:t>image_augmentor.py</a:t>
+            </a:r>
+          </a:p>
+          <a:p>
+            <a:pPr marL="1200150" lvl="2" indent="-285750">
+              <a:buFont typeface="Arial"/>
+              <a:buChar char="•"/>
+            </a:pPr>
+            <a:r>
+              <a:rPr lang="en-US" dirty="0" smtClean="0"/>
+              <a:t>Used the Augmentor Library to augment the images</a:t>
+            </a:r>
+          </a:p>
+          <a:p>
+            <a:pPr marL="1200150" lvl="2" indent="-285750">
+              <a:buFont typeface="Arial"/>
+              <a:buChar char="•"/>
+            </a:pPr>
+            <a:r>
+              <a:rPr lang="en-US" dirty="0" smtClean="0"/>
+              <a:t>The user can select how many images they would like to augment.</a:t>
+            </a:r>
+          </a:p>
+          <a:p>
+            <a:pPr marL="742950" lvl="1" indent="-285750">
+              <a:buFont typeface="Arial"/>
+              <a:buChar char="•"/>
+            </a:pPr>
+            <a:r>
+              <a:rPr lang="en-US" b="1" dirty="0" smtClean="0"/>
+              <a:t>mean_iou.py</a:t>
+            </a:r>
+          </a:p>
+          <a:p>
+            <a:pPr marL="1200150" lvl="2" indent="-285750">
+              <a:buFont typeface="Arial"/>
+              <a:buChar char="•"/>
+            </a:pPr>
+            <a:r>
+              <a:rPr lang="en-US" dirty="0" smtClean="0"/>
+              <a:t>Used Tensorflow’s Mean IOU function and </a:t>
+            </a:r>
+            <a:r>
+              <a:rPr lang="en-US" dirty="0" err="1" smtClean="0"/>
+              <a:t>keras</a:t>
+            </a:r>
+            <a:r>
+              <a:rPr lang="en-US" dirty="0" smtClean="0"/>
+              <a:t> backend to produced the metric used by Kaggle for submission evaluation.</a:t>
+            </a:r>
+          </a:p>
+          <a:p>
+            <a:pPr marL="742950" lvl="1" indent="-285750">
+              <a:buFont typeface="Arial"/>
+              <a:buChar char="•"/>
+            </a:pPr>
+            <a:r>
+              <a:rPr lang="en-US" b="1" dirty="0" smtClean="0"/>
+              <a:t>Modeling.py</a:t>
+            </a:r>
+          </a:p>
+          <a:p>
+            <a:pPr marL="1200150" lvl="2" indent="-285750">
+              <a:buFont typeface="Arial"/>
+              <a:buChar char="•"/>
+            </a:pPr>
+            <a:r>
+              <a:rPr lang="en-US" dirty="0" smtClean="0"/>
+              <a:t>Contains a U-Net CNN structure for classifying images.</a:t>
+            </a:r>
+          </a:p>
+          <a:p>
+            <a:pPr marL="742950" lvl="1" indent="-285750">
+              <a:buFont typeface="Arial"/>
+              <a:buChar char="•"/>
+            </a:pPr>
+            <a:r>
+              <a:rPr lang="en-US" b="1" dirty="0" smtClean="0"/>
+              <a:t>submission.py</a:t>
+            </a:r>
+          </a:p>
+          <a:p>
+            <a:pPr marL="1200150" lvl="2" indent="-285750">
+              <a:buFont typeface="Arial"/>
+              <a:buChar char="•"/>
+            </a:pPr>
+            <a:r>
+              <a:rPr lang="en-US" dirty="0" smtClean="0"/>
+              <a:t>Formats the predictions according to Kaggle Submission Rules.</a:t>
+            </a:r>
+          </a:p>
+        </p:txBody>
+      </p:sp>
+    </p:spTree>
+    <p:extLst>
+      <p:ext uri="{BB962C8B-B14F-4D97-AF65-F5344CB8AC3E}">
+        <p14:creationId xmlns:p14="http://schemas.microsoft.com/office/powerpoint/2010/main" val="1699763850"/>
+      </p:ext>
+    </p:extLst>
+  </p:cSld>
+  <p:clrMapOvr>
+    <a:masterClrMapping/>
+  </p:clrMapOvr>
+</p:sld>
+</file>
+
+<file path=ppt/slides/slide23.xml><?xml version="1.0" encoding="utf-8"?>
+<p:sld xmlns:a="http://schemas.openxmlformats.org/drawingml/2006/main" xmlns:r="http://schemas.openxmlformats.org/officeDocument/2006/relationships" xmlns:p="http://schemas.openxmlformats.org/presentationml/2006/main">
+  <p:cSld>
+    <p:spTree>
+      <p:nvGrpSpPr>
+        <p:cNvPr id="1" name=""/>
+        <p:cNvGrpSpPr/>
+        <p:nvPr/>
+      </p:nvGrpSpPr>
+      <p:grpSpPr>
+        <a:xfrm>
+          <a:off x="0" y="0"/>
+          <a:ext cx="0" cy="0"/>
+          <a:chOff x="0" y="0"/>
+          <a:chExt cx="0" cy="0"/>
+        </a:xfrm>
+      </p:grpSpPr>
+      <p:sp>
+        <p:nvSpPr>
+          <p:cNvPr id="2" name="Title 1"/>
+          <p:cNvSpPr>
+            <a:spLocks noGrp="1"/>
+          </p:cNvSpPr>
+          <p:nvPr>
+            <p:ph type="title"/>
+          </p:nvPr>
+        </p:nvSpPr>
+        <p:spPr>
+          <a:xfrm>
+            <a:off x="457200" y="192024"/>
+            <a:ext cx="8229600" cy="740664"/>
+          </a:xfrm>
+        </p:spPr>
+        <p:txBody>
+          <a:bodyPr>
+            <a:normAutofit/>
+          </a:bodyPr>
+          <a:lstStyle/>
+          <a:p>
+            <a:r>
+              <a:rPr lang="en-US" sz="4000" dirty="0" smtClean="0"/>
+              <a:t>Steps of the Project: </a:t>
+            </a:r>
+            <a:r>
+              <a:rPr lang="en-US" sz="4000" dirty="0" smtClean="0"/>
+              <a:t>Final </a:t>
+            </a:r>
+            <a:r>
+              <a:rPr lang="en-US" sz="4000" dirty="0" smtClean="0"/>
+              <a:t>Design</a:t>
+            </a:r>
+            <a:endParaRPr lang="en-US" sz="4000" dirty="0"/>
+          </a:p>
+        </p:txBody>
+      </p:sp>
+      <p:pic>
+        <p:nvPicPr>
+          <p:cNvPr id="3" name="Picture 2"/>
+          <p:cNvPicPr>
+            <a:picLocks noChangeAspect="1"/>
+          </p:cNvPicPr>
+          <p:nvPr/>
+        </p:nvPicPr>
+        <p:blipFill>
+          <a:blip r:embed="rId2"/>
+          <a:stretch>
+            <a:fillRect/>
+          </a:stretch>
+        </p:blipFill>
+        <p:spPr>
+          <a:xfrm>
+            <a:off x="782003" y="1024180"/>
+            <a:ext cx="7904797" cy="5649495"/>
+          </a:xfrm>
+          <a:prstGeom prst="rect">
+            <a:avLst/>
+          </a:prstGeom>
+        </p:spPr>
+      </p:pic>
+    </p:spTree>
+    <p:extLst>
+      <p:ext uri="{BB962C8B-B14F-4D97-AF65-F5344CB8AC3E}">
+        <p14:creationId xmlns:p14="http://schemas.microsoft.com/office/powerpoint/2010/main" val="1267806146"/>
+      </p:ext>
+    </p:extLst>
+  </p:cSld>
+  <p:clrMapOvr>
+    <a:masterClrMapping/>
+  </p:clrMapOvr>
+</p:sld>
+</file>
+
+<file path=ppt/slides/slide24.xml><?xml version="1.0" encoding="utf-8"?>
+<p:sld xmlns:a="http://schemas.openxmlformats.org/drawingml/2006/main" xmlns:r="http://schemas.openxmlformats.org/officeDocument/2006/relationships" xmlns:p="http://schemas.openxmlformats.org/presentationml/2006/main">
+  <p:cSld>
+    <p:spTree>
+      <p:nvGrpSpPr>
+        <p:cNvPr id="1" name=""/>
+        <p:cNvGrpSpPr/>
+        <p:nvPr/>
+      </p:nvGrpSpPr>
+      <p:grpSpPr>
+        <a:xfrm>
+          <a:off x="0" y="0"/>
+          <a:ext cx="0" cy="0"/>
+          <a:chOff x="0" y="0"/>
+          <a:chExt cx="0" cy="0"/>
+        </a:xfrm>
+      </p:grpSpPr>
+      <p:sp>
+        <p:nvSpPr>
+          <p:cNvPr id="2" name="Title 1"/>
+          <p:cNvSpPr>
+            <a:spLocks noGrp="1"/>
+          </p:cNvSpPr>
+          <p:nvPr>
+            <p:ph type="title"/>
+          </p:nvPr>
+        </p:nvSpPr>
+        <p:spPr>
+          <a:xfrm>
+            <a:off x="457200" y="192024"/>
+            <a:ext cx="8229600" cy="740664"/>
+          </a:xfrm>
+        </p:spPr>
+        <p:txBody>
+          <a:bodyPr>
+            <a:normAutofit/>
+          </a:bodyPr>
+          <a:lstStyle/>
+          <a:p>
+            <a:r>
+              <a:rPr lang="en-US" sz="4000" dirty="0" smtClean="0"/>
+              <a:t>Steps of the Project: </a:t>
+            </a:r>
+            <a:r>
+              <a:rPr lang="en-US" sz="4000" dirty="0" smtClean="0"/>
+              <a:t>Final </a:t>
+            </a:r>
+            <a:r>
+              <a:rPr lang="en-US" sz="4000" dirty="0" smtClean="0"/>
+              <a:t>Design</a:t>
+            </a:r>
+            <a:endParaRPr lang="en-US" sz="4000" dirty="0"/>
+          </a:p>
+        </p:txBody>
+      </p:sp>
+      <p:pic>
+        <p:nvPicPr>
+          <p:cNvPr id="4" name="Picture 3"/>
+          <p:cNvPicPr>
+            <a:picLocks noChangeAspect="1"/>
+          </p:cNvPicPr>
+          <p:nvPr/>
+        </p:nvPicPr>
+        <p:blipFill>
+          <a:blip r:embed="rId2"/>
+          <a:stretch>
+            <a:fillRect/>
+          </a:stretch>
+        </p:blipFill>
+        <p:spPr>
+          <a:xfrm>
+            <a:off x="849250" y="1115567"/>
+            <a:ext cx="7445500" cy="5527289"/>
+          </a:xfrm>
+          <a:prstGeom prst="rect">
+            <a:avLst/>
+          </a:prstGeom>
+        </p:spPr>
+      </p:pic>
+    </p:spTree>
+    <p:extLst>
+      <p:ext uri="{BB962C8B-B14F-4D97-AF65-F5344CB8AC3E}">
+        <p14:creationId xmlns:p14="http://schemas.microsoft.com/office/powerpoint/2010/main" val="1685861891"/>
+      </p:ext>
+    </p:extLst>
+  </p:cSld>
+  <p:clrMapOvr>
+    <a:masterClrMapping/>
+  </p:clrMapOvr>
+</p:sld>
+</file>
+
+<file path=ppt/slides/slide25.xml><?xml version="1.0" encoding="utf-8"?>
+<p:sld xmlns:a="http://schemas.openxmlformats.org/drawingml/2006/main" xmlns:r="http://schemas.openxmlformats.org/officeDocument/2006/relationships" xmlns:p="http://schemas.openxmlformats.org/presentationml/2006/main">
+  <p:cSld>
+    <p:spTree>
+      <p:nvGrpSpPr>
+        <p:cNvPr id="1" name=""/>
+        <p:cNvGrpSpPr/>
+        <p:nvPr/>
+      </p:nvGrpSpPr>
+      <p:grpSpPr>
+        <a:xfrm>
+          <a:off x="0" y="0"/>
+          <a:ext cx="0" cy="0"/>
+          <a:chOff x="0" y="0"/>
+          <a:chExt cx="0" cy="0"/>
+        </a:xfrm>
+      </p:grpSpPr>
+      <p:sp>
+        <p:nvSpPr>
+          <p:cNvPr id="2" name="Title 1"/>
+          <p:cNvSpPr>
+            <a:spLocks noGrp="1"/>
+          </p:cNvSpPr>
+          <p:nvPr>
+            <p:ph type="title"/>
+          </p:nvPr>
+        </p:nvSpPr>
+        <p:spPr>
+          <a:xfrm>
+            <a:off x="457200" y="192024"/>
+            <a:ext cx="8229600" cy="740664"/>
+          </a:xfrm>
+        </p:spPr>
+        <p:txBody>
+          <a:bodyPr>
+            <a:normAutofit/>
+          </a:bodyPr>
+          <a:lstStyle/>
+          <a:p>
+            <a:r>
+              <a:rPr lang="en-US" sz="4000" dirty="0" smtClean="0"/>
+              <a:t>Steps of the Project: </a:t>
+            </a:r>
+            <a:r>
+              <a:rPr lang="en-US" sz="4000" dirty="0" smtClean="0"/>
+              <a:t>Final </a:t>
+            </a:r>
+            <a:r>
+              <a:rPr lang="en-US" sz="4000" dirty="0" smtClean="0"/>
+              <a:t>Design</a:t>
+            </a:r>
+            <a:endParaRPr lang="en-US" sz="4000" dirty="0"/>
+          </a:p>
+        </p:txBody>
+      </p:sp>
+      <p:pic>
+        <p:nvPicPr>
+          <p:cNvPr id="4" name="Picture 3"/>
+          <p:cNvPicPr>
+            <a:picLocks noChangeAspect="1"/>
+          </p:cNvPicPr>
+          <p:nvPr/>
+        </p:nvPicPr>
+        <p:blipFill>
+          <a:blip r:embed="rId2"/>
+          <a:stretch>
+            <a:fillRect/>
+          </a:stretch>
+        </p:blipFill>
+        <p:spPr>
+          <a:xfrm>
+            <a:off x="849250" y="1115567"/>
+            <a:ext cx="7445500" cy="5527289"/>
+          </a:xfrm>
+          <a:prstGeom prst="rect">
+            <a:avLst/>
+          </a:prstGeom>
+        </p:spPr>
+      </p:pic>
+    </p:spTree>
+    <p:extLst>
+      <p:ext uri="{BB962C8B-B14F-4D97-AF65-F5344CB8AC3E}">
+        <p14:creationId xmlns:p14="http://schemas.microsoft.com/office/powerpoint/2010/main" val="3441163835"/>
+      </p:ext>
+    </p:extLst>
+  </p:cSld>
+  <p:clrMapOvr>
+    <a:masterClrMapping/>
+  </p:clrMapOvr>
+</p:sld>
+</file>
+
+<file path=ppt/slides/slide26.xml><?xml version="1.0" encoding="utf-8"?>
+<p:sld xmlns:a="http://schemas.openxmlformats.org/drawingml/2006/main" xmlns:r="http://schemas.openxmlformats.org/officeDocument/2006/relationships" xmlns:p="http://schemas.openxmlformats.org/presentationml/2006/main">
+  <p:cSld>
+    <p:spTree>
+      <p:nvGrpSpPr>
+        <p:cNvPr id="1" name=""/>
+        <p:cNvGrpSpPr/>
+        <p:nvPr/>
+      </p:nvGrpSpPr>
+      <p:grpSpPr>
+        <a:xfrm>
+          <a:off x="0" y="0"/>
+          <a:ext cx="0" cy="0"/>
+          <a:chOff x="0" y="0"/>
+          <a:chExt cx="0" cy="0"/>
+        </a:xfrm>
+      </p:grpSpPr>
+      <p:sp>
+        <p:nvSpPr>
+          <p:cNvPr id="2" name="Title 1"/>
+          <p:cNvSpPr>
+            <a:spLocks noGrp="1"/>
+          </p:cNvSpPr>
+          <p:nvPr>
+            <p:ph type="title"/>
+          </p:nvPr>
+        </p:nvSpPr>
+        <p:spPr>
+          <a:xfrm>
+            <a:off x="457200" y="192024"/>
+            <a:ext cx="8229600" cy="740664"/>
+          </a:xfrm>
+        </p:spPr>
+        <p:txBody>
+          <a:bodyPr>
+            <a:normAutofit/>
+          </a:bodyPr>
+          <a:lstStyle/>
+          <a:p>
+            <a:r>
+              <a:rPr lang="en-US" sz="4000" dirty="0" smtClean="0"/>
+              <a:t>Steps of the Project: </a:t>
+            </a:r>
+            <a:r>
+              <a:rPr lang="en-US" sz="4000" dirty="0" smtClean="0"/>
+              <a:t>Final </a:t>
+            </a:r>
+            <a:r>
+              <a:rPr lang="en-US" sz="4000" dirty="0" smtClean="0"/>
+              <a:t>Design</a:t>
+            </a:r>
+            <a:endParaRPr lang="en-US" sz="4000" dirty="0"/>
+          </a:p>
+        </p:txBody>
+      </p:sp>
+      <p:pic>
+        <p:nvPicPr>
+          <p:cNvPr id="3" name="Picture 2"/>
+          <p:cNvPicPr>
+            <a:picLocks noChangeAspect="1"/>
+          </p:cNvPicPr>
+          <p:nvPr/>
+        </p:nvPicPr>
+        <p:blipFill>
+          <a:blip r:embed="rId2"/>
+          <a:stretch>
+            <a:fillRect/>
+          </a:stretch>
+        </p:blipFill>
+        <p:spPr>
+          <a:xfrm>
+            <a:off x="805624" y="1168788"/>
+            <a:ext cx="7532751" cy="5242679"/>
+          </a:xfrm>
+          <a:prstGeom prst="rect">
+            <a:avLst/>
+          </a:prstGeom>
+        </p:spPr>
+      </p:pic>
+    </p:spTree>
+    <p:extLst>
+      <p:ext uri="{BB962C8B-B14F-4D97-AF65-F5344CB8AC3E}">
+        <p14:creationId xmlns:p14="http://schemas.microsoft.com/office/powerpoint/2010/main" val="935657600"/>
+      </p:ext>
+    </p:extLst>
+  </p:cSld>
+  <p:clrMapOvr>
+    <a:masterClrMapping/>
+  </p:clrMapOvr>
+</p:sld>
+</file>
+
+<file path=ppt/slides/slide27.xml><?xml version="1.0" encoding="utf-8"?>
+<p:sld xmlns:a="http://schemas.openxmlformats.org/drawingml/2006/main" xmlns:r="http://schemas.openxmlformats.org/officeDocument/2006/relationships" xmlns:p="http://schemas.openxmlformats.org/presentationml/2006/main">
+  <p:cSld>
+    <p:spTree>
+      <p:nvGrpSpPr>
+        <p:cNvPr id="1" name=""/>
+        <p:cNvGrpSpPr/>
+        <p:nvPr/>
+      </p:nvGrpSpPr>
+      <p:grpSpPr>
+        <a:xfrm>
+          <a:off x="0" y="0"/>
+          <a:ext cx="0" cy="0"/>
+          <a:chOff x="0" y="0"/>
+          <a:chExt cx="0" cy="0"/>
+        </a:xfrm>
+      </p:grpSpPr>
+      <p:sp>
+        <p:nvSpPr>
+          <p:cNvPr id="2" name="Title 1"/>
+          <p:cNvSpPr>
+            <a:spLocks noGrp="1"/>
+          </p:cNvSpPr>
+          <p:nvPr>
+            <p:ph type="title"/>
+          </p:nvPr>
+        </p:nvSpPr>
+        <p:spPr/>
+        <p:txBody>
+          <a:bodyPr/>
+          <a:lstStyle/>
+          <a:p>
+            <a:r>
+              <a:rPr lang="en-US" dirty="0" smtClean="0"/>
+              <a:t>Results</a:t>
+            </a:r>
+            <a:endParaRPr lang="en-US" dirty="0"/>
+          </a:p>
+        </p:txBody>
+      </p:sp>
+    </p:spTree>
+    <p:extLst>
+      <p:ext uri="{BB962C8B-B14F-4D97-AF65-F5344CB8AC3E}">
+        <p14:creationId xmlns:p14="http://schemas.microsoft.com/office/powerpoint/2010/main" val="3846159669"/>
+      </p:ext>
+    </p:extLst>
+  </p:cSld>
+  <p:clrMapOvr>
+    <a:masterClrMapping/>
+  </p:clrMapOvr>
+</p:sld>
+</file>
+
+<file path=ppt/slides/slide28.xml><?xml version="1.0" encoding="utf-8"?>
+<p:sld xmlns:a="http://schemas.openxmlformats.org/drawingml/2006/main" xmlns:r="http://schemas.openxmlformats.org/officeDocument/2006/relationships" xmlns:p="http://schemas.openxmlformats.org/presentationml/2006/main">
+  <p:cSld>
+    <p:spTree>
+      <p:nvGrpSpPr>
+        <p:cNvPr id="1" name=""/>
+        <p:cNvGrpSpPr/>
+        <p:nvPr/>
+      </p:nvGrpSpPr>
+      <p:grpSpPr>
+        <a:xfrm>
+          <a:off x="0" y="0"/>
+          <a:ext cx="0" cy="0"/>
+          <a:chOff x="0" y="0"/>
+          <a:chExt cx="0" cy="0"/>
+        </a:xfrm>
+      </p:grpSpPr>
+      <p:sp>
+        <p:nvSpPr>
+          <p:cNvPr id="2" name="Title 1"/>
+          <p:cNvSpPr>
+            <a:spLocks noGrp="1"/>
+          </p:cNvSpPr>
+          <p:nvPr>
+            <p:ph type="title"/>
+          </p:nvPr>
+        </p:nvSpPr>
+        <p:spPr>
+          <a:xfrm>
+            <a:off x="457200" y="143785"/>
+            <a:ext cx="8229600" cy="1126368"/>
+          </a:xfrm>
+        </p:spPr>
+        <p:txBody>
+          <a:bodyPr>
+            <a:normAutofit/>
+          </a:bodyPr>
+          <a:lstStyle/>
+          <a:p>
+            <a:r>
+              <a:rPr lang="en-US" dirty="0" smtClean="0"/>
+              <a:t>References Cited</a:t>
+            </a:r>
+            <a:endParaRPr lang="en-US" dirty="0"/>
+          </a:p>
+        </p:txBody>
+      </p:sp>
+      <p:sp>
+        <p:nvSpPr>
+          <p:cNvPr id="7" name="Rectangle 6"/>
+          <p:cNvSpPr/>
+          <p:nvPr/>
+        </p:nvSpPr>
+        <p:spPr>
+          <a:xfrm>
+            <a:off x="187622" y="1270153"/>
+            <a:ext cx="8956378" cy="646331"/>
+          </a:xfrm>
+          <a:prstGeom prst="rect">
+            <a:avLst/>
+          </a:prstGeom>
+        </p:spPr>
+        <p:txBody>
+          <a:bodyPr wrap="square">
+            <a:spAutoFit/>
+          </a:bodyPr>
+          <a:lstStyle/>
+          <a:p>
+            <a:r>
+              <a:rPr lang="en-US" dirty="0"/>
+              <a:t>Challenges in drilling salt formations and rubble zones. (</a:t>
+            </a:r>
+            <a:r>
+              <a:rPr lang="en-US" dirty="0" err="1"/>
+              <a:t>n.d.</a:t>
+            </a:r>
+            <a:r>
+              <a:rPr lang="en-US" dirty="0"/>
+              <a:t>). </a:t>
+            </a:r>
+            <a:r>
+              <a:rPr lang="en-US" dirty="0" smtClean="0"/>
+              <a:t>Retrieved </a:t>
+            </a:r>
+            <a:r>
+              <a:rPr lang="en-US" dirty="0"/>
+              <a:t>December </a:t>
+            </a:r>
+            <a:r>
+              <a:rPr lang="en-US" dirty="0" smtClean="0"/>
+              <a:t>9, 2018,</a:t>
+            </a:r>
+          </a:p>
+          <a:p>
+            <a:r>
+              <a:rPr lang="en-US" dirty="0" smtClean="0"/>
+              <a:t>from </a:t>
+            </a:r>
+            <a:r>
+              <a:rPr lang="en-US" dirty="0">
+                <a:hlinkClick r:id="rId2"/>
+              </a:rPr>
+              <a:t>https://</a:t>
+            </a:r>
+            <a:r>
+              <a:rPr lang="en-US" dirty="0" smtClean="0">
+                <a:hlinkClick r:id="rId2"/>
+              </a:rPr>
+              <a:t>petrowiki.org</a:t>
+            </a:r>
+            <a:r>
+              <a:rPr lang="en-US" dirty="0" smtClean="0"/>
+              <a:t>/Challenges_in_drilling_salt_formations_and_rubble_zones</a:t>
+            </a:r>
+            <a:endParaRPr lang="en-US" dirty="0"/>
+          </a:p>
+        </p:txBody>
+      </p:sp>
+      <p:sp>
+        <p:nvSpPr>
+          <p:cNvPr id="8" name="Rectangle 7"/>
+          <p:cNvSpPr/>
+          <p:nvPr/>
+        </p:nvSpPr>
+        <p:spPr>
+          <a:xfrm>
+            <a:off x="187622" y="1997838"/>
+            <a:ext cx="8499178" cy="646331"/>
+          </a:xfrm>
+          <a:prstGeom prst="rect">
+            <a:avLst/>
+          </a:prstGeom>
+        </p:spPr>
+        <p:txBody>
+          <a:bodyPr wrap="square">
+            <a:spAutoFit/>
+          </a:bodyPr>
+          <a:lstStyle/>
+          <a:p>
+            <a:r>
+              <a:rPr lang="en-US" dirty="0" smtClean="0"/>
+              <a:t>TGS Salt Identification Challenge (</a:t>
+            </a:r>
+            <a:r>
+              <a:rPr lang="en-US" dirty="0"/>
+              <a:t>n.d.). Retrieved December 9, 2018, from https://</a:t>
+            </a:r>
+            <a:r>
+              <a:rPr lang="en-US" dirty="0" err="1"/>
+              <a:t>www.kaggle.com</a:t>
+            </a:r>
+            <a:r>
+              <a:rPr lang="en-US" dirty="0"/>
+              <a:t>/c/</a:t>
+            </a:r>
+            <a:r>
+              <a:rPr lang="en-US" dirty="0" err="1"/>
+              <a:t>tgs</a:t>
+            </a:r>
+            <a:r>
+              <a:rPr lang="en-US" dirty="0"/>
+              <a:t>-salt-identification-challenge</a:t>
+            </a:r>
+          </a:p>
+        </p:txBody>
+      </p:sp>
+    </p:spTree>
+    <p:extLst>
+      <p:ext uri="{BB962C8B-B14F-4D97-AF65-F5344CB8AC3E}">
+        <p14:creationId xmlns:p14="http://schemas.microsoft.com/office/powerpoint/2010/main" val="1370149627"/>
       </p:ext>
     </p:extLst>
   </p:cSld>
@@ -3880,8 +5907,8 @@
         </p:nvSpPr>
         <p:spPr>
           <a:xfrm>
-            <a:off x="1088620" y="2193900"/>
-            <a:ext cx="2276207" cy="369332"/>
+            <a:off x="850875" y="2022875"/>
+            <a:ext cx="2739581" cy="584775"/>
           </a:xfrm>
           <a:prstGeom prst="rect">
             <a:avLst/>
@@ -3896,10 +5923,10 @@
           <a:p>
             <a:pPr algn="ctr"/>
             <a:r>
-              <a:rPr lang="en-US" dirty="0" smtClean="0"/>
+              <a:rPr lang="en-US" sz="3200" dirty="0" smtClean="0"/>
               <a:t>Seismic Image</a:t>
             </a:r>
-            <a:endParaRPr lang="en-US" dirty="0"/>
+            <a:endParaRPr lang="en-US" sz="3200" dirty="0"/>
           </a:p>
         </p:txBody>
       </p:sp>
@@ -3911,8 +5938,8 @@
         </p:nvSpPr>
         <p:spPr>
           <a:xfrm>
-            <a:off x="5529525" y="2193900"/>
-            <a:ext cx="2276207" cy="369332"/>
+            <a:off x="5297837" y="2022875"/>
+            <a:ext cx="2739581" cy="584775"/>
           </a:xfrm>
           <a:prstGeom prst="rect">
             <a:avLst/>
@@ -3927,13 +5954,73 @@
           <a:p>
             <a:pPr algn="ctr"/>
             <a:r>
-              <a:rPr lang="en-US" dirty="0" smtClean="0"/>
+              <a:rPr lang="en-US" sz="3200" dirty="0" smtClean="0"/>
               <a:t>Mask</a:t>
             </a:r>
-            <a:endParaRPr lang="en-US" dirty="0"/>
-          </a:p>
-        </p:txBody>
-      </p:sp>
+            <a:endParaRPr lang="en-US" sz="3200" dirty="0"/>
+          </a:p>
+        </p:txBody>
+      </p:sp>
+      <p:pic>
+        <p:nvPicPr>
+          <p:cNvPr id="4" name="Picture 3"/>
+          <p:cNvPicPr>
+            <a:picLocks noChangeAspect="1"/>
+          </p:cNvPicPr>
+          <p:nvPr/>
+        </p:nvPicPr>
+        <p:blipFill>
+          <a:blip r:embed="rId2">
+            <a:extLst>
+              <a:ext uri="{28A0092B-C50C-407E-A947-70E740481C1C}">
+                <a14:useLocalDpi xmlns:a14="http://schemas.microsoft.com/office/drawing/2010/main" val="0"/>
+              </a:ext>
+            </a:extLst>
+          </a:blip>
+          <a:stretch>
+            <a:fillRect/>
+          </a:stretch>
+        </p:blipFill>
+        <p:spPr>
+          <a:xfrm>
+            <a:off x="5297837" y="2947987"/>
+            <a:ext cx="2739581" cy="2739581"/>
+          </a:xfrm>
+          <a:prstGeom prst="rect">
+            <a:avLst/>
+          </a:prstGeom>
+        </p:spPr>
+      </p:pic>
+      <p:pic>
+        <p:nvPicPr>
+          <p:cNvPr id="5" name="Picture 4"/>
+          <p:cNvPicPr>
+            <a:picLocks noChangeAspect="1"/>
+          </p:cNvPicPr>
+          <p:nvPr/>
+        </p:nvPicPr>
+        <p:blipFill>
+          <a:blip r:embed="rId3">
+            <a:extLst>
+              <a:ext uri="{28A0092B-C50C-407E-A947-70E740481C1C}">
+                <a14:useLocalDpi xmlns:a14="http://schemas.microsoft.com/office/drawing/2010/main" val="0"/>
+              </a:ext>
+            </a:extLst>
+          </a:blip>
+          <a:stretch>
+            <a:fillRect/>
+          </a:stretch>
+        </p:blipFill>
+        <p:spPr>
+          <a:xfrm>
+            <a:off x="850876" y="2947987"/>
+            <a:ext cx="2739581" cy="2739581"/>
+          </a:xfrm>
+          <a:prstGeom prst="rect">
+            <a:avLst/>
+          </a:prstGeom>
+        </p:spPr>
+      </p:pic>
     </p:spTree>
     <p:extLst>
       <p:ext uri="{BB962C8B-B14F-4D97-AF65-F5344CB8AC3E}">
@@ -4614,6 +6701,159 @@
           </a:p>
         </p:txBody>
       </p:sp>
+      <p:sp>
+        <p:nvSpPr>
+          <p:cNvPr id="13" name="TextBox 12"/>
+          <p:cNvSpPr txBox="1"/>
+          <p:nvPr/>
+        </p:nvSpPr>
+        <p:spPr>
+          <a:xfrm>
+            <a:off x="329704" y="5397003"/>
+            <a:ext cx="1609732" cy="923330"/>
+          </a:xfrm>
+          <a:prstGeom prst="rect">
+            <a:avLst/>
+          </a:prstGeom>
+          <a:solidFill>
+            <a:schemeClr val="tx1">
+              <a:lumMod val="75000"/>
+            </a:schemeClr>
+          </a:solidFill>
+        </p:spPr>
+        <p:txBody>
+          <a:bodyPr wrap="square" rtlCol="0">
+            <a:spAutoFit/>
+          </a:bodyPr>
+          <a:lstStyle/>
+          <a:p>
+            <a:pPr algn="ctr"/>
+            <a:r>
+              <a:rPr lang="en-US" dirty="0" smtClean="0">
+                <a:solidFill>
+                  <a:schemeClr val="bg2"/>
+                </a:solidFill>
+              </a:rPr>
+              <a:t>Convert the Images into Nump</a:t>
+            </a:r>
+            <a:r>
+              <a:rPr lang="en-US" dirty="0" smtClean="0">
+                <a:solidFill>
+                  <a:schemeClr val="bg2"/>
+                </a:solidFill>
+              </a:rPr>
+              <a:t>y Arrays</a:t>
+            </a:r>
+            <a:endParaRPr lang="en-US" dirty="0">
+              <a:solidFill>
+                <a:schemeClr val="bg2"/>
+              </a:solidFill>
+            </a:endParaRPr>
+          </a:p>
+        </p:txBody>
+      </p:sp>
+      <p:sp>
+        <p:nvSpPr>
+          <p:cNvPr id="14" name="TextBox 13"/>
+          <p:cNvSpPr txBox="1"/>
+          <p:nvPr/>
+        </p:nvSpPr>
+        <p:spPr>
+          <a:xfrm>
+            <a:off x="2552020" y="5535502"/>
+            <a:ext cx="6022718" cy="646331"/>
+          </a:xfrm>
+          <a:prstGeom prst="rect">
+            <a:avLst/>
+          </a:prstGeom>
+          <a:solidFill>
+            <a:schemeClr val="tx1">
+              <a:lumMod val="75000"/>
+            </a:schemeClr>
+          </a:solidFill>
+        </p:spPr>
+        <p:txBody>
+          <a:bodyPr wrap="square" rtlCol="0">
+            <a:spAutoFit/>
+          </a:bodyPr>
+          <a:lstStyle/>
+          <a:p>
+            <a:pPr algn="ctr"/>
+            <a:r>
+              <a:rPr lang="en-US" dirty="0" smtClean="0">
+                <a:solidFill>
+                  <a:schemeClr val="bg2"/>
+                </a:solidFill>
+              </a:rPr>
+              <a:t>-Used Keras</a:t>
+            </a:r>
+            <a:r>
+              <a:rPr lang="en-US" dirty="0" smtClean="0">
+                <a:solidFill>
+                  <a:schemeClr val="bg2"/>
+                </a:solidFill>
+              </a:rPr>
+              <a:t>’s image library for conversion.</a:t>
+            </a:r>
+          </a:p>
+          <a:p>
+            <a:pPr algn="ctr"/>
+            <a:r>
+              <a:rPr lang="en-US" dirty="0" smtClean="0">
+                <a:solidFill>
+                  <a:schemeClr val="bg2"/>
+                </a:solidFill>
+              </a:rPr>
+              <a:t>-Function used was </a:t>
+            </a:r>
+            <a:r>
+              <a:rPr lang="en-US" dirty="0" err="1" smtClean="0">
+                <a:solidFill>
+                  <a:schemeClr val="bg2"/>
+                </a:solidFill>
+              </a:rPr>
+              <a:t>img</a:t>
+            </a:r>
+            <a:r>
+              <a:rPr lang="en-US" dirty="0" err="1" smtClean="0">
+                <a:solidFill>
+                  <a:schemeClr val="bg2"/>
+                </a:solidFill>
+              </a:rPr>
+              <a:t>_</a:t>
+            </a:r>
+            <a:r>
+              <a:rPr lang="en-US" dirty="0" err="1" smtClean="0">
+                <a:solidFill>
+                  <a:schemeClr val="bg2"/>
+                </a:solidFill>
+              </a:rPr>
+              <a:t>to</a:t>
+            </a:r>
+            <a:r>
+              <a:rPr lang="en-US" dirty="0" err="1">
+                <a:solidFill>
+                  <a:schemeClr val="bg2"/>
+                </a:solidFill>
+              </a:rPr>
+              <a:t>_</a:t>
+            </a:r>
+            <a:r>
+              <a:rPr lang="en-US" dirty="0" err="1" smtClean="0">
+                <a:solidFill>
+                  <a:schemeClr val="bg2"/>
+                </a:solidFill>
+              </a:rPr>
+              <a:t>array</a:t>
+            </a:r>
+            <a:endParaRPr lang="en-US" dirty="0" smtClean="0">
+              <a:solidFill>
+                <a:schemeClr val="bg2"/>
+              </a:solidFill>
+            </a:endParaRPr>
+          </a:p>
+        </p:txBody>
+      </p:sp>
     </p:spTree>
     <p:extLst>
       <p:ext uri="{BB962C8B-B14F-4D97-AF65-F5344CB8AC3E}">
@@ -4656,28 +6896,510 @@
         </p:nvSpPr>
         <p:spPr>
           <a:xfrm>
-            <a:off x="457200" y="457200"/>
-            <a:ext cx="8229600" cy="1406790"/>
+            <a:off x="457200" y="71185"/>
+            <a:ext cx="8229600" cy="961412"/>
           </a:xfrm>
         </p:spPr>
         <p:txBody>
           <a:bodyPr>
-            <a:normAutofit fontScale="90000"/>
+            <a:normAutofit/>
           </a:bodyPr>
           <a:lstStyle/>
           <a:p>
             <a:r>
               <a:rPr lang="en-US" dirty="0" smtClean="0"/>
-              <a:t>Steps of the Project: Original Design</a:t>
+              <a:t>Steps of the Project</a:t>
             </a:r>
             <a:endParaRPr lang="en-US" dirty="0"/>
+          </a:p>
+        </p:txBody>
+      </p:sp>
+      <p:sp>
+        <p:nvSpPr>
+          <p:cNvPr id="5" name="TextBox 4"/>
+          <p:cNvSpPr txBox="1"/>
+          <p:nvPr/>
+        </p:nvSpPr>
+        <p:spPr>
+          <a:xfrm>
+            <a:off x="329704" y="1751025"/>
+            <a:ext cx="1609732" cy="923330"/>
+          </a:xfrm>
+          <a:prstGeom prst="rect">
+            <a:avLst/>
+          </a:prstGeom>
+          <a:solidFill>
+            <a:schemeClr val="tx1">
+              <a:lumMod val="75000"/>
+            </a:schemeClr>
+          </a:solidFill>
+        </p:spPr>
+        <p:txBody>
+          <a:bodyPr wrap="square" rtlCol="0">
+            <a:spAutoFit/>
+          </a:bodyPr>
+          <a:lstStyle/>
+          <a:p>
+            <a:pPr algn="ctr"/>
+            <a:r>
+              <a:rPr lang="en-US" dirty="0" smtClean="0">
+                <a:solidFill>
+                  <a:schemeClr val="bg2"/>
+                </a:solidFill>
+              </a:rPr>
+              <a:t>Augmentation of Images and Masks</a:t>
+            </a:r>
+            <a:endParaRPr lang="en-US" dirty="0">
+              <a:solidFill>
+                <a:schemeClr val="bg2"/>
+              </a:solidFill>
+            </a:endParaRPr>
+          </a:p>
+        </p:txBody>
+      </p:sp>
+      <p:sp>
+        <p:nvSpPr>
+          <p:cNvPr id="6" name="TextBox 5"/>
+          <p:cNvSpPr txBox="1"/>
+          <p:nvPr/>
+        </p:nvSpPr>
+        <p:spPr>
+          <a:xfrm>
+            <a:off x="329703" y="2947973"/>
+            <a:ext cx="1609732" cy="646331"/>
+          </a:xfrm>
+          <a:prstGeom prst="rect">
+            <a:avLst/>
+          </a:prstGeom>
+          <a:solidFill>
+            <a:schemeClr val="tx1">
+              <a:lumMod val="75000"/>
+            </a:schemeClr>
+          </a:solidFill>
+        </p:spPr>
+        <p:txBody>
+          <a:bodyPr wrap="square" rtlCol="0">
+            <a:spAutoFit/>
+          </a:bodyPr>
+          <a:lstStyle/>
+          <a:p>
+            <a:pPr algn="ctr"/>
+            <a:r>
+              <a:rPr lang="en-US" dirty="0" smtClean="0">
+                <a:solidFill>
+                  <a:schemeClr val="bg2"/>
+                </a:solidFill>
+              </a:rPr>
+              <a:t>Directory Manipulation</a:t>
+            </a:r>
+            <a:endParaRPr lang="en-US" dirty="0">
+              <a:solidFill>
+                <a:schemeClr val="bg2"/>
+              </a:solidFill>
+            </a:endParaRPr>
+          </a:p>
+        </p:txBody>
+      </p:sp>
+      <p:sp>
+        <p:nvSpPr>
+          <p:cNvPr id="7" name="TextBox 6"/>
+          <p:cNvSpPr txBox="1"/>
+          <p:nvPr/>
+        </p:nvSpPr>
+        <p:spPr>
+          <a:xfrm>
+            <a:off x="329703" y="3892182"/>
+            <a:ext cx="1609732" cy="1200329"/>
+          </a:xfrm>
+          <a:prstGeom prst="rect">
+            <a:avLst/>
+          </a:prstGeom>
+          <a:solidFill>
+            <a:schemeClr val="tx1">
+              <a:lumMod val="75000"/>
+            </a:schemeClr>
+          </a:solidFill>
+        </p:spPr>
+        <p:txBody>
+          <a:bodyPr wrap="square" rtlCol="0">
+            <a:spAutoFit/>
+          </a:bodyPr>
+          <a:lstStyle/>
+          <a:p>
+            <a:pPr algn="ctr"/>
+            <a:r>
+              <a:rPr lang="en-US" dirty="0" smtClean="0">
+                <a:solidFill>
+                  <a:schemeClr val="bg2"/>
+                </a:solidFill>
+              </a:rPr>
+              <a:t>Import Augmented Images and Masks</a:t>
+            </a:r>
+            <a:endParaRPr lang="en-US" dirty="0">
+              <a:solidFill>
+                <a:schemeClr val="bg2"/>
+              </a:solidFill>
+            </a:endParaRPr>
+          </a:p>
+        </p:txBody>
+      </p:sp>
+      <p:sp>
+        <p:nvSpPr>
+          <p:cNvPr id="8" name="TextBox 7"/>
+          <p:cNvSpPr txBox="1"/>
+          <p:nvPr/>
+        </p:nvSpPr>
+        <p:spPr>
+          <a:xfrm>
+            <a:off x="2552020" y="2809473"/>
+            <a:ext cx="6022718" cy="923330"/>
+          </a:xfrm>
+          <a:prstGeom prst="rect">
+            <a:avLst/>
+          </a:prstGeom>
+          <a:solidFill>
+            <a:schemeClr val="tx1">
+              <a:lumMod val="75000"/>
+            </a:schemeClr>
+          </a:solidFill>
+        </p:spPr>
+        <p:txBody>
+          <a:bodyPr wrap="square" rtlCol="0">
+            <a:spAutoFit/>
+          </a:bodyPr>
+          <a:lstStyle/>
+          <a:p>
+            <a:pPr algn="ctr"/>
+            <a:r>
+              <a:rPr lang="en-US" dirty="0" smtClean="0">
+                <a:solidFill>
+                  <a:schemeClr val="bg2"/>
+                </a:solidFill>
+              </a:rPr>
+              <a:t>-Moved Output Directory from train -&gt; images to data folder</a:t>
+            </a:r>
+          </a:p>
+          <a:p>
+            <a:pPr algn="ctr"/>
+            <a:r>
+              <a:rPr lang="en-US" dirty="0" smtClean="0">
+                <a:solidFill>
+                  <a:schemeClr val="bg2"/>
+                </a:solidFill>
+              </a:rPr>
+              <a:t>-Renamed folders Aug_images / Aug_masks</a:t>
+            </a:r>
+          </a:p>
+          <a:p>
+            <a:pPr algn="ctr"/>
+            <a:r>
+              <a:rPr lang="en-US" dirty="0" smtClean="0">
+                <a:solidFill>
+                  <a:schemeClr val="bg2"/>
+                </a:solidFill>
+              </a:rPr>
+              <a:t>-Used Python to move files without click and dragging.</a:t>
+            </a:r>
+            <a:endParaRPr lang="en-US" dirty="0">
+              <a:solidFill>
+                <a:schemeClr val="bg2"/>
+              </a:solidFill>
+            </a:endParaRPr>
+          </a:p>
+        </p:txBody>
+      </p:sp>
+      <p:sp>
+        <p:nvSpPr>
+          <p:cNvPr id="9" name="TextBox 8"/>
+          <p:cNvSpPr txBox="1"/>
+          <p:nvPr/>
+        </p:nvSpPr>
+        <p:spPr>
+          <a:xfrm>
+            <a:off x="2552020" y="4169180"/>
+            <a:ext cx="6022718" cy="646331"/>
+          </a:xfrm>
+          <a:prstGeom prst="rect">
+            <a:avLst/>
+          </a:prstGeom>
+          <a:solidFill>
+            <a:schemeClr val="tx1">
+              <a:lumMod val="75000"/>
+            </a:schemeClr>
+          </a:solidFill>
+        </p:spPr>
+        <p:txBody>
+          <a:bodyPr wrap="square" rtlCol="0">
+            <a:spAutoFit/>
+          </a:bodyPr>
+          <a:lstStyle/>
+          <a:p>
+            <a:pPr algn="ctr"/>
+            <a:r>
+              <a:rPr lang="en-US" dirty="0" smtClean="0">
+                <a:solidFill>
+                  <a:schemeClr val="bg2"/>
+                </a:solidFill>
+              </a:rPr>
+              <a:t>-Rerun the same python code that occurred for the original images and masks.</a:t>
+            </a:r>
+            <a:endParaRPr lang="en-US" dirty="0" smtClean="0">
+              <a:solidFill>
+                <a:schemeClr val="bg2"/>
+              </a:solidFill>
+            </a:endParaRPr>
+          </a:p>
+        </p:txBody>
+      </p:sp>
+      <p:sp>
+        <p:nvSpPr>
+          <p:cNvPr id="10" name="TextBox 9"/>
+          <p:cNvSpPr txBox="1"/>
+          <p:nvPr/>
+        </p:nvSpPr>
+        <p:spPr>
+          <a:xfrm>
+            <a:off x="329704" y="1153212"/>
+            <a:ext cx="1609732" cy="369332"/>
+          </a:xfrm>
+          <a:prstGeom prst="rect">
+            <a:avLst/>
+          </a:prstGeom>
+          <a:solidFill>
+            <a:schemeClr val="tx1">
+              <a:lumMod val="75000"/>
+            </a:schemeClr>
+          </a:solidFill>
+        </p:spPr>
+        <p:txBody>
+          <a:bodyPr wrap="square" rtlCol="0">
+            <a:spAutoFit/>
+          </a:bodyPr>
+          <a:lstStyle/>
+          <a:p>
+            <a:pPr algn="ctr"/>
+            <a:r>
+              <a:rPr lang="en-US" b="1" dirty="0" smtClean="0">
+                <a:solidFill>
+                  <a:schemeClr val="bg2"/>
+                </a:solidFill>
+              </a:rPr>
+              <a:t>Step</a:t>
+            </a:r>
+            <a:endParaRPr lang="en-US" b="1" dirty="0">
+              <a:solidFill>
+                <a:schemeClr val="bg2"/>
+              </a:solidFill>
+            </a:endParaRPr>
+          </a:p>
+        </p:txBody>
+      </p:sp>
+      <p:sp>
+        <p:nvSpPr>
+          <p:cNvPr id="11" name="TextBox 10"/>
+          <p:cNvSpPr txBox="1"/>
+          <p:nvPr/>
+        </p:nvSpPr>
+        <p:spPr>
+          <a:xfrm>
+            <a:off x="2552020" y="1153212"/>
+            <a:ext cx="6022718" cy="369332"/>
+          </a:xfrm>
+          <a:prstGeom prst="rect">
+            <a:avLst/>
+          </a:prstGeom>
+          <a:solidFill>
+            <a:schemeClr val="tx1">
+              <a:lumMod val="75000"/>
+            </a:schemeClr>
+          </a:solidFill>
+        </p:spPr>
+        <p:txBody>
+          <a:bodyPr wrap="square" rtlCol="0">
+            <a:spAutoFit/>
+          </a:bodyPr>
+          <a:lstStyle/>
+          <a:p>
+            <a:pPr algn="ctr"/>
+            <a:r>
+              <a:rPr lang="en-US" b="1" dirty="0" smtClean="0">
+                <a:solidFill>
+                  <a:schemeClr val="bg2"/>
+                </a:solidFill>
+              </a:rPr>
+              <a:t>Description of Step</a:t>
+            </a:r>
+            <a:endParaRPr lang="en-US" b="1" dirty="0">
+              <a:solidFill>
+                <a:schemeClr val="bg2"/>
+              </a:solidFill>
+            </a:endParaRPr>
+          </a:p>
+        </p:txBody>
+      </p:sp>
+      <p:sp>
+        <p:nvSpPr>
+          <p:cNvPr id="12" name="TextBox 11"/>
+          <p:cNvSpPr txBox="1"/>
+          <p:nvPr/>
+        </p:nvSpPr>
+        <p:spPr>
+          <a:xfrm>
+            <a:off x="2552020" y="1703922"/>
+            <a:ext cx="6022718" cy="923330"/>
+          </a:xfrm>
+          <a:prstGeom prst="rect">
+            <a:avLst/>
+          </a:prstGeom>
+          <a:solidFill>
+            <a:schemeClr val="tx1">
+              <a:lumMod val="75000"/>
+            </a:schemeClr>
+          </a:solidFill>
+        </p:spPr>
+        <p:txBody>
+          <a:bodyPr wrap="square" rtlCol="0">
+            <a:spAutoFit/>
+          </a:bodyPr>
+          <a:lstStyle/>
+          <a:p>
+            <a:pPr algn="ctr"/>
+            <a:r>
+              <a:rPr lang="en-US" dirty="0" smtClean="0">
+                <a:solidFill>
+                  <a:schemeClr val="bg2"/>
+                </a:solidFill>
+              </a:rPr>
+              <a:t>-Used the Augmentor Library</a:t>
+            </a:r>
+          </a:p>
+          <a:p>
+            <a:pPr algn="ctr"/>
+            <a:r>
+              <a:rPr lang="en-US" dirty="0" smtClean="0">
+                <a:solidFill>
+                  <a:schemeClr val="bg2"/>
+                </a:solidFill>
+              </a:rPr>
+              <a:t>-Used various types of augmentations with various amounts of Augmented Data.</a:t>
+            </a:r>
+            <a:endParaRPr lang="en-US" dirty="0">
+              <a:solidFill>
+                <a:schemeClr val="bg2"/>
+              </a:solidFill>
+            </a:endParaRPr>
+          </a:p>
+        </p:txBody>
+      </p:sp>
+      <p:sp>
+        <p:nvSpPr>
+          <p:cNvPr id="13" name="TextBox 12"/>
+          <p:cNvSpPr txBox="1"/>
+          <p:nvPr/>
+        </p:nvSpPr>
+        <p:spPr>
+          <a:xfrm>
+            <a:off x="329704" y="5328067"/>
+            <a:ext cx="1609732" cy="1200329"/>
+          </a:xfrm>
+          <a:prstGeom prst="rect">
+            <a:avLst/>
+          </a:prstGeom>
+          <a:solidFill>
+            <a:schemeClr val="tx1">
+              <a:lumMod val="75000"/>
+            </a:schemeClr>
+          </a:solidFill>
+        </p:spPr>
+        <p:txBody>
+          <a:bodyPr wrap="square" rtlCol="0">
+            <a:spAutoFit/>
+          </a:bodyPr>
+          <a:lstStyle/>
+          <a:p>
+            <a:pPr algn="ctr"/>
+            <a:r>
+              <a:rPr lang="en-US" dirty="0" smtClean="0">
+                <a:solidFill>
+                  <a:schemeClr val="bg2"/>
+                </a:solidFill>
+              </a:rPr>
+              <a:t>Concatenate Augmented Data with Original Data</a:t>
+            </a:r>
+            <a:r>
+              <a:rPr lang="en-US" dirty="0" smtClean="0">
+                <a:solidFill>
+                  <a:schemeClr val="bg2"/>
+                </a:solidFill>
+              </a:rPr>
+              <a:t> </a:t>
+            </a:r>
+            <a:endParaRPr lang="en-US" dirty="0">
+              <a:solidFill>
+                <a:schemeClr val="bg2"/>
+              </a:solidFill>
+            </a:endParaRPr>
+          </a:p>
+        </p:txBody>
+      </p:sp>
+      <p:sp>
+        <p:nvSpPr>
+          <p:cNvPr id="14" name="TextBox 13"/>
+          <p:cNvSpPr txBox="1"/>
+          <p:nvPr/>
+        </p:nvSpPr>
+        <p:spPr>
+          <a:xfrm>
+            <a:off x="2552020" y="5605065"/>
+            <a:ext cx="6022718" cy="646331"/>
+          </a:xfrm>
+          <a:prstGeom prst="rect">
+            <a:avLst/>
+          </a:prstGeom>
+          <a:solidFill>
+            <a:schemeClr val="tx1">
+              <a:lumMod val="75000"/>
+            </a:schemeClr>
+          </a:solidFill>
+        </p:spPr>
+        <p:txBody>
+          <a:bodyPr wrap="square" rtlCol="0">
+            <a:spAutoFit/>
+          </a:bodyPr>
+          <a:lstStyle/>
+          <a:p>
+            <a:pPr algn="ctr"/>
+            <a:r>
+              <a:rPr lang="en-US" dirty="0" smtClean="0">
+                <a:solidFill>
+                  <a:schemeClr val="bg2"/>
+                </a:solidFill>
+              </a:rPr>
+              <a:t>-Used Numpy Concate to combine the arrays.</a:t>
+            </a:r>
+          </a:p>
+          <a:p>
+            <a:pPr algn="ctr"/>
+            <a:r>
+              <a:rPr lang="en-US" dirty="0" smtClean="0">
+                <a:solidFill>
+                  <a:schemeClr val="bg2"/>
+                </a:solidFill>
+              </a:rPr>
+              <a:t>-Shape of Array: (# of images, width, height, channel depth)</a:t>
+            </a:r>
+            <a:endParaRPr lang="en-US" dirty="0" smtClean="0">
+              <a:solidFill>
+                <a:schemeClr val="bg2"/>
+              </a:solidFill>
+            </a:endParaRPr>
           </a:p>
         </p:txBody>
       </p:sp>
     </p:spTree>
     <p:extLst>
       <p:ext uri="{BB962C8B-B14F-4D97-AF65-F5344CB8AC3E}">
-        <p14:creationId xmlns:p14="http://schemas.microsoft.com/office/powerpoint/2010/main" val="2186954218"/>
+        <p14:creationId xmlns:p14="http://schemas.microsoft.com/office/powerpoint/2010/main" val="2045467815"/>
       </p:ext>
     </p:extLst>
   </p:cSld>
@@ -4716,17 +7438,19 @@
         </p:nvSpPr>
         <p:spPr>
           <a:xfrm>
-            <a:off x="457200" y="259254"/>
-            <a:ext cx="8229600" cy="1143000"/>
-          </a:xfrm>
-        </p:spPr>
-        <p:txBody>
-          <a:bodyPr/>
+            <a:off x="457200" y="71185"/>
+            <a:ext cx="8229600" cy="961412"/>
+          </a:xfrm>
+        </p:spPr>
+        <p:txBody>
+          <a:bodyPr>
+            <a:normAutofit/>
+          </a:bodyPr>
           <a:lstStyle/>
           <a:p>
             <a:r>
               <a:rPr lang="en-US" dirty="0" smtClean="0"/>
-              <a:t>Improving User Experience:</a:t>
+              <a:t>Steps of the Project</a:t>
             </a:r>
             <a:endParaRPr lang="en-US" dirty="0"/>
           </a:p>
@@ -4734,19 +7458,23 @@
       </p:sp>
       <p:sp>
         <p:nvSpPr>
-          <p:cNvPr id="3" name="TextBox 2"/>
+          <p:cNvPr id="5" name="TextBox 4"/>
           <p:cNvSpPr txBox="1"/>
           <p:nvPr/>
         </p:nvSpPr>
         <p:spPr>
           <a:xfrm>
-            <a:off x="824713" y="1402254"/>
-            <a:ext cx="7323447" cy="4801315"/>
+            <a:off x="329704" y="1885307"/>
+            <a:ext cx="1609732" cy="646331"/>
           </a:xfrm>
           <a:prstGeom prst="rect">
             <a:avLst/>
           </a:prstGeom>
-          <a:noFill/>
+          <a:solidFill>
+            <a:schemeClr val="tx1">
+              <a:lumMod val="75000"/>
+            </a:schemeClr>
+          </a:solidFill>
         </p:spPr>
         <p:txBody>
           <a:bodyPr wrap="square" rtlCol="0">
@@ -4754,152 +7482,461 @@
           </a:bodyPr>
           <a:lstStyle/>
           <a:p>
-            <a:pPr marL="285750" indent="-285750">
-              <a:buFont typeface="Arial"/>
-              <a:buChar char="•"/>
-            </a:pPr>
-            <a:r>
-              <a:rPr lang="en-US" dirty="0" smtClean="0"/>
-              <a:t>In order to prevent the user from feeling overwhelmed in code, I created individual python scripts to make the process more user friendly.</a:t>
-            </a:r>
-          </a:p>
-          <a:p>
-            <a:pPr marL="285750" indent="-285750">
-              <a:buFont typeface="Arial"/>
-              <a:buChar char="•"/>
-            </a:pPr>
-            <a:r>
-              <a:rPr lang="en-US" dirty="0" smtClean="0"/>
-              <a:t>I placed the following python scripts in the </a:t>
-            </a:r>
-            <a:r>
-              <a:rPr lang="en-US" b="1" dirty="0" smtClean="0"/>
-              <a:t>python_scripts directory:</a:t>
-            </a:r>
-          </a:p>
-          <a:p>
-            <a:pPr marL="742950" lvl="1" indent="-285750">
-              <a:buFont typeface="Arial"/>
-              <a:buChar char="•"/>
-            </a:pPr>
-            <a:r>
-              <a:rPr lang="en-US" b="1" dirty="0" smtClean="0"/>
-              <a:t>dataloader.py</a:t>
-            </a:r>
-            <a:r>
-              <a:rPr lang="en-US" dirty="0" smtClean="0"/>
-              <a:t> </a:t>
-            </a:r>
-          </a:p>
-          <a:p>
-            <a:pPr marL="1200150" lvl="2" indent="-285750">
-              <a:buFont typeface="Arial"/>
-              <a:buChar char="•"/>
-            </a:pPr>
-            <a:r>
-              <a:rPr lang="en-US" dirty="0" smtClean="0"/>
-              <a:t>Imports the data into training and test data</a:t>
-            </a:r>
-          </a:p>
-          <a:p>
-            <a:pPr marL="1200150" lvl="2" indent="-285750">
-              <a:buFont typeface="Arial"/>
-              <a:buChar char="•"/>
-            </a:pPr>
-            <a:r>
-              <a:rPr lang="en-US" dirty="0" smtClean="0"/>
-              <a:t>Converts data into 128 x 128 numpy arrays</a:t>
-            </a:r>
-            <a:endParaRPr lang="en-US" b="1" dirty="0"/>
-          </a:p>
-          <a:p>
-            <a:pPr marL="742950" lvl="1" indent="-285750">
-              <a:buFont typeface="Arial"/>
-              <a:buChar char="•"/>
-            </a:pPr>
-            <a:r>
-              <a:rPr lang="en-US" b="1" dirty="0" smtClean="0"/>
-              <a:t>image_augmentor.py</a:t>
-            </a:r>
-          </a:p>
-          <a:p>
-            <a:pPr marL="1200150" lvl="2" indent="-285750">
-              <a:buFont typeface="Arial"/>
-              <a:buChar char="•"/>
-            </a:pPr>
-            <a:r>
-              <a:rPr lang="en-US" dirty="0" smtClean="0"/>
-              <a:t>Used the Augmentor Library to augment the images</a:t>
-            </a:r>
-          </a:p>
-          <a:p>
-            <a:pPr marL="1200150" lvl="2" indent="-285750">
-              <a:buFont typeface="Arial"/>
-              <a:buChar char="•"/>
-            </a:pPr>
-            <a:r>
-              <a:rPr lang="en-US" dirty="0" smtClean="0"/>
-              <a:t>The user can select how many images they would like to augment.</a:t>
-            </a:r>
-          </a:p>
-          <a:p>
-            <a:pPr marL="742950" lvl="1" indent="-285750">
-              <a:buFont typeface="Arial"/>
-              <a:buChar char="•"/>
-            </a:pPr>
-            <a:r>
-              <a:rPr lang="en-US" b="1" dirty="0" smtClean="0"/>
-              <a:t>mean_iou.py</a:t>
-            </a:r>
-          </a:p>
-          <a:p>
-            <a:pPr marL="1200150" lvl="2" indent="-285750">
-              <a:buFont typeface="Arial"/>
-              <a:buChar char="•"/>
-            </a:pPr>
-            <a:r>
-              <a:rPr lang="en-US" dirty="0" smtClean="0"/>
-              <a:t>Used Tensorflow’s Mean IOU function and keras backend to produced the metric used by Kaggle for submission evaluation.</a:t>
-            </a:r>
-          </a:p>
-          <a:p>
-            <a:pPr marL="742950" lvl="1" indent="-285750">
-              <a:buFont typeface="Arial"/>
-              <a:buChar char="•"/>
-            </a:pPr>
-            <a:r>
-              <a:rPr lang="en-US" b="1" dirty="0" smtClean="0"/>
-              <a:t>Modeling.py</a:t>
-            </a:r>
-          </a:p>
-          <a:p>
-            <a:pPr marL="1200150" lvl="2" indent="-285750">
-              <a:buFont typeface="Arial"/>
-              <a:buChar char="•"/>
-            </a:pPr>
-            <a:r>
-              <a:rPr lang="en-US" dirty="0" smtClean="0"/>
-              <a:t>Contains a U-Net CNN structure for classifying images.</a:t>
-            </a:r>
-          </a:p>
-          <a:p>
-            <a:pPr marL="742950" lvl="1" indent="-285750">
-              <a:buFont typeface="Arial"/>
-              <a:buChar char="•"/>
-            </a:pPr>
-            <a:r>
-              <a:rPr lang="en-US" b="1" dirty="0" smtClean="0"/>
-              <a:t>submission.py</a:t>
-            </a:r>
-          </a:p>
-          <a:p>
-            <a:pPr marL="1200150" lvl="2" indent="-285750">
-              <a:buFont typeface="Arial"/>
-              <a:buChar char="•"/>
-            </a:pPr>
-            <a:r>
-              <a:rPr lang="en-US" dirty="0" smtClean="0"/>
-              <a:t>Formats the predictions according to Kaggle Submission Rules.</a:t>
+            <a:pPr algn="ctr"/>
+            <a:r>
+              <a:rPr lang="en-US" dirty="0" smtClean="0">
+                <a:solidFill>
+                  <a:schemeClr val="bg2"/>
+                </a:solidFill>
+              </a:rPr>
+              <a:t>Define Mean IOU Metric</a:t>
+            </a:r>
+            <a:endParaRPr lang="en-US" dirty="0">
+              <a:solidFill>
+                <a:schemeClr val="bg2"/>
+              </a:solidFill>
+            </a:endParaRPr>
+          </a:p>
+        </p:txBody>
+      </p:sp>
+      <p:sp>
+        <p:nvSpPr>
+          <p:cNvPr id="6" name="TextBox 5"/>
+          <p:cNvSpPr txBox="1"/>
+          <p:nvPr/>
+        </p:nvSpPr>
+        <p:spPr>
+          <a:xfrm>
+            <a:off x="329703" y="3064915"/>
+            <a:ext cx="1609732" cy="369332"/>
+          </a:xfrm>
+          <a:prstGeom prst="rect">
+            <a:avLst/>
+          </a:prstGeom>
+          <a:solidFill>
+            <a:schemeClr val="tx1">
+              <a:lumMod val="75000"/>
+            </a:schemeClr>
+          </a:solidFill>
+        </p:spPr>
+        <p:txBody>
+          <a:bodyPr wrap="square" rtlCol="0">
+            <a:spAutoFit/>
+          </a:bodyPr>
+          <a:lstStyle/>
+          <a:p>
+            <a:pPr algn="ctr"/>
+            <a:r>
+              <a:rPr lang="en-US" dirty="0" smtClean="0">
+                <a:solidFill>
+                  <a:schemeClr val="bg2"/>
+                </a:solidFill>
+              </a:rPr>
+              <a:t>Build U-Net</a:t>
+            </a:r>
+            <a:endParaRPr lang="en-US" dirty="0">
+              <a:solidFill>
+                <a:schemeClr val="bg2"/>
+              </a:solidFill>
+            </a:endParaRPr>
+          </a:p>
+        </p:txBody>
+      </p:sp>
+      <p:sp>
+        <p:nvSpPr>
+          <p:cNvPr id="7" name="TextBox 6"/>
+          <p:cNvSpPr txBox="1"/>
+          <p:nvPr/>
+        </p:nvSpPr>
+        <p:spPr>
+          <a:xfrm>
+            <a:off x="329703" y="4030680"/>
+            <a:ext cx="1609732" cy="923330"/>
+          </a:xfrm>
+          <a:prstGeom prst="rect">
+            <a:avLst/>
+          </a:prstGeom>
+          <a:solidFill>
+            <a:schemeClr val="tx1">
+              <a:lumMod val="75000"/>
+            </a:schemeClr>
+          </a:solidFill>
+        </p:spPr>
+        <p:txBody>
+          <a:bodyPr wrap="square" rtlCol="0">
+            <a:spAutoFit/>
+          </a:bodyPr>
+          <a:lstStyle/>
+          <a:p>
+            <a:pPr algn="ctr"/>
+            <a:r>
+              <a:rPr lang="en-US" dirty="0" smtClean="0">
+                <a:solidFill>
+                  <a:schemeClr val="bg2"/>
+                </a:solidFill>
+              </a:rPr>
+              <a:t>Compile and Fit with Early Stopping</a:t>
+            </a:r>
+            <a:endParaRPr lang="en-US" dirty="0">
+              <a:solidFill>
+                <a:schemeClr val="bg2"/>
+              </a:solidFill>
+            </a:endParaRPr>
+          </a:p>
+        </p:txBody>
+      </p:sp>
+      <p:sp>
+        <p:nvSpPr>
+          <p:cNvPr id="8" name="TextBox 7"/>
+          <p:cNvSpPr txBox="1"/>
+          <p:nvPr/>
+        </p:nvSpPr>
+        <p:spPr>
+          <a:xfrm>
+            <a:off x="2552020" y="2926415"/>
+            <a:ext cx="6022718" cy="646331"/>
+          </a:xfrm>
+          <a:prstGeom prst="rect">
+            <a:avLst/>
+          </a:prstGeom>
+          <a:solidFill>
+            <a:schemeClr val="tx1">
+              <a:lumMod val="75000"/>
+            </a:schemeClr>
+          </a:solidFill>
+        </p:spPr>
+        <p:txBody>
+          <a:bodyPr wrap="square" rtlCol="0">
+            <a:spAutoFit/>
+          </a:bodyPr>
+          <a:lstStyle/>
+          <a:p>
+            <a:pPr algn="ctr"/>
+            <a:r>
+              <a:rPr lang="en-US" dirty="0" smtClean="0">
+                <a:solidFill>
+                  <a:schemeClr val="bg2"/>
+                </a:solidFill>
+              </a:rPr>
+              <a:t>-Constructed with Keras Modeling</a:t>
+            </a:r>
+          </a:p>
+          <a:p>
+            <a:pPr algn="ctr"/>
+            <a:r>
+              <a:rPr lang="en-US" dirty="0" smtClean="0">
+                <a:solidFill>
+                  <a:schemeClr val="bg2"/>
+                </a:solidFill>
+              </a:rPr>
+              <a:t>-Conv2D, relu, strides, same padding, and concatenations</a:t>
+            </a:r>
+            <a:endParaRPr lang="en-US" dirty="0">
+              <a:solidFill>
+                <a:schemeClr val="bg2"/>
+              </a:solidFill>
+            </a:endParaRPr>
+          </a:p>
+        </p:txBody>
+      </p:sp>
+      <p:sp>
+        <p:nvSpPr>
+          <p:cNvPr id="9" name="TextBox 8"/>
+          <p:cNvSpPr txBox="1"/>
+          <p:nvPr/>
+        </p:nvSpPr>
+        <p:spPr>
+          <a:xfrm>
+            <a:off x="2552020" y="4033943"/>
+            <a:ext cx="6022718" cy="923330"/>
+          </a:xfrm>
+          <a:prstGeom prst="rect">
+            <a:avLst/>
+          </a:prstGeom>
+          <a:solidFill>
+            <a:schemeClr val="tx1">
+              <a:lumMod val="75000"/>
+            </a:schemeClr>
+          </a:solidFill>
+        </p:spPr>
+        <p:txBody>
+          <a:bodyPr wrap="square" rtlCol="0">
+            <a:spAutoFit/>
+          </a:bodyPr>
+          <a:lstStyle/>
+          <a:p>
+            <a:pPr algn="ctr"/>
+            <a:r>
+              <a:rPr lang="en-US" dirty="0" smtClean="0">
+                <a:solidFill>
+                  <a:schemeClr val="bg2"/>
+                </a:solidFill>
+              </a:rPr>
+              <a:t>-Train Model on compiled Data.</a:t>
+            </a:r>
+          </a:p>
+          <a:p>
+            <a:pPr algn="ctr"/>
+            <a:r>
+              <a:rPr lang="en-US" dirty="0" smtClean="0">
+                <a:solidFill>
+                  <a:schemeClr val="bg2"/>
+                </a:solidFill>
+              </a:rPr>
+              <a:t>-Test Model on first 350 non-augmented images.</a:t>
+            </a:r>
+          </a:p>
+          <a:p>
+            <a:pPr algn="ctr"/>
+            <a:r>
+              <a:rPr lang="en-US" dirty="0" smtClean="0">
+                <a:solidFill>
+                  <a:schemeClr val="bg2"/>
+                </a:solidFill>
+              </a:rPr>
+              <a:t>-Save the best weights in model to be used for prediction.</a:t>
+            </a:r>
+            <a:endParaRPr lang="en-US" dirty="0" smtClean="0">
+              <a:solidFill>
+                <a:schemeClr val="bg2"/>
+              </a:solidFill>
+            </a:endParaRPr>
+          </a:p>
+        </p:txBody>
+      </p:sp>
+      <p:sp>
+        <p:nvSpPr>
+          <p:cNvPr id="10" name="TextBox 9"/>
+          <p:cNvSpPr txBox="1"/>
+          <p:nvPr/>
+        </p:nvSpPr>
+        <p:spPr>
+          <a:xfrm>
+            <a:off x="329704" y="1153212"/>
+            <a:ext cx="1609732" cy="369332"/>
+          </a:xfrm>
+          <a:prstGeom prst="rect">
+            <a:avLst/>
+          </a:prstGeom>
+          <a:solidFill>
+            <a:schemeClr val="tx1">
+              <a:lumMod val="75000"/>
+            </a:schemeClr>
+          </a:solidFill>
+        </p:spPr>
+        <p:txBody>
+          <a:bodyPr wrap="square" rtlCol="0">
+            <a:spAutoFit/>
+          </a:bodyPr>
+          <a:lstStyle/>
+          <a:p>
+            <a:pPr algn="ctr"/>
+            <a:r>
+              <a:rPr lang="en-US" b="1" dirty="0" smtClean="0">
+                <a:solidFill>
+                  <a:schemeClr val="bg2"/>
+                </a:solidFill>
+              </a:rPr>
+              <a:t>Step</a:t>
+            </a:r>
+            <a:endParaRPr lang="en-US" b="1" dirty="0">
+              <a:solidFill>
+                <a:schemeClr val="bg2"/>
+              </a:solidFill>
+            </a:endParaRPr>
+          </a:p>
+        </p:txBody>
+      </p:sp>
+      <p:sp>
+        <p:nvSpPr>
+          <p:cNvPr id="11" name="TextBox 10"/>
+          <p:cNvSpPr txBox="1"/>
+          <p:nvPr/>
+        </p:nvSpPr>
+        <p:spPr>
+          <a:xfrm>
+            <a:off x="2552020" y="1153212"/>
+            <a:ext cx="6022718" cy="369332"/>
+          </a:xfrm>
+          <a:prstGeom prst="rect">
+            <a:avLst/>
+          </a:prstGeom>
+          <a:solidFill>
+            <a:schemeClr val="tx1">
+              <a:lumMod val="75000"/>
+            </a:schemeClr>
+          </a:solidFill>
+        </p:spPr>
+        <p:txBody>
+          <a:bodyPr wrap="square" rtlCol="0">
+            <a:spAutoFit/>
+          </a:bodyPr>
+          <a:lstStyle/>
+          <a:p>
+            <a:pPr algn="ctr"/>
+            <a:r>
+              <a:rPr lang="en-US" b="1" dirty="0" smtClean="0">
+                <a:solidFill>
+                  <a:schemeClr val="bg2"/>
+                </a:solidFill>
+              </a:rPr>
+              <a:t>Description of Step</a:t>
+            </a:r>
+            <a:endParaRPr lang="en-US" b="1" dirty="0">
+              <a:solidFill>
+                <a:schemeClr val="bg2"/>
+              </a:solidFill>
+            </a:endParaRPr>
+          </a:p>
+        </p:txBody>
+      </p:sp>
+      <p:sp>
+        <p:nvSpPr>
+          <p:cNvPr id="12" name="TextBox 11"/>
+          <p:cNvSpPr txBox="1"/>
+          <p:nvPr/>
+        </p:nvSpPr>
+        <p:spPr>
+          <a:xfrm>
+            <a:off x="2552020" y="1756704"/>
+            <a:ext cx="6022718" cy="923330"/>
+          </a:xfrm>
+          <a:prstGeom prst="rect">
+            <a:avLst/>
+          </a:prstGeom>
+          <a:solidFill>
+            <a:schemeClr val="tx1">
+              <a:lumMod val="75000"/>
+            </a:schemeClr>
+          </a:solidFill>
+        </p:spPr>
+        <p:txBody>
+          <a:bodyPr wrap="square" rtlCol="0">
+            <a:spAutoFit/>
+          </a:bodyPr>
+          <a:lstStyle/>
+          <a:p>
+            <a:pPr algn="ctr"/>
+            <a:r>
+              <a:rPr lang="en-US" dirty="0" smtClean="0">
+                <a:solidFill>
+                  <a:schemeClr val="bg2"/>
+                </a:solidFill>
+              </a:rPr>
+              <a:t>-Used Tensorflow.mean_iou</a:t>
+            </a:r>
+          </a:p>
+          <a:p>
+            <a:pPr algn="ctr"/>
+            <a:r>
+              <a:rPr lang="en-US" dirty="0" smtClean="0">
+                <a:solidFill>
+                  <a:schemeClr val="bg2"/>
+                </a:solidFill>
+              </a:rPr>
+              <a:t>-Used Keras backend so that I was able to see the metric during model fitting. </a:t>
+            </a:r>
+            <a:endParaRPr lang="en-US" dirty="0">
+              <a:solidFill>
+                <a:schemeClr val="bg2"/>
+              </a:solidFill>
+            </a:endParaRPr>
+          </a:p>
+        </p:txBody>
+      </p:sp>
+      <p:sp>
+        <p:nvSpPr>
+          <p:cNvPr id="13" name="TextBox 12"/>
+          <p:cNvSpPr txBox="1"/>
+          <p:nvPr/>
+        </p:nvSpPr>
+        <p:spPr>
+          <a:xfrm>
+            <a:off x="329703" y="5328066"/>
+            <a:ext cx="1609732" cy="646331"/>
+          </a:xfrm>
+          <a:prstGeom prst="rect">
+            <a:avLst/>
+          </a:prstGeom>
+          <a:solidFill>
+            <a:schemeClr val="tx1">
+              <a:lumMod val="75000"/>
+            </a:schemeClr>
+          </a:solidFill>
+        </p:spPr>
+        <p:txBody>
+          <a:bodyPr wrap="square" rtlCol="0">
+            <a:spAutoFit/>
+          </a:bodyPr>
+          <a:lstStyle/>
+          <a:p>
+            <a:pPr algn="ctr"/>
+            <a:r>
+              <a:rPr lang="en-US" dirty="0" smtClean="0">
+                <a:solidFill>
+                  <a:schemeClr val="bg2"/>
+                </a:solidFill>
+              </a:rPr>
+              <a:t>Import Test Images</a:t>
+            </a:r>
+            <a:endParaRPr lang="en-US" dirty="0">
+              <a:solidFill>
+                <a:schemeClr val="bg2"/>
+              </a:solidFill>
+            </a:endParaRPr>
+          </a:p>
+        </p:txBody>
+      </p:sp>
+      <p:sp>
+        <p:nvSpPr>
+          <p:cNvPr id="14" name="TextBox 13"/>
+          <p:cNvSpPr txBox="1"/>
+          <p:nvPr/>
+        </p:nvSpPr>
+        <p:spPr>
+          <a:xfrm>
+            <a:off x="2552020" y="5466565"/>
+            <a:ext cx="6022718" cy="369332"/>
+          </a:xfrm>
+          <a:prstGeom prst="rect">
+            <a:avLst/>
+          </a:prstGeom>
+          <a:solidFill>
+            <a:schemeClr val="tx1">
+              <a:lumMod val="75000"/>
+            </a:schemeClr>
+          </a:solidFill>
+        </p:spPr>
+        <p:txBody>
+          <a:bodyPr wrap="square" rtlCol="0">
+            <a:spAutoFit/>
+          </a:bodyPr>
+          <a:lstStyle/>
+          <a:p>
+            <a:pPr algn="ctr"/>
+            <a:r>
+              <a:rPr lang="en-US" dirty="0" smtClean="0">
+                <a:solidFill>
+                  <a:schemeClr val="bg2"/>
+                </a:solidFill>
+              </a:rPr>
+              <a:t>-Rerun Import and Conversion Code, the same as </a:t>
+            </a:r>
+            <a:r>
+              <a:rPr lang="en-US" dirty="0" smtClean="0">
+                <a:solidFill>
+                  <a:schemeClr val="bg2"/>
+                </a:solidFill>
+              </a:rPr>
+              <a:t>b</a:t>
+            </a:r>
+            <a:r>
+              <a:rPr lang="en-US" dirty="0" smtClean="0">
+                <a:solidFill>
+                  <a:schemeClr val="bg2"/>
+                </a:solidFill>
+              </a:rPr>
+              <a:t>efore.</a:t>
             </a:r>
           </a:p>
         </p:txBody>
@@ -4907,7 +7944,7 @@
     </p:spTree>
     <p:extLst>
       <p:ext uri="{BB962C8B-B14F-4D97-AF65-F5344CB8AC3E}">
-        <p14:creationId xmlns:p14="http://schemas.microsoft.com/office/powerpoint/2010/main" val="1699763850"/>
+        <p14:creationId xmlns:p14="http://schemas.microsoft.com/office/powerpoint/2010/main" val="1073492899"/>
       </p:ext>
     </p:extLst>
   </p:cSld>

--- a/Final_Presentation.pptx
+++ b/Final_Presentation.pptx
@@ -133,7 +133,7 @@
   </p:defaultTextStyle>
   <p:extLst>
     <p:ext uri="{EFAFB233-063F-42B5-8137-9DF3F51BA10A}">
-      <p15:sldGuideLst xmlns:p15="http://schemas.microsoft.com/office/powerpoint/2012/main">
+      <p15:sldGuideLst xmlns:p15="http://schemas.microsoft.com/office/powerpoint/2012/main" xmlns="">
         <p15:guide id="1" orient="horz" pos="2160">
           <p15:clr>
             <a:srgbClr val="A4A3A4"/>
@@ -336,7 +336,7 @@
             <a:fld id="{8E36636D-D922-432D-A958-524484B5923D}" type="datetimeFigureOut">
               <a:rPr lang="en-US" smtClean="0"/>
               <a:pPr/>
-              <a:t>12/10/2018</a:t>
+              <a:t>12/10/18</a:t>
             </a:fld>
             <a:endParaRPr lang="en-US"/>
           </a:p>
@@ -503,7 +503,7 @@
             <a:fld id="{8E36636D-D922-432D-A958-524484B5923D}" type="datetimeFigureOut">
               <a:rPr lang="en-US" smtClean="0"/>
               <a:pPr/>
-              <a:t>12/10/2018</a:t>
+              <a:t>12/10/18</a:t>
             </a:fld>
             <a:endParaRPr lang="en-US"/>
           </a:p>
@@ -680,7 +680,7 @@
             <a:fld id="{8E36636D-D922-432D-A958-524484B5923D}" type="datetimeFigureOut">
               <a:rPr lang="en-US" smtClean="0"/>
               <a:pPr/>
-              <a:t>12/10/2018</a:t>
+              <a:t>12/10/18</a:t>
             </a:fld>
             <a:endParaRPr lang="en-US"/>
           </a:p>
@@ -847,7 +847,7 @@
             <a:fld id="{8E36636D-D922-432D-A958-524484B5923D}" type="datetimeFigureOut">
               <a:rPr lang="en-US" smtClean="0"/>
               <a:pPr/>
-              <a:t>12/10/2018</a:t>
+              <a:t>12/10/18</a:t>
             </a:fld>
             <a:endParaRPr lang="en-US"/>
           </a:p>
@@ -1088,7 +1088,7 @@
             <a:fld id="{8E36636D-D922-432D-A958-524484B5923D}" type="datetimeFigureOut">
               <a:rPr lang="en-US" smtClean="0"/>
               <a:pPr/>
-              <a:t>12/10/2018</a:t>
+              <a:t>12/10/18</a:t>
             </a:fld>
             <a:endParaRPr lang="en-US"/>
           </a:p>
@@ -1373,7 +1373,7 @@
             <a:fld id="{8E36636D-D922-432D-A958-524484B5923D}" type="datetimeFigureOut">
               <a:rPr lang="en-US" smtClean="0"/>
               <a:pPr/>
-              <a:t>12/10/2018</a:t>
+              <a:t>12/10/18</a:t>
             </a:fld>
             <a:endParaRPr lang="en-US"/>
           </a:p>
@@ -1792,7 +1792,7 @@
             <a:fld id="{8E36636D-D922-432D-A958-524484B5923D}" type="datetimeFigureOut">
               <a:rPr lang="en-US" smtClean="0"/>
               <a:pPr/>
-              <a:t>12/10/2018</a:t>
+              <a:t>12/10/18</a:t>
             </a:fld>
             <a:endParaRPr lang="en-US"/>
           </a:p>
@@ -1907,7 +1907,7 @@
             <a:fld id="{8E36636D-D922-432D-A958-524484B5923D}" type="datetimeFigureOut">
               <a:rPr lang="en-US" smtClean="0"/>
               <a:pPr/>
-              <a:t>12/10/2018</a:t>
+              <a:t>12/10/18</a:t>
             </a:fld>
             <a:endParaRPr lang="en-US"/>
           </a:p>
@@ -1999,7 +1999,7 @@
             <a:fld id="{8E36636D-D922-432D-A958-524484B5923D}" type="datetimeFigureOut">
               <a:rPr lang="en-US" smtClean="0"/>
               <a:pPr/>
-              <a:t>12/10/2018</a:t>
+              <a:t>12/10/18</a:t>
             </a:fld>
             <a:endParaRPr lang="en-US"/>
           </a:p>
@@ -2280,7 +2280,7 @@
             <a:fld id="{8E36636D-D922-432D-A958-524484B5923D}" type="datetimeFigureOut">
               <a:rPr lang="en-US" smtClean="0"/>
               <a:pPr/>
-              <a:t>12/10/2018</a:t>
+              <a:t>12/10/18</a:t>
             </a:fld>
             <a:endParaRPr lang="en-US"/>
           </a:p>
@@ -2541,7 +2541,7 @@
             <a:fld id="{8E36636D-D922-432D-A958-524484B5923D}" type="datetimeFigureOut">
               <a:rPr lang="en-US" smtClean="0"/>
               <a:pPr/>
-              <a:t>12/10/2018</a:t>
+              <a:t>12/10/18</a:t>
             </a:fld>
             <a:endParaRPr lang="en-US"/>
           </a:p>
@@ -2751,7 +2751,7 @@
             <a:fld id="{8E36636D-D922-432D-A958-524484B5923D}" type="datetimeFigureOut">
               <a:rPr lang="en-US" smtClean="0"/>
               <a:pPr/>
-              <a:t>12/10/2018</a:t>
+              <a:t>12/10/18</a:t>
             </a:fld>
             <a:endParaRPr lang="en-US"/>
           </a:p>
@@ -3265,6 +3265,13 @@
   <p:clrMapOvr>
     <a:masterClrMapping/>
   </p:clrMapOvr>
+  <p:timing>
+    <p:tnLst>
+      <p:par>
+        <p:cTn xmlns:p14="http://schemas.microsoft.com/office/powerpoint/2010/main" id="1" dur="indefinite" restart="never" nodeType="tmRoot"/>
+      </p:par>
+    </p:tnLst>
+  </p:timing>
 </p:sld>
 </file>
 
@@ -3533,11 +3540,6 @@
               </a:rPr>
               <a:t>-Called function on predictions list</a:t>
             </a:r>
-            <a:endParaRPr lang="en-US" dirty="0" smtClean="0">
-              <a:solidFill>
-                <a:schemeClr val="bg2"/>
-              </a:solidFill>
-            </a:endParaRPr>
           </a:p>
         </p:txBody>
       </p:sp>
@@ -3691,6 +3693,13 @@
   <p:clrMapOvr>
     <a:masterClrMapping/>
   </p:clrMapOvr>
+  <p:timing>
+    <p:tnLst>
+      <p:par>
+        <p:cTn xmlns:p14="http://schemas.microsoft.com/office/powerpoint/2010/main" id="1" dur="indefinite" restart="never" nodeType="tmRoot"/>
+      </p:par>
+    </p:tnLst>
+  </p:timing>
 </p:sld>
 </file>
 
@@ -3775,6 +3784,13 @@
   <p:clrMapOvr>
     <a:masterClrMapping/>
   </p:clrMapOvr>
+  <p:timing>
+    <p:tnLst>
+      <p:par>
+        <p:cTn xmlns:p14="http://schemas.microsoft.com/office/powerpoint/2010/main" id="1" dur="indefinite" restart="never" nodeType="tmRoot"/>
+      </p:par>
+    </p:tnLst>
+  </p:timing>
 </p:sld>
 </file>
 
@@ -3859,6 +3875,13 @@
   <p:clrMapOvr>
     <a:masterClrMapping/>
   </p:clrMapOvr>
+  <p:timing>
+    <p:tnLst>
+      <p:par>
+        <p:cTn xmlns:p14="http://schemas.microsoft.com/office/powerpoint/2010/main" id="1" dur="indefinite" restart="never" nodeType="tmRoot"/>
+      </p:par>
+    </p:tnLst>
+  </p:timing>
 </p:sld>
 </file>
 
@@ -3943,6 +3966,13 @@
   <p:clrMapOvr>
     <a:masterClrMapping/>
   </p:clrMapOvr>
+  <p:timing>
+    <p:tnLst>
+      <p:par>
+        <p:cTn xmlns:p14="http://schemas.microsoft.com/office/powerpoint/2010/main" id="1" dur="indefinite" restart="never" nodeType="tmRoot"/>
+      </p:par>
+    </p:tnLst>
+  </p:timing>
 </p:sld>
 </file>
 
@@ -4027,6 +4057,13 @@
   <p:clrMapOvr>
     <a:masterClrMapping/>
   </p:clrMapOvr>
+  <p:timing>
+    <p:tnLst>
+      <p:par>
+        <p:cTn xmlns:p14="http://schemas.microsoft.com/office/powerpoint/2010/main" id="1" dur="indefinite" restart="never" nodeType="tmRoot"/>
+      </p:par>
+    </p:tnLst>
+  </p:timing>
 </p:sld>
 </file>
 
@@ -4111,6 +4148,13 @@
   <p:clrMapOvr>
     <a:masterClrMapping/>
   </p:clrMapOvr>
+  <p:timing>
+    <p:tnLst>
+      <p:par>
+        <p:cTn xmlns:p14="http://schemas.microsoft.com/office/powerpoint/2010/main" id="1" dur="indefinite" restart="never" nodeType="tmRoot"/>
+      </p:par>
+    </p:tnLst>
+  </p:timing>
 </p:sld>
 </file>
 
@@ -4195,6 +4239,13 @@
   <p:clrMapOvr>
     <a:masterClrMapping/>
   </p:clrMapOvr>
+  <p:timing>
+    <p:tnLst>
+      <p:par>
+        <p:cTn xmlns:p14="http://schemas.microsoft.com/office/powerpoint/2010/main" id="1" dur="indefinite" restart="never" nodeType="tmRoot"/>
+      </p:par>
+    </p:tnLst>
+  </p:timing>
 </p:sld>
 </file>
 
@@ -4279,6 +4330,13 @@
   <p:clrMapOvr>
     <a:masterClrMapping/>
   </p:clrMapOvr>
+  <p:timing>
+    <p:tnLst>
+      <p:par>
+        <p:cTn xmlns:p14="http://schemas.microsoft.com/office/powerpoint/2010/main" id="1" dur="indefinite" restart="never" nodeType="tmRoot"/>
+      </p:par>
+    </p:tnLst>
+  </p:timing>
 </p:sld>
 </file>
 
@@ -4363,6 +4421,13 @@
   <p:clrMapOvr>
     <a:masterClrMapping/>
   </p:clrMapOvr>
+  <p:timing>
+    <p:tnLst>
+      <p:par>
+        <p:cTn xmlns:p14="http://schemas.microsoft.com/office/powerpoint/2010/main" id="1" dur="indefinite" restart="never" nodeType="tmRoot"/>
+      </p:par>
+    </p:tnLst>
+  </p:timing>
 </p:sld>
 </file>
 
@@ -4447,6 +4512,13 @@
   <p:clrMapOvr>
     <a:masterClrMapping/>
   </p:clrMapOvr>
+  <p:timing>
+    <p:tnLst>
+      <p:par>
+        <p:cTn xmlns:p14="http://schemas.microsoft.com/office/powerpoint/2010/main" id="1" dur="indefinite" restart="never" nodeType="tmRoot"/>
+      </p:par>
+    </p:tnLst>
+  </p:timing>
 </p:sld>
 </file>
 
@@ -4597,6 +4669,13 @@
   <p:clrMapOvr>
     <a:masterClrMapping/>
   </p:clrMapOvr>
+  <p:timing>
+    <p:tnLst>
+      <p:par>
+        <p:cTn xmlns:p14="http://schemas.microsoft.com/office/powerpoint/2010/main" id="1" dur="indefinite" restart="never" nodeType="tmRoot"/>
+      </p:par>
+    </p:tnLst>
+  </p:timing>
 </p:sld>
 </file>
 
@@ -4681,6 +4760,13 @@
   <p:clrMapOvr>
     <a:masterClrMapping/>
   </p:clrMapOvr>
+  <p:timing>
+    <p:tnLst>
+      <p:par>
+        <p:cTn xmlns:p14="http://schemas.microsoft.com/office/powerpoint/2010/main" id="1" dur="indefinite" restart="never" nodeType="tmRoot"/>
+      </p:par>
+    </p:tnLst>
+  </p:timing>
 </p:sld>
 </file>
 
@@ -4795,6 +4881,13 @@
   <p:clrMapOvr>
     <a:masterClrMapping/>
   </p:clrMapOvr>
+  <p:timing>
+    <p:tnLst>
+      <p:par>
+        <p:cTn xmlns:p14="http://schemas.microsoft.com/office/powerpoint/2010/main" id="1" dur="indefinite" restart="never" nodeType="tmRoot"/>
+      </p:par>
+    </p:tnLst>
+  </p:timing>
 </p:sld>
 </file>
 
@@ -5041,6 +5134,13 @@
   <p:clrMapOvr>
     <a:masterClrMapping/>
   </p:clrMapOvr>
+  <p:timing>
+    <p:tnLst>
+      <p:par>
+        <p:cTn xmlns:p14="http://schemas.microsoft.com/office/powerpoint/2010/main" id="1" dur="indefinite" restart="never" nodeType="tmRoot"/>
+      </p:par>
+    </p:tnLst>
+  </p:timing>
 </p:sld>
 </file>
 
@@ -5085,15 +5185,7 @@
           <a:p>
             <a:r>
               <a:rPr lang="en-US" sz="4000" dirty="0" smtClean="0"/>
-              <a:t>Steps of the Project: </a:t>
-            </a:r>
-            <a:r>
-              <a:rPr lang="en-US" sz="4000" dirty="0" smtClean="0"/>
-              <a:t>Final </a:t>
-            </a:r>
-            <a:r>
-              <a:rPr lang="en-US" sz="4000" dirty="0" smtClean="0"/>
-              <a:t>Design</a:t>
+              <a:t>Steps of the Project: Final Design</a:t>
             </a:r>
             <a:endParaRPr lang="en-US" sz="4000" dirty="0"/>
           </a:p>
@@ -5133,6 +5225,13 @@
   <p:clrMapOvr>
     <a:masterClrMapping/>
   </p:clrMapOvr>
+  <p:timing>
+    <p:tnLst>
+      <p:par>
+        <p:cTn xmlns:p14="http://schemas.microsoft.com/office/powerpoint/2010/main" id="1" dur="indefinite" restart="never" nodeType="tmRoot"/>
+      </p:par>
+    </p:tnLst>
+  </p:timing>
 </p:sld>
 </file>
 
@@ -5177,15 +5276,7 @@
           <a:p>
             <a:r>
               <a:rPr lang="en-US" sz="4000" dirty="0" smtClean="0"/>
-              <a:t>Steps of the Project: </a:t>
-            </a:r>
-            <a:r>
-              <a:rPr lang="en-US" sz="4000" dirty="0" smtClean="0"/>
-              <a:t>Final </a:t>
-            </a:r>
-            <a:r>
-              <a:rPr lang="en-US" sz="4000" dirty="0" smtClean="0"/>
-              <a:t>Design</a:t>
+              <a:t>Steps of the Project: Final Design</a:t>
             </a:r>
             <a:endParaRPr lang="en-US" sz="4000" dirty="0"/>
           </a:p>
@@ -5225,6 +5316,13 @@
   <p:clrMapOvr>
     <a:masterClrMapping/>
   </p:clrMapOvr>
+  <p:timing>
+    <p:tnLst>
+      <p:par>
+        <p:cTn xmlns:p14="http://schemas.microsoft.com/office/powerpoint/2010/main" id="1" dur="indefinite" restart="never" nodeType="tmRoot"/>
+      </p:par>
+    </p:tnLst>
+  </p:timing>
 </p:sld>
 </file>
 
@@ -5269,15 +5367,7 @@
           <a:p>
             <a:r>
               <a:rPr lang="en-US" sz="4000" dirty="0" smtClean="0"/>
-              <a:t>Steps of the Project: </a:t>
-            </a:r>
-            <a:r>
-              <a:rPr lang="en-US" sz="4000" dirty="0" smtClean="0"/>
-              <a:t>Final </a:t>
-            </a:r>
-            <a:r>
-              <a:rPr lang="en-US" sz="4000" dirty="0" smtClean="0"/>
-              <a:t>Design</a:t>
+              <a:t>Steps of the Project: Final Design</a:t>
             </a:r>
             <a:endParaRPr lang="en-US" sz="4000" dirty="0"/>
           </a:p>
@@ -5317,6 +5407,13 @@
   <p:clrMapOvr>
     <a:masterClrMapping/>
   </p:clrMapOvr>
+  <p:timing>
+    <p:tnLst>
+      <p:par>
+        <p:cTn xmlns:p14="http://schemas.microsoft.com/office/powerpoint/2010/main" id="1" dur="indefinite" restart="never" nodeType="tmRoot"/>
+      </p:par>
+    </p:tnLst>
+  </p:timing>
 </p:sld>
 </file>
 
@@ -5361,15 +5458,7 @@
           <a:p>
             <a:r>
               <a:rPr lang="en-US" sz="4000" dirty="0" smtClean="0"/>
-              <a:t>Steps of the Project: </a:t>
-            </a:r>
-            <a:r>
-              <a:rPr lang="en-US" sz="4000" dirty="0" smtClean="0"/>
-              <a:t>Final </a:t>
-            </a:r>
-            <a:r>
-              <a:rPr lang="en-US" sz="4000" dirty="0" smtClean="0"/>
-              <a:t>Design</a:t>
+              <a:t>Steps of the Project: Final Design</a:t>
             </a:r>
             <a:endParaRPr lang="en-US" sz="4000" dirty="0"/>
           </a:p>
@@ -5409,6 +5498,13 @@
   <p:clrMapOvr>
     <a:masterClrMapping/>
   </p:clrMapOvr>
+  <p:timing>
+    <p:tnLst>
+      <p:par>
+        <p:cTn xmlns:p14="http://schemas.microsoft.com/office/powerpoint/2010/main" id="1" dur="indefinite" restart="never" nodeType="tmRoot"/>
+      </p:par>
+    </p:tnLst>
+  </p:timing>
 </p:sld>
 </file>
 
@@ -5429,29 +5525,4903 @@
           <a:chExt cx="0" cy="0"/>
         </a:xfrm>
       </p:grpSpPr>
-      <p:sp>
-        <p:nvSpPr>
-          <p:cNvPr id="2" name="Title 1"/>
-          <p:cNvSpPr>
-            <a:spLocks noGrp="1"/>
-          </p:cNvSpPr>
+      <p:graphicFrame>
+        <p:nvGraphicFramePr>
+          <p:cNvPr id="7" name="Table 6"/>
+          <p:cNvGraphicFramePr>
+            <a:graphicFrameLocks noGrp="1"/>
+          </p:cNvGraphicFramePr>
           <p:nvPr>
-            <p:ph type="title"/>
+            <p:extLst>
+              <p:ext uri="{D42A27DB-BD31-4B8C-83A1-F6EECF244321}">
+                <p14:modId xmlns:p14="http://schemas.microsoft.com/office/powerpoint/2010/main" val="3435146534"/>
+              </p:ext>
+            </p:extLst>
           </p:nvPr>
-        </p:nvSpPr>
-        <p:spPr/>
-        <p:txBody>
-          <a:bodyPr/>
-          <a:lstStyle/>
-          <a:p>
-            <a:r>
-              <a:rPr lang="en-US" dirty="0" smtClean="0"/>
-              <a:t>Results</a:t>
-            </a:r>
-            <a:endParaRPr lang="en-US" dirty="0"/>
-          </a:p>
-        </p:txBody>
-      </p:sp>
+        </p:nvGraphicFramePr>
+        <p:xfrm>
+          <a:off x="597666" y="236589"/>
+          <a:ext cx="7881740" cy="6461654"/>
+        </p:xfrm>
+        <a:graphic>
+          <a:graphicData uri="http://schemas.openxmlformats.org/drawingml/2006/table">
+            <a:tbl>
+              <a:tblPr/>
+              <a:tblGrid>
+                <a:gridCol w="1037427"/>
+                <a:gridCol w="1037427"/>
+                <a:gridCol w="875748"/>
+                <a:gridCol w="1172155"/>
+                <a:gridCol w="1172155"/>
+                <a:gridCol w="1360779"/>
+                <a:gridCol w="1226049"/>
+              </a:tblGrid>
+              <a:tr h="301107">
+                <a:tc>
+                  <a:txBody>
+                    <a:bodyPr/>
+                    <a:lstStyle/>
+                    <a:p>
+                      <a:pPr algn="ctr" fontAlgn="ctr"/>
+                      <a:r>
+                        <a:rPr lang="en-US" sz="1200" b="1" i="0" u="none" strike="noStrike">
+                          <a:solidFill>
+                            <a:srgbClr val="000000"/>
+                          </a:solidFill>
+                          <a:effectLst/>
+                          <a:latin typeface="Calibri"/>
+                        </a:rPr>
+                        <a:t>Trial</a:t>
+                      </a:r>
+                    </a:p>
+                  </a:txBody>
+                  <a:tcPr marL="7841" marR="7841" marT="7841" marB="0" anchor="ctr">
+                    <a:lnL w="12700" cap="flat" cmpd="sng" algn="ctr">
+                      <a:solidFill>
+                        <a:srgbClr val="000000"/>
+                      </a:solidFill>
+                      <a:prstDash val="solid"/>
+                      <a:round/>
+                      <a:headEnd type="none" w="med" len="med"/>
+                      <a:tailEnd type="none" w="med" len="med"/>
+                    </a:lnL>
+                    <a:lnR w="6350" cap="flat" cmpd="sng" algn="ctr">
+                      <a:solidFill>
+                        <a:srgbClr val="000000"/>
+                      </a:solidFill>
+                      <a:prstDash val="solid"/>
+                      <a:round/>
+                      <a:headEnd type="none" w="med" len="med"/>
+                      <a:tailEnd type="none" w="med" len="med"/>
+                    </a:lnR>
+                    <a:lnT w="12700" cap="flat" cmpd="sng" algn="ctr">
+                      <a:solidFill>
+                        <a:srgbClr val="000000"/>
+                      </a:solidFill>
+                      <a:prstDash val="solid"/>
+                      <a:round/>
+                      <a:headEnd type="none" w="med" len="med"/>
+                      <a:tailEnd type="none" w="med" len="med"/>
+                    </a:lnT>
+                    <a:lnB w="6350" cap="flat" cmpd="sng" algn="ctr">
+                      <a:solidFill>
+                        <a:srgbClr val="000000"/>
+                      </a:solidFill>
+                      <a:prstDash val="solid"/>
+                      <a:round/>
+                      <a:headEnd type="none" w="med" len="med"/>
+                      <a:tailEnd type="none" w="med" len="med"/>
+                    </a:lnB>
+                    <a:solidFill>
+                      <a:srgbClr val="FFFFFF"/>
+                    </a:solidFill>
+                  </a:tcPr>
+                </a:tc>
+                <a:tc>
+                  <a:txBody>
+                    <a:bodyPr/>
+                    <a:lstStyle/>
+                    <a:p>
+                      <a:pPr algn="ctr" fontAlgn="ctr"/>
+                      <a:r>
+                        <a:rPr lang="en-US" sz="1200" b="1" i="0" u="none" strike="noStrike">
+                          <a:solidFill>
+                            <a:srgbClr val="000000"/>
+                          </a:solidFill>
+                          <a:effectLst/>
+                          <a:latin typeface="Calibri"/>
+                        </a:rPr>
+                        <a:t>Augmentation</a:t>
+                      </a:r>
+                    </a:p>
+                  </a:txBody>
+                  <a:tcPr marL="7841" marR="7841" marT="7841" marB="0" anchor="ctr">
+                    <a:lnL w="6350" cap="flat" cmpd="sng" algn="ctr">
+                      <a:solidFill>
+                        <a:srgbClr val="000000"/>
+                      </a:solidFill>
+                      <a:prstDash val="solid"/>
+                      <a:round/>
+                      <a:headEnd type="none" w="med" len="med"/>
+                      <a:tailEnd type="none" w="med" len="med"/>
+                    </a:lnL>
+                    <a:lnR w="6350" cap="flat" cmpd="sng" algn="ctr">
+                      <a:solidFill>
+                        <a:srgbClr val="000000"/>
+                      </a:solidFill>
+                      <a:prstDash val="solid"/>
+                      <a:round/>
+                      <a:headEnd type="none" w="med" len="med"/>
+                      <a:tailEnd type="none" w="med" len="med"/>
+                    </a:lnR>
+                    <a:lnT w="12700" cap="flat" cmpd="sng" algn="ctr">
+                      <a:solidFill>
+                        <a:srgbClr val="000000"/>
+                      </a:solidFill>
+                      <a:prstDash val="solid"/>
+                      <a:round/>
+                      <a:headEnd type="none" w="med" len="med"/>
+                      <a:tailEnd type="none" w="med" len="med"/>
+                    </a:lnT>
+                    <a:lnB w="6350" cap="flat" cmpd="sng" algn="ctr">
+                      <a:solidFill>
+                        <a:srgbClr val="000000"/>
+                      </a:solidFill>
+                      <a:prstDash val="solid"/>
+                      <a:round/>
+                      <a:headEnd type="none" w="med" len="med"/>
+                      <a:tailEnd type="none" w="med" len="med"/>
+                    </a:lnB>
+                    <a:solidFill>
+                      <a:srgbClr val="FFFFFF"/>
+                    </a:solidFill>
+                  </a:tcPr>
+                </a:tc>
+                <a:tc>
+                  <a:txBody>
+                    <a:bodyPr/>
+                    <a:lstStyle/>
+                    <a:p>
+                      <a:pPr algn="ctr" fontAlgn="ctr"/>
+                      <a:r>
+                        <a:rPr lang="en-US" sz="1200" b="1" i="0" u="none" strike="noStrike">
+                          <a:solidFill>
+                            <a:srgbClr val="000000"/>
+                          </a:solidFill>
+                          <a:effectLst/>
+                          <a:latin typeface="Calibri"/>
+                        </a:rPr>
+                        <a:t>Probability</a:t>
+                      </a:r>
+                    </a:p>
+                  </a:txBody>
+                  <a:tcPr marL="7841" marR="7841" marT="7841" marB="0" anchor="ctr">
+                    <a:lnL w="6350" cap="flat" cmpd="sng" algn="ctr">
+                      <a:solidFill>
+                        <a:srgbClr val="000000"/>
+                      </a:solidFill>
+                      <a:prstDash val="solid"/>
+                      <a:round/>
+                      <a:headEnd type="none" w="med" len="med"/>
+                      <a:tailEnd type="none" w="med" len="med"/>
+                    </a:lnL>
+                    <a:lnR w="6350" cap="flat" cmpd="sng" algn="ctr">
+                      <a:solidFill>
+                        <a:srgbClr val="000000"/>
+                      </a:solidFill>
+                      <a:prstDash val="solid"/>
+                      <a:round/>
+                      <a:headEnd type="none" w="med" len="med"/>
+                      <a:tailEnd type="none" w="med" len="med"/>
+                    </a:lnR>
+                    <a:lnT w="12700" cap="flat" cmpd="sng" algn="ctr">
+                      <a:solidFill>
+                        <a:srgbClr val="000000"/>
+                      </a:solidFill>
+                      <a:prstDash val="solid"/>
+                      <a:round/>
+                      <a:headEnd type="none" w="med" len="med"/>
+                      <a:tailEnd type="none" w="med" len="med"/>
+                    </a:lnT>
+                    <a:lnB w="6350" cap="flat" cmpd="sng" algn="ctr">
+                      <a:solidFill>
+                        <a:srgbClr val="000000"/>
+                      </a:solidFill>
+                      <a:prstDash val="solid"/>
+                      <a:round/>
+                      <a:headEnd type="none" w="med" len="med"/>
+                      <a:tailEnd type="none" w="med" len="med"/>
+                    </a:lnB>
+                    <a:solidFill>
+                      <a:srgbClr val="FFFFFF"/>
+                    </a:solidFill>
+                  </a:tcPr>
+                </a:tc>
+                <a:tc>
+                  <a:txBody>
+                    <a:bodyPr/>
+                    <a:lstStyle/>
+                    <a:p>
+                      <a:pPr algn="ctr" fontAlgn="ctr"/>
+                      <a:r>
+                        <a:rPr lang="en-US" sz="1200" b="1" i="0" u="none" strike="noStrike">
+                          <a:solidFill>
+                            <a:srgbClr val="000000"/>
+                          </a:solidFill>
+                          <a:effectLst/>
+                          <a:latin typeface="Calibri"/>
+                        </a:rPr>
+                        <a:t>Model Structure</a:t>
+                      </a:r>
+                    </a:p>
+                  </a:txBody>
+                  <a:tcPr marL="7841" marR="7841" marT="7841" marB="0" anchor="ctr">
+                    <a:lnL w="6350" cap="flat" cmpd="sng" algn="ctr">
+                      <a:solidFill>
+                        <a:srgbClr val="000000"/>
+                      </a:solidFill>
+                      <a:prstDash val="solid"/>
+                      <a:round/>
+                      <a:headEnd type="none" w="med" len="med"/>
+                      <a:tailEnd type="none" w="med" len="med"/>
+                    </a:lnL>
+                    <a:lnR w="6350" cap="flat" cmpd="sng" algn="ctr">
+                      <a:solidFill>
+                        <a:srgbClr val="000000"/>
+                      </a:solidFill>
+                      <a:prstDash val="solid"/>
+                      <a:round/>
+                      <a:headEnd type="none" w="med" len="med"/>
+                      <a:tailEnd type="none" w="med" len="med"/>
+                    </a:lnR>
+                    <a:lnT w="12700" cap="flat" cmpd="sng" algn="ctr">
+                      <a:solidFill>
+                        <a:srgbClr val="000000"/>
+                      </a:solidFill>
+                      <a:prstDash val="solid"/>
+                      <a:round/>
+                      <a:headEnd type="none" w="med" len="med"/>
+                      <a:tailEnd type="none" w="med" len="med"/>
+                    </a:lnT>
+                    <a:lnB w="6350" cap="flat" cmpd="sng" algn="ctr">
+                      <a:solidFill>
+                        <a:srgbClr val="000000"/>
+                      </a:solidFill>
+                      <a:prstDash val="solid"/>
+                      <a:round/>
+                      <a:headEnd type="none" w="med" len="med"/>
+                      <a:tailEnd type="none" w="med" len="med"/>
+                    </a:lnB>
+                    <a:solidFill>
+                      <a:srgbClr val="FFFFFF"/>
+                    </a:solidFill>
+                  </a:tcPr>
+                </a:tc>
+                <a:tc>
+                  <a:txBody>
+                    <a:bodyPr/>
+                    <a:lstStyle/>
+                    <a:p>
+                      <a:pPr algn="ctr" fontAlgn="ctr"/>
+                      <a:r>
+                        <a:rPr lang="en-US" sz="1200" b="1" i="0" u="none" strike="noStrike">
+                          <a:solidFill>
+                            <a:srgbClr val="000000"/>
+                          </a:solidFill>
+                          <a:effectLst/>
+                          <a:latin typeface="Calibri"/>
+                        </a:rPr>
+                        <a:t>Train IOU</a:t>
+                      </a:r>
+                    </a:p>
+                  </a:txBody>
+                  <a:tcPr marL="7841" marR="7841" marT="7841" marB="0" anchor="ctr">
+                    <a:lnL w="6350" cap="flat" cmpd="sng" algn="ctr">
+                      <a:solidFill>
+                        <a:srgbClr val="000000"/>
+                      </a:solidFill>
+                      <a:prstDash val="solid"/>
+                      <a:round/>
+                      <a:headEnd type="none" w="med" len="med"/>
+                      <a:tailEnd type="none" w="med" len="med"/>
+                    </a:lnL>
+                    <a:lnR w="6350" cap="flat" cmpd="sng" algn="ctr">
+                      <a:solidFill>
+                        <a:srgbClr val="000000"/>
+                      </a:solidFill>
+                      <a:prstDash val="solid"/>
+                      <a:round/>
+                      <a:headEnd type="none" w="med" len="med"/>
+                      <a:tailEnd type="none" w="med" len="med"/>
+                    </a:lnR>
+                    <a:lnT w="12700" cap="flat" cmpd="sng" algn="ctr">
+                      <a:solidFill>
+                        <a:srgbClr val="000000"/>
+                      </a:solidFill>
+                      <a:prstDash val="solid"/>
+                      <a:round/>
+                      <a:headEnd type="none" w="med" len="med"/>
+                      <a:tailEnd type="none" w="med" len="med"/>
+                    </a:lnT>
+                    <a:lnB w="6350" cap="flat" cmpd="sng" algn="ctr">
+                      <a:solidFill>
+                        <a:srgbClr val="000000"/>
+                      </a:solidFill>
+                      <a:prstDash val="solid"/>
+                      <a:round/>
+                      <a:headEnd type="none" w="med" len="med"/>
+                      <a:tailEnd type="none" w="med" len="med"/>
+                    </a:lnB>
+                    <a:solidFill>
+                      <a:srgbClr val="FFFFFF"/>
+                    </a:solidFill>
+                  </a:tcPr>
+                </a:tc>
+                <a:tc>
+                  <a:txBody>
+                    <a:bodyPr/>
+                    <a:lstStyle/>
+                    <a:p>
+                      <a:pPr algn="ctr" fontAlgn="ctr"/>
+                      <a:r>
+                        <a:rPr lang="en-US" sz="1200" b="1" i="0" u="none" strike="noStrike">
+                          <a:solidFill>
+                            <a:srgbClr val="000000"/>
+                          </a:solidFill>
+                          <a:effectLst/>
+                          <a:latin typeface="Calibri"/>
+                        </a:rPr>
+                        <a:t>Validation Mean IOU</a:t>
+                      </a:r>
+                    </a:p>
+                  </a:txBody>
+                  <a:tcPr marL="7841" marR="7841" marT="7841" marB="0" anchor="ctr">
+                    <a:lnL w="6350" cap="flat" cmpd="sng" algn="ctr">
+                      <a:solidFill>
+                        <a:srgbClr val="000000"/>
+                      </a:solidFill>
+                      <a:prstDash val="solid"/>
+                      <a:round/>
+                      <a:headEnd type="none" w="med" len="med"/>
+                      <a:tailEnd type="none" w="med" len="med"/>
+                    </a:lnL>
+                    <a:lnR w="6350" cap="flat" cmpd="sng" algn="ctr">
+                      <a:solidFill>
+                        <a:srgbClr val="000000"/>
+                      </a:solidFill>
+                      <a:prstDash val="solid"/>
+                      <a:round/>
+                      <a:headEnd type="none" w="med" len="med"/>
+                      <a:tailEnd type="none" w="med" len="med"/>
+                    </a:lnR>
+                    <a:lnT w="12700" cap="flat" cmpd="sng" algn="ctr">
+                      <a:solidFill>
+                        <a:srgbClr val="000000"/>
+                      </a:solidFill>
+                      <a:prstDash val="solid"/>
+                      <a:round/>
+                      <a:headEnd type="none" w="med" len="med"/>
+                      <a:tailEnd type="none" w="med" len="med"/>
+                    </a:lnT>
+                    <a:lnB w="6350" cap="flat" cmpd="sng" algn="ctr">
+                      <a:solidFill>
+                        <a:srgbClr val="000000"/>
+                      </a:solidFill>
+                      <a:prstDash val="solid"/>
+                      <a:round/>
+                      <a:headEnd type="none" w="med" len="med"/>
+                      <a:tailEnd type="none" w="med" len="med"/>
+                    </a:lnB>
+                    <a:solidFill>
+                      <a:srgbClr val="FFFFFF"/>
+                    </a:solidFill>
+                  </a:tcPr>
+                </a:tc>
+                <a:tc>
+                  <a:txBody>
+                    <a:bodyPr/>
+                    <a:lstStyle/>
+                    <a:p>
+                      <a:pPr algn="ctr" fontAlgn="ctr"/>
+                      <a:r>
+                        <a:rPr lang="en-US" sz="1200" b="1" i="0" u="none" strike="noStrike">
+                          <a:solidFill>
+                            <a:srgbClr val="000000"/>
+                          </a:solidFill>
+                          <a:effectLst/>
+                          <a:latin typeface="Calibri"/>
+                        </a:rPr>
+                        <a:t>Kaggle Mean IOU</a:t>
+                      </a:r>
+                    </a:p>
+                  </a:txBody>
+                  <a:tcPr marL="7841" marR="7841" marT="7841" marB="0" anchor="ctr">
+                    <a:lnL w="6350" cap="flat" cmpd="sng" algn="ctr">
+                      <a:solidFill>
+                        <a:srgbClr val="000000"/>
+                      </a:solidFill>
+                      <a:prstDash val="solid"/>
+                      <a:round/>
+                      <a:headEnd type="none" w="med" len="med"/>
+                      <a:tailEnd type="none" w="med" len="med"/>
+                    </a:lnL>
+                    <a:lnR w="12700" cap="flat" cmpd="sng" algn="ctr">
+                      <a:solidFill>
+                        <a:srgbClr val="000000"/>
+                      </a:solidFill>
+                      <a:prstDash val="solid"/>
+                      <a:round/>
+                      <a:headEnd type="none" w="med" len="med"/>
+                      <a:tailEnd type="none" w="med" len="med"/>
+                    </a:lnR>
+                    <a:lnT w="12700" cap="flat" cmpd="sng" algn="ctr">
+                      <a:solidFill>
+                        <a:srgbClr val="000000"/>
+                      </a:solidFill>
+                      <a:prstDash val="solid"/>
+                      <a:round/>
+                      <a:headEnd type="none" w="med" len="med"/>
+                      <a:tailEnd type="none" w="med" len="med"/>
+                    </a:lnT>
+                    <a:lnB w="6350" cap="flat" cmpd="sng" algn="ctr">
+                      <a:solidFill>
+                        <a:srgbClr val="000000"/>
+                      </a:solidFill>
+                      <a:prstDash val="solid"/>
+                      <a:round/>
+                      <a:headEnd type="none" w="med" len="med"/>
+                      <a:tailEnd type="none" w="med" len="med"/>
+                    </a:lnB>
+                    <a:solidFill>
+                      <a:srgbClr val="FFFFFF"/>
+                    </a:solidFill>
+                  </a:tcPr>
+                </a:tc>
+              </a:tr>
+              <a:tr h="184442">
+                <a:tc rowSpan="5">
+                  <a:txBody>
+                    <a:bodyPr/>
+                    <a:lstStyle/>
+                    <a:p>
+                      <a:pPr algn="ctr" fontAlgn="ctr"/>
+                      <a:r>
+                        <a:rPr lang="en-US" sz="1200" b="0" i="0" u="none" strike="noStrike">
+                          <a:solidFill>
+                            <a:srgbClr val="000000"/>
+                          </a:solidFill>
+                          <a:effectLst/>
+                          <a:latin typeface="Calibri"/>
+                        </a:rPr>
+                        <a:t>1</a:t>
+                      </a:r>
+                    </a:p>
+                  </a:txBody>
+                  <a:tcPr marL="7841" marR="7841" marT="7841" marB="0" anchor="ctr">
+                    <a:lnL w="12700" cap="flat" cmpd="sng" algn="ctr">
+                      <a:solidFill>
+                        <a:srgbClr val="000000"/>
+                      </a:solidFill>
+                      <a:prstDash val="solid"/>
+                      <a:round/>
+                      <a:headEnd type="none" w="med" len="med"/>
+                      <a:tailEnd type="none" w="med" len="med"/>
+                    </a:lnL>
+                    <a:lnR w="6350" cap="flat" cmpd="sng" algn="ctr">
+                      <a:solidFill>
+                        <a:srgbClr val="000000"/>
+                      </a:solidFill>
+                      <a:prstDash val="solid"/>
+                      <a:round/>
+                      <a:headEnd type="none" w="med" len="med"/>
+                      <a:tailEnd type="none" w="med" len="med"/>
+                    </a:lnR>
+                    <a:lnT w="6350" cap="flat" cmpd="sng" algn="ctr">
+                      <a:solidFill>
+                        <a:srgbClr val="000000"/>
+                      </a:solidFill>
+                      <a:prstDash val="solid"/>
+                      <a:round/>
+                      <a:headEnd type="none" w="med" len="med"/>
+                      <a:tailEnd type="none" w="med" len="med"/>
+                    </a:lnT>
+                    <a:lnB w="12700" cap="flat" cmpd="sng" algn="ctr">
+                      <a:solidFill>
+                        <a:srgbClr val="000000"/>
+                      </a:solidFill>
+                      <a:prstDash val="solid"/>
+                      <a:round/>
+                      <a:headEnd type="none" w="med" len="med"/>
+                      <a:tailEnd type="none" w="med" len="med"/>
+                    </a:lnB>
+                    <a:solidFill>
+                      <a:srgbClr val="FFFFFF"/>
+                    </a:solidFill>
+                  </a:tcPr>
+                </a:tc>
+                <a:tc>
+                  <a:txBody>
+                    <a:bodyPr/>
+                    <a:lstStyle/>
+                    <a:p>
+                      <a:pPr algn="ctr" fontAlgn="ctr"/>
+                      <a:r>
+                        <a:rPr lang="en-US" sz="1200" b="0" i="0" u="none" strike="noStrike">
+                          <a:solidFill>
+                            <a:srgbClr val="000000"/>
+                          </a:solidFill>
+                          <a:effectLst/>
+                          <a:latin typeface="Calibri"/>
+                        </a:rPr>
+                        <a:t>Right Rotation</a:t>
+                      </a:r>
+                    </a:p>
+                  </a:txBody>
+                  <a:tcPr marL="7841" marR="7841" marT="7841" marB="0" anchor="ctr">
+                    <a:lnL w="6350" cap="flat" cmpd="sng" algn="ctr">
+                      <a:solidFill>
+                        <a:srgbClr val="000000"/>
+                      </a:solidFill>
+                      <a:prstDash val="solid"/>
+                      <a:round/>
+                      <a:headEnd type="none" w="med" len="med"/>
+                      <a:tailEnd type="none" w="med" len="med"/>
+                    </a:lnL>
+                    <a:lnR w="6350" cap="flat" cmpd="sng" algn="ctr">
+                      <a:solidFill>
+                        <a:srgbClr val="000000"/>
+                      </a:solidFill>
+                      <a:prstDash val="solid"/>
+                      <a:round/>
+                      <a:headEnd type="none" w="med" len="med"/>
+                      <a:tailEnd type="none" w="med" len="med"/>
+                    </a:lnR>
+                    <a:lnT w="6350" cap="flat" cmpd="sng" algn="ctr">
+                      <a:solidFill>
+                        <a:srgbClr val="000000"/>
+                      </a:solidFill>
+                      <a:prstDash val="solid"/>
+                      <a:round/>
+                      <a:headEnd type="none" w="med" len="med"/>
+                      <a:tailEnd type="none" w="med" len="med"/>
+                    </a:lnT>
+                    <a:lnB w="6350" cap="flat" cmpd="sng" algn="ctr">
+                      <a:solidFill>
+                        <a:srgbClr val="000000"/>
+                      </a:solidFill>
+                      <a:prstDash val="solid"/>
+                      <a:round/>
+                      <a:headEnd type="none" w="med" len="med"/>
+                      <a:tailEnd type="none" w="med" len="med"/>
+                    </a:lnB>
+                    <a:solidFill>
+                      <a:srgbClr val="FFFFFF"/>
+                    </a:solidFill>
+                  </a:tcPr>
+                </a:tc>
+                <a:tc>
+                  <a:txBody>
+                    <a:bodyPr/>
+                    <a:lstStyle/>
+                    <a:p>
+                      <a:pPr algn="ctr" fontAlgn="ctr"/>
+                      <a:r>
+                        <a:rPr lang="en-US" sz="1200" b="0" i="0" u="none" strike="noStrike">
+                          <a:solidFill>
+                            <a:srgbClr val="000000"/>
+                          </a:solidFill>
+                          <a:effectLst/>
+                          <a:latin typeface="Calibri"/>
+                        </a:rPr>
+                        <a:t>1</a:t>
+                      </a:r>
+                    </a:p>
+                  </a:txBody>
+                  <a:tcPr marL="7841" marR="7841" marT="7841" marB="0" anchor="ctr">
+                    <a:lnL w="6350" cap="flat" cmpd="sng" algn="ctr">
+                      <a:solidFill>
+                        <a:srgbClr val="000000"/>
+                      </a:solidFill>
+                      <a:prstDash val="solid"/>
+                      <a:round/>
+                      <a:headEnd type="none" w="med" len="med"/>
+                      <a:tailEnd type="none" w="med" len="med"/>
+                    </a:lnL>
+                    <a:lnR w="6350" cap="flat" cmpd="sng" algn="ctr">
+                      <a:solidFill>
+                        <a:srgbClr val="000000"/>
+                      </a:solidFill>
+                      <a:prstDash val="solid"/>
+                      <a:round/>
+                      <a:headEnd type="none" w="med" len="med"/>
+                      <a:tailEnd type="none" w="med" len="med"/>
+                    </a:lnR>
+                    <a:lnT w="6350" cap="flat" cmpd="sng" algn="ctr">
+                      <a:solidFill>
+                        <a:srgbClr val="000000"/>
+                      </a:solidFill>
+                      <a:prstDash val="solid"/>
+                      <a:round/>
+                      <a:headEnd type="none" w="med" len="med"/>
+                      <a:tailEnd type="none" w="med" len="med"/>
+                    </a:lnT>
+                    <a:lnB w="6350" cap="flat" cmpd="sng" algn="ctr">
+                      <a:solidFill>
+                        <a:srgbClr val="000000"/>
+                      </a:solidFill>
+                      <a:prstDash val="solid"/>
+                      <a:round/>
+                      <a:headEnd type="none" w="med" len="med"/>
+                      <a:tailEnd type="none" w="med" len="med"/>
+                    </a:lnB>
+                    <a:solidFill>
+                      <a:srgbClr val="FFFFFF"/>
+                    </a:solidFill>
+                  </a:tcPr>
+                </a:tc>
+                <a:tc rowSpan="5">
+                  <a:txBody>
+                    <a:bodyPr/>
+                    <a:lstStyle/>
+                    <a:p>
+                      <a:pPr algn="ctr" fontAlgn="ctr"/>
+                      <a:r>
+                        <a:rPr lang="de-DE" sz="1200" b="0" i="0" u="none" strike="noStrike">
+                          <a:solidFill>
+                            <a:srgbClr val="000000"/>
+                          </a:solidFill>
+                          <a:effectLst/>
+                          <a:latin typeface="Calibri"/>
+                        </a:rPr>
+                        <a:t>U-Net-1</a:t>
+                      </a:r>
+                    </a:p>
+                  </a:txBody>
+                  <a:tcPr marL="7841" marR="7841" marT="7841" marB="0" anchor="ctr">
+                    <a:lnL w="6350" cap="flat" cmpd="sng" algn="ctr">
+                      <a:solidFill>
+                        <a:srgbClr val="000000"/>
+                      </a:solidFill>
+                      <a:prstDash val="solid"/>
+                      <a:round/>
+                      <a:headEnd type="none" w="med" len="med"/>
+                      <a:tailEnd type="none" w="med" len="med"/>
+                    </a:lnL>
+                    <a:lnR w="6350" cap="flat" cmpd="sng" algn="ctr">
+                      <a:solidFill>
+                        <a:srgbClr val="000000"/>
+                      </a:solidFill>
+                      <a:prstDash val="solid"/>
+                      <a:round/>
+                      <a:headEnd type="none" w="med" len="med"/>
+                      <a:tailEnd type="none" w="med" len="med"/>
+                    </a:lnR>
+                    <a:lnT w="6350" cap="flat" cmpd="sng" algn="ctr">
+                      <a:solidFill>
+                        <a:srgbClr val="000000"/>
+                      </a:solidFill>
+                      <a:prstDash val="solid"/>
+                      <a:round/>
+                      <a:headEnd type="none" w="med" len="med"/>
+                      <a:tailEnd type="none" w="med" len="med"/>
+                    </a:lnT>
+                    <a:lnB w="12700" cap="flat" cmpd="sng" algn="ctr">
+                      <a:solidFill>
+                        <a:srgbClr val="000000"/>
+                      </a:solidFill>
+                      <a:prstDash val="solid"/>
+                      <a:round/>
+                      <a:headEnd type="none" w="med" len="med"/>
+                      <a:tailEnd type="none" w="med" len="med"/>
+                    </a:lnB>
+                    <a:solidFill>
+                      <a:srgbClr val="FFFFFF"/>
+                    </a:solidFill>
+                  </a:tcPr>
+                </a:tc>
+                <a:tc rowSpan="5">
+                  <a:txBody>
+                    <a:bodyPr/>
+                    <a:lstStyle/>
+                    <a:p>
+                      <a:pPr algn="ctr" fontAlgn="ctr"/>
+                      <a:r>
+                        <a:rPr lang="nb-NO" sz="1200" b="0" i="0" u="none" strike="noStrike">
+                          <a:solidFill>
+                            <a:srgbClr val="000000"/>
+                          </a:solidFill>
+                          <a:effectLst/>
+                          <a:latin typeface="Calibri"/>
+                        </a:rPr>
+                        <a:t>0.7391</a:t>
+                      </a:r>
+                    </a:p>
+                  </a:txBody>
+                  <a:tcPr marL="7841" marR="7841" marT="7841" marB="0" anchor="ctr">
+                    <a:lnL w="6350" cap="flat" cmpd="sng" algn="ctr">
+                      <a:solidFill>
+                        <a:srgbClr val="000000"/>
+                      </a:solidFill>
+                      <a:prstDash val="solid"/>
+                      <a:round/>
+                      <a:headEnd type="none" w="med" len="med"/>
+                      <a:tailEnd type="none" w="med" len="med"/>
+                    </a:lnL>
+                    <a:lnR w="6350" cap="flat" cmpd="sng" algn="ctr">
+                      <a:solidFill>
+                        <a:srgbClr val="000000"/>
+                      </a:solidFill>
+                      <a:prstDash val="solid"/>
+                      <a:round/>
+                      <a:headEnd type="none" w="med" len="med"/>
+                      <a:tailEnd type="none" w="med" len="med"/>
+                    </a:lnR>
+                    <a:lnT w="6350" cap="flat" cmpd="sng" algn="ctr">
+                      <a:solidFill>
+                        <a:srgbClr val="000000"/>
+                      </a:solidFill>
+                      <a:prstDash val="solid"/>
+                      <a:round/>
+                      <a:headEnd type="none" w="med" len="med"/>
+                      <a:tailEnd type="none" w="med" len="med"/>
+                    </a:lnT>
+                    <a:lnB w="6350" cap="flat" cmpd="sng" algn="ctr">
+                      <a:solidFill>
+                        <a:srgbClr val="000000"/>
+                      </a:solidFill>
+                      <a:prstDash val="solid"/>
+                      <a:round/>
+                      <a:headEnd type="none" w="med" len="med"/>
+                      <a:tailEnd type="none" w="med" len="med"/>
+                    </a:lnB>
+                    <a:solidFill>
+                      <a:srgbClr val="FFFFFF"/>
+                    </a:solidFill>
+                  </a:tcPr>
+                </a:tc>
+                <a:tc rowSpan="5">
+                  <a:txBody>
+                    <a:bodyPr/>
+                    <a:lstStyle/>
+                    <a:p>
+                      <a:pPr algn="ctr" fontAlgn="ctr"/>
+                      <a:r>
+                        <a:rPr lang="nb-NO" sz="1200" b="0" i="0" u="none" strike="noStrike">
+                          <a:solidFill>
+                            <a:srgbClr val="000000"/>
+                          </a:solidFill>
+                          <a:effectLst/>
+                          <a:latin typeface="Calibri"/>
+                        </a:rPr>
+                        <a:t>0.7414</a:t>
+                      </a:r>
+                    </a:p>
+                  </a:txBody>
+                  <a:tcPr marL="7841" marR="7841" marT="7841" marB="0" anchor="ctr">
+                    <a:lnL w="6350" cap="flat" cmpd="sng" algn="ctr">
+                      <a:solidFill>
+                        <a:srgbClr val="000000"/>
+                      </a:solidFill>
+                      <a:prstDash val="solid"/>
+                      <a:round/>
+                      <a:headEnd type="none" w="med" len="med"/>
+                      <a:tailEnd type="none" w="med" len="med"/>
+                    </a:lnL>
+                    <a:lnR w="6350" cap="flat" cmpd="sng" algn="ctr">
+                      <a:solidFill>
+                        <a:srgbClr val="000000"/>
+                      </a:solidFill>
+                      <a:prstDash val="solid"/>
+                      <a:round/>
+                      <a:headEnd type="none" w="med" len="med"/>
+                      <a:tailEnd type="none" w="med" len="med"/>
+                    </a:lnR>
+                    <a:lnT w="6350" cap="flat" cmpd="sng" algn="ctr">
+                      <a:solidFill>
+                        <a:srgbClr val="000000"/>
+                      </a:solidFill>
+                      <a:prstDash val="solid"/>
+                      <a:round/>
+                      <a:headEnd type="none" w="med" len="med"/>
+                      <a:tailEnd type="none" w="med" len="med"/>
+                    </a:lnT>
+                    <a:lnB w="12700" cap="flat" cmpd="sng" algn="ctr">
+                      <a:solidFill>
+                        <a:srgbClr val="000000"/>
+                      </a:solidFill>
+                      <a:prstDash val="solid"/>
+                      <a:round/>
+                      <a:headEnd type="none" w="med" len="med"/>
+                      <a:tailEnd type="none" w="med" len="med"/>
+                    </a:lnB>
+                    <a:solidFill>
+                      <a:srgbClr val="FFFFFF"/>
+                    </a:solidFill>
+                  </a:tcPr>
+                </a:tc>
+                <a:tc rowSpan="5">
+                  <a:txBody>
+                    <a:bodyPr/>
+                    <a:lstStyle/>
+                    <a:p>
+                      <a:pPr algn="ctr" fontAlgn="ctr"/>
+                      <a:r>
+                        <a:rPr lang="nb-NO" sz="1200" b="0" i="0" u="none" strike="noStrike">
+                          <a:solidFill>
+                            <a:srgbClr val="000000"/>
+                          </a:solidFill>
+                          <a:effectLst/>
+                          <a:latin typeface="Calibri"/>
+                        </a:rPr>
+                        <a:t>0.656666</a:t>
+                      </a:r>
+                    </a:p>
+                  </a:txBody>
+                  <a:tcPr marL="7841" marR="7841" marT="7841" marB="0" anchor="ctr">
+                    <a:lnL w="6350" cap="flat" cmpd="sng" algn="ctr">
+                      <a:solidFill>
+                        <a:srgbClr val="000000"/>
+                      </a:solidFill>
+                      <a:prstDash val="solid"/>
+                      <a:round/>
+                      <a:headEnd type="none" w="med" len="med"/>
+                      <a:tailEnd type="none" w="med" len="med"/>
+                    </a:lnL>
+                    <a:lnR w="12700" cap="flat" cmpd="sng" algn="ctr">
+                      <a:solidFill>
+                        <a:srgbClr val="000000"/>
+                      </a:solidFill>
+                      <a:prstDash val="solid"/>
+                      <a:round/>
+                      <a:headEnd type="none" w="med" len="med"/>
+                      <a:tailEnd type="none" w="med" len="med"/>
+                    </a:lnR>
+                    <a:lnT w="6350" cap="flat" cmpd="sng" algn="ctr">
+                      <a:solidFill>
+                        <a:srgbClr val="000000"/>
+                      </a:solidFill>
+                      <a:prstDash val="solid"/>
+                      <a:round/>
+                      <a:headEnd type="none" w="med" len="med"/>
+                      <a:tailEnd type="none" w="med" len="med"/>
+                    </a:lnT>
+                    <a:lnB w="12700" cap="flat" cmpd="sng" algn="ctr">
+                      <a:solidFill>
+                        <a:srgbClr val="000000"/>
+                      </a:solidFill>
+                      <a:prstDash val="solid"/>
+                      <a:round/>
+                      <a:headEnd type="none" w="med" len="med"/>
+                      <a:tailEnd type="none" w="med" len="med"/>
+                    </a:lnB>
+                    <a:solidFill>
+                      <a:srgbClr val="FFFFFF"/>
+                    </a:solidFill>
+                  </a:tcPr>
+                </a:tc>
+              </a:tr>
+              <a:tr h="184442">
+                <a:tc vMerge="1">
+                  <a:txBody>
+                    <a:bodyPr/>
+                    <a:lstStyle/>
+                    <a:p>
+                      <a:endParaRPr lang="en-US"/>
+                    </a:p>
+                  </a:txBody>
+                  <a:tcPr/>
+                </a:tc>
+                <a:tc>
+                  <a:txBody>
+                    <a:bodyPr/>
+                    <a:lstStyle/>
+                    <a:p>
+                      <a:pPr algn="ctr" fontAlgn="ctr"/>
+                      <a:r>
+                        <a:rPr lang="en-US" sz="1200" b="0" i="0" u="none" strike="noStrike">
+                          <a:solidFill>
+                            <a:srgbClr val="000000"/>
+                          </a:solidFill>
+                          <a:effectLst/>
+                          <a:latin typeface="Calibri"/>
+                        </a:rPr>
+                        <a:t>Left Rotation</a:t>
+                      </a:r>
+                    </a:p>
+                  </a:txBody>
+                  <a:tcPr marL="7841" marR="7841" marT="7841" marB="0" anchor="ctr">
+                    <a:lnL w="6350" cap="flat" cmpd="sng" algn="ctr">
+                      <a:solidFill>
+                        <a:srgbClr val="000000"/>
+                      </a:solidFill>
+                      <a:prstDash val="solid"/>
+                      <a:round/>
+                      <a:headEnd type="none" w="med" len="med"/>
+                      <a:tailEnd type="none" w="med" len="med"/>
+                    </a:lnL>
+                    <a:lnR w="6350" cap="flat" cmpd="sng" algn="ctr">
+                      <a:solidFill>
+                        <a:srgbClr val="000000"/>
+                      </a:solidFill>
+                      <a:prstDash val="solid"/>
+                      <a:round/>
+                      <a:headEnd type="none" w="med" len="med"/>
+                      <a:tailEnd type="none" w="med" len="med"/>
+                    </a:lnR>
+                    <a:lnT w="6350" cap="flat" cmpd="sng" algn="ctr">
+                      <a:solidFill>
+                        <a:srgbClr val="000000"/>
+                      </a:solidFill>
+                      <a:prstDash val="solid"/>
+                      <a:round/>
+                      <a:headEnd type="none" w="med" len="med"/>
+                      <a:tailEnd type="none" w="med" len="med"/>
+                    </a:lnT>
+                    <a:lnB w="6350" cap="flat" cmpd="sng" algn="ctr">
+                      <a:solidFill>
+                        <a:srgbClr val="000000"/>
+                      </a:solidFill>
+                      <a:prstDash val="solid"/>
+                      <a:round/>
+                      <a:headEnd type="none" w="med" len="med"/>
+                      <a:tailEnd type="none" w="med" len="med"/>
+                    </a:lnB>
+                    <a:solidFill>
+                      <a:srgbClr val="FFFFFF"/>
+                    </a:solidFill>
+                  </a:tcPr>
+                </a:tc>
+                <a:tc>
+                  <a:txBody>
+                    <a:bodyPr/>
+                    <a:lstStyle/>
+                    <a:p>
+                      <a:pPr algn="ctr" fontAlgn="ctr"/>
+                      <a:r>
+                        <a:rPr lang="en-US" sz="1200" b="0" i="0" u="none" strike="noStrike">
+                          <a:solidFill>
+                            <a:srgbClr val="000000"/>
+                          </a:solidFill>
+                          <a:effectLst/>
+                          <a:latin typeface="Calibri"/>
+                        </a:rPr>
+                        <a:t>1</a:t>
+                      </a:r>
+                    </a:p>
+                  </a:txBody>
+                  <a:tcPr marL="7841" marR="7841" marT="7841" marB="0" anchor="ctr">
+                    <a:lnL w="6350" cap="flat" cmpd="sng" algn="ctr">
+                      <a:solidFill>
+                        <a:srgbClr val="000000"/>
+                      </a:solidFill>
+                      <a:prstDash val="solid"/>
+                      <a:round/>
+                      <a:headEnd type="none" w="med" len="med"/>
+                      <a:tailEnd type="none" w="med" len="med"/>
+                    </a:lnL>
+                    <a:lnR w="6350" cap="flat" cmpd="sng" algn="ctr">
+                      <a:solidFill>
+                        <a:srgbClr val="000000"/>
+                      </a:solidFill>
+                      <a:prstDash val="solid"/>
+                      <a:round/>
+                      <a:headEnd type="none" w="med" len="med"/>
+                      <a:tailEnd type="none" w="med" len="med"/>
+                    </a:lnR>
+                    <a:lnT w="6350" cap="flat" cmpd="sng" algn="ctr">
+                      <a:solidFill>
+                        <a:srgbClr val="000000"/>
+                      </a:solidFill>
+                      <a:prstDash val="solid"/>
+                      <a:round/>
+                      <a:headEnd type="none" w="med" len="med"/>
+                      <a:tailEnd type="none" w="med" len="med"/>
+                    </a:lnT>
+                    <a:lnB w="6350" cap="flat" cmpd="sng" algn="ctr">
+                      <a:solidFill>
+                        <a:srgbClr val="000000"/>
+                      </a:solidFill>
+                      <a:prstDash val="solid"/>
+                      <a:round/>
+                      <a:headEnd type="none" w="med" len="med"/>
+                      <a:tailEnd type="none" w="med" len="med"/>
+                    </a:lnB>
+                    <a:solidFill>
+                      <a:srgbClr val="FFFFFF"/>
+                    </a:solidFill>
+                  </a:tcPr>
+                </a:tc>
+                <a:tc vMerge="1">
+                  <a:txBody>
+                    <a:bodyPr/>
+                    <a:lstStyle/>
+                    <a:p>
+                      <a:endParaRPr lang="en-US"/>
+                    </a:p>
+                  </a:txBody>
+                  <a:tcPr/>
+                </a:tc>
+                <a:tc vMerge="1">
+                  <a:txBody>
+                    <a:bodyPr/>
+                    <a:lstStyle/>
+                    <a:p>
+                      <a:endParaRPr lang="en-US"/>
+                    </a:p>
+                  </a:txBody>
+                  <a:tcPr/>
+                </a:tc>
+                <a:tc vMerge="1">
+                  <a:txBody>
+                    <a:bodyPr/>
+                    <a:lstStyle/>
+                    <a:p>
+                      <a:endParaRPr lang="en-US"/>
+                    </a:p>
+                  </a:txBody>
+                  <a:tcPr/>
+                </a:tc>
+                <a:tc vMerge="1">
+                  <a:txBody>
+                    <a:bodyPr/>
+                    <a:lstStyle/>
+                    <a:p>
+                      <a:endParaRPr lang="en-US"/>
+                    </a:p>
+                  </a:txBody>
+                  <a:tcPr/>
+                </a:tc>
+              </a:tr>
+              <a:tr h="301107">
+                <a:tc vMerge="1">
+                  <a:txBody>
+                    <a:bodyPr/>
+                    <a:lstStyle/>
+                    <a:p>
+                      <a:endParaRPr lang="en-US"/>
+                    </a:p>
+                  </a:txBody>
+                  <a:tcPr/>
+                </a:tc>
+                <a:tc>
+                  <a:txBody>
+                    <a:bodyPr/>
+                    <a:lstStyle/>
+                    <a:p>
+                      <a:pPr algn="ctr" fontAlgn="ctr"/>
+                      <a:r>
+                        <a:rPr lang="en-US" sz="1200" b="0" i="0" u="none" strike="noStrike">
+                          <a:solidFill>
+                            <a:srgbClr val="000000"/>
+                          </a:solidFill>
+                          <a:effectLst/>
+                          <a:latin typeface="Calibri"/>
+                        </a:rPr>
+                        <a:t>Flip over X-axis</a:t>
+                      </a:r>
+                    </a:p>
+                  </a:txBody>
+                  <a:tcPr marL="7841" marR="7841" marT="7841" marB="0" anchor="ctr">
+                    <a:lnL w="6350" cap="flat" cmpd="sng" algn="ctr">
+                      <a:solidFill>
+                        <a:srgbClr val="000000"/>
+                      </a:solidFill>
+                      <a:prstDash val="solid"/>
+                      <a:round/>
+                      <a:headEnd type="none" w="med" len="med"/>
+                      <a:tailEnd type="none" w="med" len="med"/>
+                    </a:lnL>
+                    <a:lnR w="6350" cap="flat" cmpd="sng" algn="ctr">
+                      <a:solidFill>
+                        <a:srgbClr val="000000"/>
+                      </a:solidFill>
+                      <a:prstDash val="solid"/>
+                      <a:round/>
+                      <a:headEnd type="none" w="med" len="med"/>
+                      <a:tailEnd type="none" w="med" len="med"/>
+                    </a:lnR>
+                    <a:lnT w="6350" cap="flat" cmpd="sng" algn="ctr">
+                      <a:solidFill>
+                        <a:srgbClr val="000000"/>
+                      </a:solidFill>
+                      <a:prstDash val="solid"/>
+                      <a:round/>
+                      <a:headEnd type="none" w="med" len="med"/>
+                      <a:tailEnd type="none" w="med" len="med"/>
+                    </a:lnT>
+                    <a:lnB w="6350" cap="flat" cmpd="sng" algn="ctr">
+                      <a:solidFill>
+                        <a:srgbClr val="000000"/>
+                      </a:solidFill>
+                      <a:prstDash val="solid"/>
+                      <a:round/>
+                      <a:headEnd type="none" w="med" len="med"/>
+                      <a:tailEnd type="none" w="med" len="med"/>
+                    </a:lnB>
+                    <a:solidFill>
+                      <a:srgbClr val="FFFFFF"/>
+                    </a:solidFill>
+                  </a:tcPr>
+                </a:tc>
+                <a:tc>
+                  <a:txBody>
+                    <a:bodyPr/>
+                    <a:lstStyle/>
+                    <a:p>
+                      <a:pPr algn="ctr" fontAlgn="ctr"/>
+                      <a:r>
+                        <a:rPr lang="nb-NO" sz="1200" b="0" i="0" u="none" strike="noStrike">
+                          <a:solidFill>
+                            <a:srgbClr val="000000"/>
+                          </a:solidFill>
+                          <a:effectLst/>
+                          <a:latin typeface="Calibri"/>
+                        </a:rPr>
+                        <a:t>0.5</a:t>
+                      </a:r>
+                    </a:p>
+                  </a:txBody>
+                  <a:tcPr marL="7841" marR="7841" marT="7841" marB="0" anchor="ctr">
+                    <a:lnL w="6350" cap="flat" cmpd="sng" algn="ctr">
+                      <a:solidFill>
+                        <a:srgbClr val="000000"/>
+                      </a:solidFill>
+                      <a:prstDash val="solid"/>
+                      <a:round/>
+                      <a:headEnd type="none" w="med" len="med"/>
+                      <a:tailEnd type="none" w="med" len="med"/>
+                    </a:lnL>
+                    <a:lnR w="6350" cap="flat" cmpd="sng" algn="ctr">
+                      <a:solidFill>
+                        <a:srgbClr val="000000"/>
+                      </a:solidFill>
+                      <a:prstDash val="solid"/>
+                      <a:round/>
+                      <a:headEnd type="none" w="med" len="med"/>
+                      <a:tailEnd type="none" w="med" len="med"/>
+                    </a:lnR>
+                    <a:lnT w="6350" cap="flat" cmpd="sng" algn="ctr">
+                      <a:solidFill>
+                        <a:srgbClr val="000000"/>
+                      </a:solidFill>
+                      <a:prstDash val="solid"/>
+                      <a:round/>
+                      <a:headEnd type="none" w="med" len="med"/>
+                      <a:tailEnd type="none" w="med" len="med"/>
+                    </a:lnT>
+                    <a:lnB w="6350" cap="flat" cmpd="sng" algn="ctr">
+                      <a:solidFill>
+                        <a:srgbClr val="000000"/>
+                      </a:solidFill>
+                      <a:prstDash val="solid"/>
+                      <a:round/>
+                      <a:headEnd type="none" w="med" len="med"/>
+                      <a:tailEnd type="none" w="med" len="med"/>
+                    </a:lnB>
+                    <a:solidFill>
+                      <a:srgbClr val="FFFFFF"/>
+                    </a:solidFill>
+                  </a:tcPr>
+                </a:tc>
+                <a:tc vMerge="1">
+                  <a:txBody>
+                    <a:bodyPr/>
+                    <a:lstStyle/>
+                    <a:p>
+                      <a:endParaRPr lang="en-US"/>
+                    </a:p>
+                  </a:txBody>
+                  <a:tcPr/>
+                </a:tc>
+                <a:tc vMerge="1">
+                  <a:txBody>
+                    <a:bodyPr/>
+                    <a:lstStyle/>
+                    <a:p>
+                      <a:endParaRPr lang="en-US"/>
+                    </a:p>
+                  </a:txBody>
+                  <a:tcPr/>
+                </a:tc>
+                <a:tc vMerge="1">
+                  <a:txBody>
+                    <a:bodyPr/>
+                    <a:lstStyle/>
+                    <a:p>
+                      <a:endParaRPr lang="en-US"/>
+                    </a:p>
+                  </a:txBody>
+                  <a:tcPr/>
+                </a:tc>
+                <a:tc vMerge="1">
+                  <a:txBody>
+                    <a:bodyPr/>
+                    <a:lstStyle/>
+                    <a:p>
+                      <a:endParaRPr lang="en-US"/>
+                    </a:p>
+                  </a:txBody>
+                  <a:tcPr/>
+                </a:tc>
+              </a:tr>
+              <a:tr h="301107">
+                <a:tc vMerge="1">
+                  <a:txBody>
+                    <a:bodyPr/>
+                    <a:lstStyle/>
+                    <a:p>
+                      <a:endParaRPr lang="en-US"/>
+                    </a:p>
+                  </a:txBody>
+                  <a:tcPr/>
+                </a:tc>
+                <a:tc>
+                  <a:txBody>
+                    <a:bodyPr/>
+                    <a:lstStyle/>
+                    <a:p>
+                      <a:pPr algn="ctr" fontAlgn="ctr"/>
+                      <a:r>
+                        <a:rPr lang="en-US" sz="1200" b="0" i="0" u="none" strike="noStrike">
+                          <a:solidFill>
+                            <a:srgbClr val="000000"/>
+                          </a:solidFill>
+                          <a:effectLst/>
+                          <a:latin typeface="Calibri"/>
+                        </a:rPr>
+                        <a:t>Flip over Y-axis</a:t>
+                      </a:r>
+                    </a:p>
+                  </a:txBody>
+                  <a:tcPr marL="7841" marR="7841" marT="7841" marB="0" anchor="ctr">
+                    <a:lnL w="6350" cap="flat" cmpd="sng" algn="ctr">
+                      <a:solidFill>
+                        <a:srgbClr val="000000"/>
+                      </a:solidFill>
+                      <a:prstDash val="solid"/>
+                      <a:round/>
+                      <a:headEnd type="none" w="med" len="med"/>
+                      <a:tailEnd type="none" w="med" len="med"/>
+                    </a:lnL>
+                    <a:lnR w="6350" cap="flat" cmpd="sng" algn="ctr">
+                      <a:solidFill>
+                        <a:srgbClr val="000000"/>
+                      </a:solidFill>
+                      <a:prstDash val="solid"/>
+                      <a:round/>
+                      <a:headEnd type="none" w="med" len="med"/>
+                      <a:tailEnd type="none" w="med" len="med"/>
+                    </a:lnR>
+                    <a:lnT w="6350" cap="flat" cmpd="sng" algn="ctr">
+                      <a:solidFill>
+                        <a:srgbClr val="000000"/>
+                      </a:solidFill>
+                      <a:prstDash val="solid"/>
+                      <a:round/>
+                      <a:headEnd type="none" w="med" len="med"/>
+                      <a:tailEnd type="none" w="med" len="med"/>
+                    </a:lnT>
+                    <a:lnB w="6350" cap="flat" cmpd="sng" algn="ctr">
+                      <a:solidFill>
+                        <a:srgbClr val="000000"/>
+                      </a:solidFill>
+                      <a:prstDash val="solid"/>
+                      <a:round/>
+                      <a:headEnd type="none" w="med" len="med"/>
+                      <a:tailEnd type="none" w="med" len="med"/>
+                    </a:lnB>
+                    <a:solidFill>
+                      <a:srgbClr val="FFFFFF"/>
+                    </a:solidFill>
+                  </a:tcPr>
+                </a:tc>
+                <a:tc>
+                  <a:txBody>
+                    <a:bodyPr/>
+                    <a:lstStyle/>
+                    <a:p>
+                      <a:pPr algn="ctr" fontAlgn="ctr"/>
+                      <a:r>
+                        <a:rPr lang="nb-NO" sz="1200" b="0" i="0" u="none" strike="noStrike">
+                          <a:solidFill>
+                            <a:srgbClr val="000000"/>
+                          </a:solidFill>
+                          <a:effectLst/>
+                          <a:latin typeface="Calibri"/>
+                        </a:rPr>
+                        <a:t>0.5</a:t>
+                      </a:r>
+                    </a:p>
+                  </a:txBody>
+                  <a:tcPr marL="7841" marR="7841" marT="7841" marB="0" anchor="ctr">
+                    <a:lnL w="6350" cap="flat" cmpd="sng" algn="ctr">
+                      <a:solidFill>
+                        <a:srgbClr val="000000"/>
+                      </a:solidFill>
+                      <a:prstDash val="solid"/>
+                      <a:round/>
+                      <a:headEnd type="none" w="med" len="med"/>
+                      <a:tailEnd type="none" w="med" len="med"/>
+                    </a:lnL>
+                    <a:lnR w="6350" cap="flat" cmpd="sng" algn="ctr">
+                      <a:solidFill>
+                        <a:srgbClr val="000000"/>
+                      </a:solidFill>
+                      <a:prstDash val="solid"/>
+                      <a:round/>
+                      <a:headEnd type="none" w="med" len="med"/>
+                      <a:tailEnd type="none" w="med" len="med"/>
+                    </a:lnR>
+                    <a:lnT w="6350" cap="flat" cmpd="sng" algn="ctr">
+                      <a:solidFill>
+                        <a:srgbClr val="000000"/>
+                      </a:solidFill>
+                      <a:prstDash val="solid"/>
+                      <a:round/>
+                      <a:headEnd type="none" w="med" len="med"/>
+                      <a:tailEnd type="none" w="med" len="med"/>
+                    </a:lnT>
+                    <a:lnB w="6350" cap="flat" cmpd="sng" algn="ctr">
+                      <a:solidFill>
+                        <a:srgbClr val="000000"/>
+                      </a:solidFill>
+                      <a:prstDash val="solid"/>
+                      <a:round/>
+                      <a:headEnd type="none" w="med" len="med"/>
+                      <a:tailEnd type="none" w="med" len="med"/>
+                    </a:lnB>
+                    <a:solidFill>
+                      <a:srgbClr val="FFFFFF"/>
+                    </a:solidFill>
+                  </a:tcPr>
+                </a:tc>
+                <a:tc vMerge="1">
+                  <a:txBody>
+                    <a:bodyPr/>
+                    <a:lstStyle/>
+                    <a:p>
+                      <a:endParaRPr lang="en-US"/>
+                    </a:p>
+                  </a:txBody>
+                  <a:tcPr/>
+                </a:tc>
+                <a:tc vMerge="1">
+                  <a:txBody>
+                    <a:bodyPr/>
+                    <a:lstStyle/>
+                    <a:p>
+                      <a:endParaRPr lang="en-US"/>
+                    </a:p>
+                  </a:txBody>
+                  <a:tcPr/>
+                </a:tc>
+                <a:tc vMerge="1">
+                  <a:txBody>
+                    <a:bodyPr/>
+                    <a:lstStyle/>
+                    <a:p>
+                      <a:endParaRPr lang="en-US"/>
+                    </a:p>
+                  </a:txBody>
+                  <a:tcPr/>
+                </a:tc>
+                <a:tc vMerge="1">
+                  <a:txBody>
+                    <a:bodyPr/>
+                    <a:lstStyle/>
+                    <a:p>
+                      <a:endParaRPr lang="en-US"/>
+                    </a:p>
+                  </a:txBody>
+                  <a:tcPr/>
+                </a:tc>
+              </a:tr>
+              <a:tr h="538159">
+                <a:tc vMerge="1">
+                  <a:txBody>
+                    <a:bodyPr/>
+                    <a:lstStyle/>
+                    <a:p>
+                      <a:endParaRPr lang="en-US"/>
+                    </a:p>
+                  </a:txBody>
+                  <a:tcPr/>
+                </a:tc>
+                <a:tc>
+                  <a:txBody>
+                    <a:bodyPr/>
+                    <a:lstStyle/>
+                    <a:p>
+                      <a:pPr algn="ctr" fontAlgn="ctr"/>
+                      <a:r>
+                        <a:rPr lang="en-US" sz="1200" b="0" i="0" u="none" strike="noStrike">
+                          <a:solidFill>
+                            <a:srgbClr val="000000"/>
+                          </a:solidFill>
+                          <a:effectLst/>
+                          <a:latin typeface="Calibri"/>
+                        </a:rPr>
+                        <a:t>Number of Augmented Images</a:t>
+                      </a:r>
+                    </a:p>
+                  </a:txBody>
+                  <a:tcPr marL="7841" marR="7841" marT="7841" marB="0" anchor="ctr">
+                    <a:lnL w="6350" cap="flat" cmpd="sng" algn="ctr">
+                      <a:solidFill>
+                        <a:srgbClr val="000000"/>
+                      </a:solidFill>
+                      <a:prstDash val="solid"/>
+                      <a:round/>
+                      <a:headEnd type="none" w="med" len="med"/>
+                      <a:tailEnd type="none" w="med" len="med"/>
+                    </a:lnL>
+                    <a:lnR w="6350" cap="flat" cmpd="sng" algn="ctr">
+                      <a:solidFill>
+                        <a:srgbClr val="000000"/>
+                      </a:solidFill>
+                      <a:prstDash val="solid"/>
+                      <a:round/>
+                      <a:headEnd type="none" w="med" len="med"/>
+                      <a:tailEnd type="none" w="med" len="med"/>
+                    </a:lnR>
+                    <a:lnT w="6350" cap="flat" cmpd="sng" algn="ctr">
+                      <a:solidFill>
+                        <a:srgbClr val="000000"/>
+                      </a:solidFill>
+                      <a:prstDash val="solid"/>
+                      <a:round/>
+                      <a:headEnd type="none" w="med" len="med"/>
+                      <a:tailEnd type="none" w="med" len="med"/>
+                    </a:lnT>
+                    <a:lnB w="12700" cap="flat" cmpd="sng" algn="ctr">
+                      <a:solidFill>
+                        <a:srgbClr val="000000"/>
+                      </a:solidFill>
+                      <a:prstDash val="solid"/>
+                      <a:round/>
+                      <a:headEnd type="none" w="med" len="med"/>
+                      <a:tailEnd type="none" w="med" len="med"/>
+                    </a:lnB>
+                    <a:solidFill>
+                      <a:srgbClr val="FFFFFF"/>
+                    </a:solidFill>
+                  </a:tcPr>
+                </a:tc>
+                <a:tc>
+                  <a:txBody>
+                    <a:bodyPr/>
+                    <a:lstStyle/>
+                    <a:p>
+                      <a:pPr algn="ctr" fontAlgn="ctr"/>
+                      <a:r>
+                        <a:rPr lang="is-IS" sz="1200" b="0" i="0" u="none" strike="noStrike">
+                          <a:solidFill>
+                            <a:srgbClr val="000000"/>
+                          </a:solidFill>
+                          <a:effectLst/>
+                          <a:latin typeface="Calibri"/>
+                        </a:rPr>
+                        <a:t>1000</a:t>
+                      </a:r>
+                    </a:p>
+                  </a:txBody>
+                  <a:tcPr marL="7841" marR="7841" marT="7841" marB="0" anchor="ctr">
+                    <a:lnL w="6350" cap="flat" cmpd="sng" algn="ctr">
+                      <a:solidFill>
+                        <a:srgbClr val="000000"/>
+                      </a:solidFill>
+                      <a:prstDash val="solid"/>
+                      <a:round/>
+                      <a:headEnd type="none" w="med" len="med"/>
+                      <a:tailEnd type="none" w="med" len="med"/>
+                    </a:lnL>
+                    <a:lnR w="6350" cap="flat" cmpd="sng" algn="ctr">
+                      <a:solidFill>
+                        <a:srgbClr val="000000"/>
+                      </a:solidFill>
+                      <a:prstDash val="solid"/>
+                      <a:round/>
+                      <a:headEnd type="none" w="med" len="med"/>
+                      <a:tailEnd type="none" w="med" len="med"/>
+                    </a:lnR>
+                    <a:lnT w="6350" cap="flat" cmpd="sng" algn="ctr">
+                      <a:solidFill>
+                        <a:srgbClr val="000000"/>
+                      </a:solidFill>
+                      <a:prstDash val="solid"/>
+                      <a:round/>
+                      <a:headEnd type="none" w="med" len="med"/>
+                      <a:tailEnd type="none" w="med" len="med"/>
+                    </a:lnT>
+                    <a:lnB w="12700" cap="flat" cmpd="sng" algn="ctr">
+                      <a:solidFill>
+                        <a:srgbClr val="000000"/>
+                      </a:solidFill>
+                      <a:prstDash val="solid"/>
+                      <a:round/>
+                      <a:headEnd type="none" w="med" len="med"/>
+                      <a:tailEnd type="none" w="med" len="med"/>
+                    </a:lnB>
+                    <a:solidFill>
+                      <a:srgbClr val="FFFFFF"/>
+                    </a:solidFill>
+                  </a:tcPr>
+                </a:tc>
+                <a:tc vMerge="1">
+                  <a:txBody>
+                    <a:bodyPr/>
+                    <a:lstStyle/>
+                    <a:p>
+                      <a:endParaRPr lang="en-US"/>
+                    </a:p>
+                  </a:txBody>
+                  <a:tcPr/>
+                </a:tc>
+                <a:tc vMerge="1">
+                  <a:txBody>
+                    <a:bodyPr/>
+                    <a:lstStyle/>
+                    <a:p>
+                      <a:endParaRPr lang="en-US"/>
+                    </a:p>
+                  </a:txBody>
+                  <a:tcPr/>
+                </a:tc>
+                <a:tc vMerge="1">
+                  <a:txBody>
+                    <a:bodyPr/>
+                    <a:lstStyle/>
+                    <a:p>
+                      <a:endParaRPr lang="en-US"/>
+                    </a:p>
+                  </a:txBody>
+                  <a:tcPr/>
+                </a:tc>
+                <a:tc vMerge="1">
+                  <a:txBody>
+                    <a:bodyPr/>
+                    <a:lstStyle/>
+                    <a:p>
+                      <a:endParaRPr lang="en-US"/>
+                    </a:p>
+                  </a:txBody>
+                  <a:tcPr/>
+                </a:tc>
+              </a:tr>
+              <a:tr h="184442">
+                <a:tc rowSpan="5">
+                  <a:txBody>
+                    <a:bodyPr/>
+                    <a:lstStyle/>
+                    <a:p>
+                      <a:pPr algn="ctr" fontAlgn="ctr"/>
+                      <a:r>
+                        <a:rPr lang="is-IS" sz="1200" b="0" i="0" u="none" strike="noStrike">
+                          <a:solidFill>
+                            <a:srgbClr val="000000"/>
+                          </a:solidFill>
+                          <a:effectLst/>
+                          <a:latin typeface="Calibri"/>
+                        </a:rPr>
+                        <a:t>2</a:t>
+                      </a:r>
+                    </a:p>
+                  </a:txBody>
+                  <a:tcPr marL="7841" marR="7841" marT="7841" marB="0" anchor="ctr">
+                    <a:lnL w="12700" cap="flat" cmpd="sng" algn="ctr">
+                      <a:solidFill>
+                        <a:srgbClr val="000000"/>
+                      </a:solidFill>
+                      <a:prstDash val="solid"/>
+                      <a:round/>
+                      <a:headEnd type="none" w="med" len="med"/>
+                      <a:tailEnd type="none" w="med" len="med"/>
+                    </a:lnL>
+                    <a:lnR w="6350" cap="flat" cmpd="sng" algn="ctr">
+                      <a:solidFill>
+                        <a:srgbClr val="000000"/>
+                      </a:solidFill>
+                      <a:prstDash val="solid"/>
+                      <a:round/>
+                      <a:headEnd type="none" w="med" len="med"/>
+                      <a:tailEnd type="none" w="med" len="med"/>
+                    </a:lnR>
+                    <a:lnT w="12700" cap="flat" cmpd="sng" algn="ctr">
+                      <a:solidFill>
+                        <a:srgbClr val="000000"/>
+                      </a:solidFill>
+                      <a:prstDash val="solid"/>
+                      <a:round/>
+                      <a:headEnd type="none" w="med" len="med"/>
+                      <a:tailEnd type="none" w="med" len="med"/>
+                    </a:lnT>
+                    <a:lnB w="12700" cap="flat" cmpd="sng" algn="ctr">
+                      <a:solidFill>
+                        <a:srgbClr val="000000"/>
+                      </a:solidFill>
+                      <a:prstDash val="solid"/>
+                      <a:round/>
+                      <a:headEnd type="none" w="med" len="med"/>
+                      <a:tailEnd type="none" w="med" len="med"/>
+                    </a:lnB>
+                    <a:solidFill>
+                      <a:srgbClr val="FFFFFF"/>
+                    </a:solidFill>
+                  </a:tcPr>
+                </a:tc>
+                <a:tc>
+                  <a:txBody>
+                    <a:bodyPr/>
+                    <a:lstStyle/>
+                    <a:p>
+                      <a:pPr algn="ctr" fontAlgn="ctr"/>
+                      <a:r>
+                        <a:rPr lang="en-US" sz="1200" b="0" i="0" u="none" strike="noStrike">
+                          <a:solidFill>
+                            <a:srgbClr val="000000"/>
+                          </a:solidFill>
+                          <a:effectLst/>
+                          <a:latin typeface="Calibri"/>
+                        </a:rPr>
+                        <a:t>Right Rotation</a:t>
+                      </a:r>
+                    </a:p>
+                  </a:txBody>
+                  <a:tcPr marL="7841" marR="7841" marT="7841" marB="0" anchor="ctr">
+                    <a:lnL w="6350" cap="flat" cmpd="sng" algn="ctr">
+                      <a:solidFill>
+                        <a:srgbClr val="000000"/>
+                      </a:solidFill>
+                      <a:prstDash val="solid"/>
+                      <a:round/>
+                      <a:headEnd type="none" w="med" len="med"/>
+                      <a:tailEnd type="none" w="med" len="med"/>
+                    </a:lnL>
+                    <a:lnR w="6350" cap="flat" cmpd="sng" algn="ctr">
+                      <a:solidFill>
+                        <a:srgbClr val="000000"/>
+                      </a:solidFill>
+                      <a:prstDash val="solid"/>
+                      <a:round/>
+                      <a:headEnd type="none" w="med" len="med"/>
+                      <a:tailEnd type="none" w="med" len="med"/>
+                    </a:lnR>
+                    <a:lnT w="12700" cap="flat" cmpd="sng" algn="ctr">
+                      <a:solidFill>
+                        <a:srgbClr val="000000"/>
+                      </a:solidFill>
+                      <a:prstDash val="solid"/>
+                      <a:round/>
+                      <a:headEnd type="none" w="med" len="med"/>
+                      <a:tailEnd type="none" w="med" len="med"/>
+                    </a:lnT>
+                    <a:lnB w="6350" cap="flat" cmpd="sng" algn="ctr">
+                      <a:solidFill>
+                        <a:srgbClr val="000000"/>
+                      </a:solidFill>
+                      <a:prstDash val="solid"/>
+                      <a:round/>
+                      <a:headEnd type="none" w="med" len="med"/>
+                      <a:tailEnd type="none" w="med" len="med"/>
+                    </a:lnB>
+                    <a:solidFill>
+                      <a:srgbClr val="FFFFFF"/>
+                    </a:solidFill>
+                  </a:tcPr>
+                </a:tc>
+                <a:tc>
+                  <a:txBody>
+                    <a:bodyPr/>
+                    <a:lstStyle/>
+                    <a:p>
+                      <a:pPr algn="ctr" fontAlgn="ctr"/>
+                      <a:r>
+                        <a:rPr lang="en-US" sz="1200" b="0" i="0" u="none" strike="noStrike">
+                          <a:solidFill>
+                            <a:srgbClr val="000000"/>
+                          </a:solidFill>
+                          <a:effectLst/>
+                          <a:latin typeface="Calibri"/>
+                        </a:rPr>
+                        <a:t>1</a:t>
+                      </a:r>
+                    </a:p>
+                  </a:txBody>
+                  <a:tcPr marL="7841" marR="7841" marT="7841" marB="0" anchor="ctr">
+                    <a:lnL w="6350" cap="flat" cmpd="sng" algn="ctr">
+                      <a:solidFill>
+                        <a:srgbClr val="000000"/>
+                      </a:solidFill>
+                      <a:prstDash val="solid"/>
+                      <a:round/>
+                      <a:headEnd type="none" w="med" len="med"/>
+                      <a:tailEnd type="none" w="med" len="med"/>
+                    </a:lnL>
+                    <a:lnR w="6350" cap="flat" cmpd="sng" algn="ctr">
+                      <a:solidFill>
+                        <a:srgbClr val="000000"/>
+                      </a:solidFill>
+                      <a:prstDash val="solid"/>
+                      <a:round/>
+                      <a:headEnd type="none" w="med" len="med"/>
+                      <a:tailEnd type="none" w="med" len="med"/>
+                    </a:lnR>
+                    <a:lnT w="12700" cap="flat" cmpd="sng" algn="ctr">
+                      <a:solidFill>
+                        <a:srgbClr val="000000"/>
+                      </a:solidFill>
+                      <a:prstDash val="solid"/>
+                      <a:round/>
+                      <a:headEnd type="none" w="med" len="med"/>
+                      <a:tailEnd type="none" w="med" len="med"/>
+                    </a:lnT>
+                    <a:lnB w="6350" cap="flat" cmpd="sng" algn="ctr">
+                      <a:solidFill>
+                        <a:srgbClr val="000000"/>
+                      </a:solidFill>
+                      <a:prstDash val="solid"/>
+                      <a:round/>
+                      <a:headEnd type="none" w="med" len="med"/>
+                      <a:tailEnd type="none" w="med" len="med"/>
+                    </a:lnB>
+                    <a:solidFill>
+                      <a:srgbClr val="FFFFFF"/>
+                    </a:solidFill>
+                  </a:tcPr>
+                </a:tc>
+                <a:tc rowSpan="5">
+                  <a:txBody>
+                    <a:bodyPr/>
+                    <a:lstStyle/>
+                    <a:p>
+                      <a:pPr algn="ctr" fontAlgn="ctr"/>
+                      <a:r>
+                        <a:rPr lang="de-DE" sz="1200" b="0" i="0" u="none" strike="noStrike">
+                          <a:solidFill>
+                            <a:srgbClr val="000000"/>
+                          </a:solidFill>
+                          <a:effectLst/>
+                          <a:latin typeface="Calibri"/>
+                        </a:rPr>
+                        <a:t>U-Net-1</a:t>
+                      </a:r>
+                    </a:p>
+                  </a:txBody>
+                  <a:tcPr marL="7841" marR="7841" marT="7841" marB="0" anchor="ctr">
+                    <a:lnL w="6350" cap="flat" cmpd="sng" algn="ctr">
+                      <a:solidFill>
+                        <a:srgbClr val="000000"/>
+                      </a:solidFill>
+                      <a:prstDash val="solid"/>
+                      <a:round/>
+                      <a:headEnd type="none" w="med" len="med"/>
+                      <a:tailEnd type="none" w="med" len="med"/>
+                    </a:lnL>
+                    <a:lnR w="6350" cap="flat" cmpd="sng" algn="ctr">
+                      <a:solidFill>
+                        <a:srgbClr val="000000"/>
+                      </a:solidFill>
+                      <a:prstDash val="solid"/>
+                      <a:round/>
+                      <a:headEnd type="none" w="med" len="med"/>
+                      <a:tailEnd type="none" w="med" len="med"/>
+                    </a:lnR>
+                    <a:lnT w="12700" cap="flat" cmpd="sng" algn="ctr">
+                      <a:solidFill>
+                        <a:srgbClr val="000000"/>
+                      </a:solidFill>
+                      <a:prstDash val="solid"/>
+                      <a:round/>
+                      <a:headEnd type="none" w="med" len="med"/>
+                      <a:tailEnd type="none" w="med" len="med"/>
+                    </a:lnT>
+                    <a:lnB w="12700" cap="flat" cmpd="sng" algn="ctr">
+                      <a:solidFill>
+                        <a:srgbClr val="000000"/>
+                      </a:solidFill>
+                      <a:prstDash val="solid"/>
+                      <a:round/>
+                      <a:headEnd type="none" w="med" len="med"/>
+                      <a:tailEnd type="none" w="med" len="med"/>
+                    </a:lnB>
+                    <a:solidFill>
+                      <a:srgbClr val="FFFFFF"/>
+                    </a:solidFill>
+                  </a:tcPr>
+                </a:tc>
+                <a:tc rowSpan="5">
+                  <a:txBody>
+                    <a:bodyPr/>
+                    <a:lstStyle/>
+                    <a:p>
+                      <a:pPr algn="ctr" fontAlgn="ctr"/>
+                      <a:r>
+                        <a:rPr lang="nb-NO" sz="1200" b="0" i="0" u="none" strike="noStrike">
+                          <a:solidFill>
+                            <a:srgbClr val="000000"/>
+                          </a:solidFill>
+                          <a:effectLst/>
+                          <a:latin typeface="Calibri"/>
+                        </a:rPr>
+                        <a:t>0.7462</a:t>
+                      </a:r>
+                    </a:p>
+                  </a:txBody>
+                  <a:tcPr marL="7841" marR="7841" marT="7841" marB="0" anchor="ctr">
+                    <a:lnL w="6350" cap="flat" cmpd="sng" algn="ctr">
+                      <a:solidFill>
+                        <a:srgbClr val="000000"/>
+                      </a:solidFill>
+                      <a:prstDash val="solid"/>
+                      <a:round/>
+                      <a:headEnd type="none" w="med" len="med"/>
+                      <a:tailEnd type="none" w="med" len="med"/>
+                    </a:lnL>
+                    <a:lnR w="6350" cap="flat" cmpd="sng" algn="ctr">
+                      <a:solidFill>
+                        <a:srgbClr val="000000"/>
+                      </a:solidFill>
+                      <a:prstDash val="solid"/>
+                      <a:round/>
+                      <a:headEnd type="none" w="med" len="med"/>
+                      <a:tailEnd type="none" w="med" len="med"/>
+                    </a:lnR>
+                    <a:lnT w="6350" cap="flat" cmpd="sng" algn="ctr">
+                      <a:solidFill>
+                        <a:srgbClr val="000000"/>
+                      </a:solidFill>
+                      <a:prstDash val="solid"/>
+                      <a:round/>
+                      <a:headEnd type="none" w="med" len="med"/>
+                      <a:tailEnd type="none" w="med" len="med"/>
+                    </a:lnT>
+                    <a:lnB w="6350" cap="flat" cmpd="sng" algn="ctr">
+                      <a:solidFill>
+                        <a:srgbClr val="000000"/>
+                      </a:solidFill>
+                      <a:prstDash val="solid"/>
+                      <a:round/>
+                      <a:headEnd type="none" w="med" len="med"/>
+                      <a:tailEnd type="none" w="med" len="med"/>
+                    </a:lnB>
+                    <a:solidFill>
+                      <a:srgbClr val="FFFFFF"/>
+                    </a:solidFill>
+                  </a:tcPr>
+                </a:tc>
+                <a:tc rowSpan="5">
+                  <a:txBody>
+                    <a:bodyPr/>
+                    <a:lstStyle/>
+                    <a:p>
+                      <a:pPr algn="ctr" fontAlgn="ctr"/>
+                      <a:r>
+                        <a:rPr lang="nb-NO" sz="1200" b="0" i="0" u="none" strike="noStrike">
+                          <a:solidFill>
+                            <a:srgbClr val="000000"/>
+                          </a:solidFill>
+                          <a:effectLst/>
+                          <a:latin typeface="Calibri"/>
+                        </a:rPr>
+                        <a:t>0.7485</a:t>
+                      </a:r>
+                    </a:p>
+                  </a:txBody>
+                  <a:tcPr marL="7841" marR="7841" marT="7841" marB="0" anchor="ctr">
+                    <a:lnL w="6350" cap="flat" cmpd="sng" algn="ctr">
+                      <a:solidFill>
+                        <a:srgbClr val="000000"/>
+                      </a:solidFill>
+                      <a:prstDash val="solid"/>
+                      <a:round/>
+                      <a:headEnd type="none" w="med" len="med"/>
+                      <a:tailEnd type="none" w="med" len="med"/>
+                    </a:lnL>
+                    <a:lnR w="6350" cap="flat" cmpd="sng" algn="ctr">
+                      <a:solidFill>
+                        <a:srgbClr val="000000"/>
+                      </a:solidFill>
+                      <a:prstDash val="solid"/>
+                      <a:round/>
+                      <a:headEnd type="none" w="med" len="med"/>
+                      <a:tailEnd type="none" w="med" len="med"/>
+                    </a:lnR>
+                    <a:lnT w="12700" cap="flat" cmpd="sng" algn="ctr">
+                      <a:solidFill>
+                        <a:srgbClr val="000000"/>
+                      </a:solidFill>
+                      <a:prstDash val="solid"/>
+                      <a:round/>
+                      <a:headEnd type="none" w="med" len="med"/>
+                      <a:tailEnd type="none" w="med" len="med"/>
+                    </a:lnT>
+                    <a:lnB w="12700" cap="flat" cmpd="sng" algn="ctr">
+                      <a:solidFill>
+                        <a:srgbClr val="000000"/>
+                      </a:solidFill>
+                      <a:prstDash val="solid"/>
+                      <a:round/>
+                      <a:headEnd type="none" w="med" len="med"/>
+                      <a:tailEnd type="none" w="med" len="med"/>
+                    </a:lnB>
+                    <a:solidFill>
+                      <a:srgbClr val="FFFFFF"/>
+                    </a:solidFill>
+                  </a:tcPr>
+                </a:tc>
+                <a:tc rowSpan="5">
+                  <a:txBody>
+                    <a:bodyPr/>
+                    <a:lstStyle/>
+                    <a:p>
+                      <a:pPr algn="ctr" fontAlgn="ctr"/>
+                      <a:r>
+                        <a:rPr lang="it-IT" sz="1200" b="0" i="0" u="none" strike="noStrike">
+                          <a:solidFill>
+                            <a:srgbClr val="000000"/>
+                          </a:solidFill>
+                          <a:effectLst/>
+                          <a:latin typeface="Calibri"/>
+                        </a:rPr>
+                        <a:t>0.6648899</a:t>
+                      </a:r>
+                    </a:p>
+                  </a:txBody>
+                  <a:tcPr marL="7841" marR="7841" marT="7841" marB="0" anchor="ctr">
+                    <a:lnL w="6350" cap="flat" cmpd="sng" algn="ctr">
+                      <a:solidFill>
+                        <a:srgbClr val="000000"/>
+                      </a:solidFill>
+                      <a:prstDash val="solid"/>
+                      <a:round/>
+                      <a:headEnd type="none" w="med" len="med"/>
+                      <a:tailEnd type="none" w="med" len="med"/>
+                    </a:lnL>
+                    <a:lnR w="12700" cap="flat" cmpd="sng" algn="ctr">
+                      <a:solidFill>
+                        <a:srgbClr val="000000"/>
+                      </a:solidFill>
+                      <a:prstDash val="solid"/>
+                      <a:round/>
+                      <a:headEnd type="none" w="med" len="med"/>
+                      <a:tailEnd type="none" w="med" len="med"/>
+                    </a:lnR>
+                    <a:lnT w="12700" cap="flat" cmpd="sng" algn="ctr">
+                      <a:solidFill>
+                        <a:srgbClr val="000000"/>
+                      </a:solidFill>
+                      <a:prstDash val="solid"/>
+                      <a:round/>
+                      <a:headEnd type="none" w="med" len="med"/>
+                      <a:tailEnd type="none" w="med" len="med"/>
+                    </a:lnT>
+                    <a:lnB w="12700" cap="flat" cmpd="sng" algn="ctr">
+                      <a:solidFill>
+                        <a:srgbClr val="000000"/>
+                      </a:solidFill>
+                      <a:prstDash val="solid"/>
+                      <a:round/>
+                      <a:headEnd type="none" w="med" len="med"/>
+                      <a:tailEnd type="none" w="med" len="med"/>
+                    </a:lnB>
+                    <a:solidFill>
+                      <a:srgbClr val="FFFFFF"/>
+                    </a:solidFill>
+                  </a:tcPr>
+                </a:tc>
+              </a:tr>
+              <a:tr h="184442">
+                <a:tc vMerge="1">
+                  <a:txBody>
+                    <a:bodyPr/>
+                    <a:lstStyle/>
+                    <a:p>
+                      <a:endParaRPr lang="en-US"/>
+                    </a:p>
+                  </a:txBody>
+                  <a:tcPr/>
+                </a:tc>
+                <a:tc>
+                  <a:txBody>
+                    <a:bodyPr/>
+                    <a:lstStyle/>
+                    <a:p>
+                      <a:pPr algn="ctr" fontAlgn="ctr"/>
+                      <a:r>
+                        <a:rPr lang="en-US" sz="1200" b="0" i="0" u="none" strike="noStrike">
+                          <a:solidFill>
+                            <a:srgbClr val="000000"/>
+                          </a:solidFill>
+                          <a:effectLst/>
+                          <a:latin typeface="Calibri"/>
+                        </a:rPr>
+                        <a:t>Left Rotation</a:t>
+                      </a:r>
+                    </a:p>
+                  </a:txBody>
+                  <a:tcPr marL="7841" marR="7841" marT="7841" marB="0" anchor="ctr">
+                    <a:lnL w="6350" cap="flat" cmpd="sng" algn="ctr">
+                      <a:solidFill>
+                        <a:srgbClr val="000000"/>
+                      </a:solidFill>
+                      <a:prstDash val="solid"/>
+                      <a:round/>
+                      <a:headEnd type="none" w="med" len="med"/>
+                      <a:tailEnd type="none" w="med" len="med"/>
+                    </a:lnL>
+                    <a:lnR w="6350" cap="flat" cmpd="sng" algn="ctr">
+                      <a:solidFill>
+                        <a:srgbClr val="000000"/>
+                      </a:solidFill>
+                      <a:prstDash val="solid"/>
+                      <a:round/>
+                      <a:headEnd type="none" w="med" len="med"/>
+                      <a:tailEnd type="none" w="med" len="med"/>
+                    </a:lnR>
+                    <a:lnT w="6350" cap="flat" cmpd="sng" algn="ctr">
+                      <a:solidFill>
+                        <a:srgbClr val="000000"/>
+                      </a:solidFill>
+                      <a:prstDash val="solid"/>
+                      <a:round/>
+                      <a:headEnd type="none" w="med" len="med"/>
+                      <a:tailEnd type="none" w="med" len="med"/>
+                    </a:lnT>
+                    <a:lnB w="6350" cap="flat" cmpd="sng" algn="ctr">
+                      <a:solidFill>
+                        <a:srgbClr val="000000"/>
+                      </a:solidFill>
+                      <a:prstDash val="solid"/>
+                      <a:round/>
+                      <a:headEnd type="none" w="med" len="med"/>
+                      <a:tailEnd type="none" w="med" len="med"/>
+                    </a:lnB>
+                    <a:solidFill>
+                      <a:srgbClr val="FFFFFF"/>
+                    </a:solidFill>
+                  </a:tcPr>
+                </a:tc>
+                <a:tc>
+                  <a:txBody>
+                    <a:bodyPr/>
+                    <a:lstStyle/>
+                    <a:p>
+                      <a:pPr algn="ctr" fontAlgn="ctr"/>
+                      <a:r>
+                        <a:rPr lang="en-US" sz="1200" b="0" i="0" u="none" strike="noStrike">
+                          <a:solidFill>
+                            <a:srgbClr val="000000"/>
+                          </a:solidFill>
+                          <a:effectLst/>
+                          <a:latin typeface="Calibri"/>
+                        </a:rPr>
+                        <a:t>1</a:t>
+                      </a:r>
+                    </a:p>
+                  </a:txBody>
+                  <a:tcPr marL="7841" marR="7841" marT="7841" marB="0" anchor="ctr">
+                    <a:lnL w="6350" cap="flat" cmpd="sng" algn="ctr">
+                      <a:solidFill>
+                        <a:srgbClr val="000000"/>
+                      </a:solidFill>
+                      <a:prstDash val="solid"/>
+                      <a:round/>
+                      <a:headEnd type="none" w="med" len="med"/>
+                      <a:tailEnd type="none" w="med" len="med"/>
+                    </a:lnL>
+                    <a:lnR w="6350" cap="flat" cmpd="sng" algn="ctr">
+                      <a:solidFill>
+                        <a:srgbClr val="000000"/>
+                      </a:solidFill>
+                      <a:prstDash val="solid"/>
+                      <a:round/>
+                      <a:headEnd type="none" w="med" len="med"/>
+                      <a:tailEnd type="none" w="med" len="med"/>
+                    </a:lnR>
+                    <a:lnT w="6350" cap="flat" cmpd="sng" algn="ctr">
+                      <a:solidFill>
+                        <a:srgbClr val="000000"/>
+                      </a:solidFill>
+                      <a:prstDash val="solid"/>
+                      <a:round/>
+                      <a:headEnd type="none" w="med" len="med"/>
+                      <a:tailEnd type="none" w="med" len="med"/>
+                    </a:lnT>
+                    <a:lnB w="6350" cap="flat" cmpd="sng" algn="ctr">
+                      <a:solidFill>
+                        <a:srgbClr val="000000"/>
+                      </a:solidFill>
+                      <a:prstDash val="solid"/>
+                      <a:round/>
+                      <a:headEnd type="none" w="med" len="med"/>
+                      <a:tailEnd type="none" w="med" len="med"/>
+                    </a:lnB>
+                    <a:solidFill>
+                      <a:srgbClr val="FFFFFF"/>
+                    </a:solidFill>
+                  </a:tcPr>
+                </a:tc>
+                <a:tc vMerge="1">
+                  <a:txBody>
+                    <a:bodyPr/>
+                    <a:lstStyle/>
+                    <a:p>
+                      <a:endParaRPr lang="en-US"/>
+                    </a:p>
+                  </a:txBody>
+                  <a:tcPr/>
+                </a:tc>
+                <a:tc vMerge="1">
+                  <a:txBody>
+                    <a:bodyPr/>
+                    <a:lstStyle/>
+                    <a:p>
+                      <a:endParaRPr lang="en-US"/>
+                    </a:p>
+                  </a:txBody>
+                  <a:tcPr/>
+                </a:tc>
+                <a:tc vMerge="1">
+                  <a:txBody>
+                    <a:bodyPr/>
+                    <a:lstStyle/>
+                    <a:p>
+                      <a:endParaRPr lang="en-US"/>
+                    </a:p>
+                  </a:txBody>
+                  <a:tcPr/>
+                </a:tc>
+                <a:tc vMerge="1">
+                  <a:txBody>
+                    <a:bodyPr/>
+                    <a:lstStyle/>
+                    <a:p>
+                      <a:endParaRPr lang="en-US"/>
+                    </a:p>
+                  </a:txBody>
+                  <a:tcPr/>
+                </a:tc>
+              </a:tr>
+              <a:tr h="301107">
+                <a:tc vMerge="1">
+                  <a:txBody>
+                    <a:bodyPr/>
+                    <a:lstStyle/>
+                    <a:p>
+                      <a:endParaRPr lang="en-US"/>
+                    </a:p>
+                  </a:txBody>
+                  <a:tcPr/>
+                </a:tc>
+                <a:tc>
+                  <a:txBody>
+                    <a:bodyPr/>
+                    <a:lstStyle/>
+                    <a:p>
+                      <a:pPr algn="ctr" fontAlgn="ctr"/>
+                      <a:r>
+                        <a:rPr lang="en-US" sz="1200" b="0" i="0" u="none" strike="noStrike">
+                          <a:solidFill>
+                            <a:srgbClr val="000000"/>
+                          </a:solidFill>
+                          <a:effectLst/>
+                          <a:latin typeface="Calibri"/>
+                        </a:rPr>
+                        <a:t>Flip over X-axis</a:t>
+                      </a:r>
+                    </a:p>
+                  </a:txBody>
+                  <a:tcPr marL="7841" marR="7841" marT="7841" marB="0" anchor="ctr">
+                    <a:lnL w="6350" cap="flat" cmpd="sng" algn="ctr">
+                      <a:solidFill>
+                        <a:srgbClr val="000000"/>
+                      </a:solidFill>
+                      <a:prstDash val="solid"/>
+                      <a:round/>
+                      <a:headEnd type="none" w="med" len="med"/>
+                      <a:tailEnd type="none" w="med" len="med"/>
+                    </a:lnL>
+                    <a:lnR w="6350" cap="flat" cmpd="sng" algn="ctr">
+                      <a:solidFill>
+                        <a:srgbClr val="000000"/>
+                      </a:solidFill>
+                      <a:prstDash val="solid"/>
+                      <a:round/>
+                      <a:headEnd type="none" w="med" len="med"/>
+                      <a:tailEnd type="none" w="med" len="med"/>
+                    </a:lnR>
+                    <a:lnT w="6350" cap="flat" cmpd="sng" algn="ctr">
+                      <a:solidFill>
+                        <a:srgbClr val="000000"/>
+                      </a:solidFill>
+                      <a:prstDash val="solid"/>
+                      <a:round/>
+                      <a:headEnd type="none" w="med" len="med"/>
+                      <a:tailEnd type="none" w="med" len="med"/>
+                    </a:lnT>
+                    <a:lnB w="6350" cap="flat" cmpd="sng" algn="ctr">
+                      <a:solidFill>
+                        <a:srgbClr val="000000"/>
+                      </a:solidFill>
+                      <a:prstDash val="solid"/>
+                      <a:round/>
+                      <a:headEnd type="none" w="med" len="med"/>
+                      <a:tailEnd type="none" w="med" len="med"/>
+                    </a:lnB>
+                    <a:solidFill>
+                      <a:srgbClr val="FFFFFF"/>
+                    </a:solidFill>
+                  </a:tcPr>
+                </a:tc>
+                <a:tc>
+                  <a:txBody>
+                    <a:bodyPr/>
+                    <a:lstStyle/>
+                    <a:p>
+                      <a:pPr algn="ctr" fontAlgn="ctr"/>
+                      <a:r>
+                        <a:rPr lang="nb-NO" sz="1200" b="0" i="0" u="none" strike="noStrike">
+                          <a:solidFill>
+                            <a:srgbClr val="000000"/>
+                          </a:solidFill>
+                          <a:effectLst/>
+                          <a:latin typeface="Calibri"/>
+                        </a:rPr>
+                        <a:t>0.5</a:t>
+                      </a:r>
+                    </a:p>
+                  </a:txBody>
+                  <a:tcPr marL="7841" marR="7841" marT="7841" marB="0" anchor="ctr">
+                    <a:lnL w="6350" cap="flat" cmpd="sng" algn="ctr">
+                      <a:solidFill>
+                        <a:srgbClr val="000000"/>
+                      </a:solidFill>
+                      <a:prstDash val="solid"/>
+                      <a:round/>
+                      <a:headEnd type="none" w="med" len="med"/>
+                      <a:tailEnd type="none" w="med" len="med"/>
+                    </a:lnL>
+                    <a:lnR w="6350" cap="flat" cmpd="sng" algn="ctr">
+                      <a:solidFill>
+                        <a:srgbClr val="000000"/>
+                      </a:solidFill>
+                      <a:prstDash val="solid"/>
+                      <a:round/>
+                      <a:headEnd type="none" w="med" len="med"/>
+                      <a:tailEnd type="none" w="med" len="med"/>
+                    </a:lnR>
+                    <a:lnT w="6350" cap="flat" cmpd="sng" algn="ctr">
+                      <a:solidFill>
+                        <a:srgbClr val="000000"/>
+                      </a:solidFill>
+                      <a:prstDash val="solid"/>
+                      <a:round/>
+                      <a:headEnd type="none" w="med" len="med"/>
+                      <a:tailEnd type="none" w="med" len="med"/>
+                    </a:lnT>
+                    <a:lnB w="6350" cap="flat" cmpd="sng" algn="ctr">
+                      <a:solidFill>
+                        <a:srgbClr val="000000"/>
+                      </a:solidFill>
+                      <a:prstDash val="solid"/>
+                      <a:round/>
+                      <a:headEnd type="none" w="med" len="med"/>
+                      <a:tailEnd type="none" w="med" len="med"/>
+                    </a:lnB>
+                    <a:solidFill>
+                      <a:srgbClr val="FFFFFF"/>
+                    </a:solidFill>
+                  </a:tcPr>
+                </a:tc>
+                <a:tc vMerge="1">
+                  <a:txBody>
+                    <a:bodyPr/>
+                    <a:lstStyle/>
+                    <a:p>
+                      <a:endParaRPr lang="en-US"/>
+                    </a:p>
+                  </a:txBody>
+                  <a:tcPr/>
+                </a:tc>
+                <a:tc vMerge="1">
+                  <a:txBody>
+                    <a:bodyPr/>
+                    <a:lstStyle/>
+                    <a:p>
+                      <a:endParaRPr lang="en-US"/>
+                    </a:p>
+                  </a:txBody>
+                  <a:tcPr/>
+                </a:tc>
+                <a:tc vMerge="1">
+                  <a:txBody>
+                    <a:bodyPr/>
+                    <a:lstStyle/>
+                    <a:p>
+                      <a:endParaRPr lang="en-US"/>
+                    </a:p>
+                  </a:txBody>
+                  <a:tcPr/>
+                </a:tc>
+                <a:tc vMerge="1">
+                  <a:txBody>
+                    <a:bodyPr/>
+                    <a:lstStyle/>
+                    <a:p>
+                      <a:endParaRPr lang="en-US"/>
+                    </a:p>
+                  </a:txBody>
+                  <a:tcPr/>
+                </a:tc>
+              </a:tr>
+              <a:tr h="301107">
+                <a:tc vMerge="1">
+                  <a:txBody>
+                    <a:bodyPr/>
+                    <a:lstStyle/>
+                    <a:p>
+                      <a:endParaRPr lang="en-US"/>
+                    </a:p>
+                  </a:txBody>
+                  <a:tcPr/>
+                </a:tc>
+                <a:tc>
+                  <a:txBody>
+                    <a:bodyPr/>
+                    <a:lstStyle/>
+                    <a:p>
+                      <a:pPr algn="ctr" fontAlgn="ctr"/>
+                      <a:r>
+                        <a:rPr lang="en-US" sz="1200" b="0" i="0" u="none" strike="noStrike">
+                          <a:solidFill>
+                            <a:srgbClr val="000000"/>
+                          </a:solidFill>
+                          <a:effectLst/>
+                          <a:latin typeface="Calibri"/>
+                        </a:rPr>
+                        <a:t>Flip over Y-axis</a:t>
+                      </a:r>
+                    </a:p>
+                  </a:txBody>
+                  <a:tcPr marL="7841" marR="7841" marT="7841" marB="0" anchor="ctr">
+                    <a:lnL w="6350" cap="flat" cmpd="sng" algn="ctr">
+                      <a:solidFill>
+                        <a:srgbClr val="000000"/>
+                      </a:solidFill>
+                      <a:prstDash val="solid"/>
+                      <a:round/>
+                      <a:headEnd type="none" w="med" len="med"/>
+                      <a:tailEnd type="none" w="med" len="med"/>
+                    </a:lnL>
+                    <a:lnR w="6350" cap="flat" cmpd="sng" algn="ctr">
+                      <a:solidFill>
+                        <a:srgbClr val="000000"/>
+                      </a:solidFill>
+                      <a:prstDash val="solid"/>
+                      <a:round/>
+                      <a:headEnd type="none" w="med" len="med"/>
+                      <a:tailEnd type="none" w="med" len="med"/>
+                    </a:lnR>
+                    <a:lnT w="6350" cap="flat" cmpd="sng" algn="ctr">
+                      <a:solidFill>
+                        <a:srgbClr val="000000"/>
+                      </a:solidFill>
+                      <a:prstDash val="solid"/>
+                      <a:round/>
+                      <a:headEnd type="none" w="med" len="med"/>
+                      <a:tailEnd type="none" w="med" len="med"/>
+                    </a:lnT>
+                    <a:lnB w="6350" cap="flat" cmpd="sng" algn="ctr">
+                      <a:solidFill>
+                        <a:srgbClr val="000000"/>
+                      </a:solidFill>
+                      <a:prstDash val="solid"/>
+                      <a:round/>
+                      <a:headEnd type="none" w="med" len="med"/>
+                      <a:tailEnd type="none" w="med" len="med"/>
+                    </a:lnB>
+                    <a:solidFill>
+                      <a:srgbClr val="FFFFFF"/>
+                    </a:solidFill>
+                  </a:tcPr>
+                </a:tc>
+                <a:tc>
+                  <a:txBody>
+                    <a:bodyPr/>
+                    <a:lstStyle/>
+                    <a:p>
+                      <a:pPr algn="ctr" fontAlgn="ctr"/>
+                      <a:r>
+                        <a:rPr lang="nb-NO" sz="1200" b="0" i="0" u="none" strike="noStrike">
+                          <a:solidFill>
+                            <a:srgbClr val="000000"/>
+                          </a:solidFill>
+                          <a:effectLst/>
+                          <a:latin typeface="Calibri"/>
+                        </a:rPr>
+                        <a:t>0.5</a:t>
+                      </a:r>
+                    </a:p>
+                  </a:txBody>
+                  <a:tcPr marL="7841" marR="7841" marT="7841" marB="0" anchor="ctr">
+                    <a:lnL w="6350" cap="flat" cmpd="sng" algn="ctr">
+                      <a:solidFill>
+                        <a:srgbClr val="000000"/>
+                      </a:solidFill>
+                      <a:prstDash val="solid"/>
+                      <a:round/>
+                      <a:headEnd type="none" w="med" len="med"/>
+                      <a:tailEnd type="none" w="med" len="med"/>
+                    </a:lnL>
+                    <a:lnR w="6350" cap="flat" cmpd="sng" algn="ctr">
+                      <a:solidFill>
+                        <a:srgbClr val="000000"/>
+                      </a:solidFill>
+                      <a:prstDash val="solid"/>
+                      <a:round/>
+                      <a:headEnd type="none" w="med" len="med"/>
+                      <a:tailEnd type="none" w="med" len="med"/>
+                    </a:lnR>
+                    <a:lnT w="6350" cap="flat" cmpd="sng" algn="ctr">
+                      <a:solidFill>
+                        <a:srgbClr val="000000"/>
+                      </a:solidFill>
+                      <a:prstDash val="solid"/>
+                      <a:round/>
+                      <a:headEnd type="none" w="med" len="med"/>
+                      <a:tailEnd type="none" w="med" len="med"/>
+                    </a:lnT>
+                    <a:lnB w="6350" cap="flat" cmpd="sng" algn="ctr">
+                      <a:solidFill>
+                        <a:srgbClr val="000000"/>
+                      </a:solidFill>
+                      <a:prstDash val="solid"/>
+                      <a:round/>
+                      <a:headEnd type="none" w="med" len="med"/>
+                      <a:tailEnd type="none" w="med" len="med"/>
+                    </a:lnB>
+                    <a:solidFill>
+                      <a:srgbClr val="FFFFFF"/>
+                    </a:solidFill>
+                  </a:tcPr>
+                </a:tc>
+                <a:tc vMerge="1">
+                  <a:txBody>
+                    <a:bodyPr/>
+                    <a:lstStyle/>
+                    <a:p>
+                      <a:endParaRPr lang="en-US"/>
+                    </a:p>
+                  </a:txBody>
+                  <a:tcPr/>
+                </a:tc>
+                <a:tc vMerge="1">
+                  <a:txBody>
+                    <a:bodyPr/>
+                    <a:lstStyle/>
+                    <a:p>
+                      <a:endParaRPr lang="en-US"/>
+                    </a:p>
+                  </a:txBody>
+                  <a:tcPr/>
+                </a:tc>
+                <a:tc vMerge="1">
+                  <a:txBody>
+                    <a:bodyPr/>
+                    <a:lstStyle/>
+                    <a:p>
+                      <a:endParaRPr lang="en-US"/>
+                    </a:p>
+                  </a:txBody>
+                  <a:tcPr/>
+                </a:tc>
+                <a:tc vMerge="1">
+                  <a:txBody>
+                    <a:bodyPr/>
+                    <a:lstStyle/>
+                    <a:p>
+                      <a:endParaRPr lang="en-US"/>
+                    </a:p>
+                  </a:txBody>
+                  <a:tcPr/>
+                </a:tc>
+              </a:tr>
+              <a:tr h="538159">
+                <a:tc vMerge="1">
+                  <a:txBody>
+                    <a:bodyPr/>
+                    <a:lstStyle/>
+                    <a:p>
+                      <a:endParaRPr lang="en-US"/>
+                    </a:p>
+                  </a:txBody>
+                  <a:tcPr/>
+                </a:tc>
+                <a:tc>
+                  <a:txBody>
+                    <a:bodyPr/>
+                    <a:lstStyle/>
+                    <a:p>
+                      <a:pPr algn="ctr" fontAlgn="ctr"/>
+                      <a:r>
+                        <a:rPr lang="en-US" sz="1200" b="0" i="0" u="none" strike="noStrike">
+                          <a:solidFill>
+                            <a:srgbClr val="000000"/>
+                          </a:solidFill>
+                          <a:effectLst/>
+                          <a:latin typeface="Calibri"/>
+                        </a:rPr>
+                        <a:t>Number of Augmented Images</a:t>
+                      </a:r>
+                    </a:p>
+                  </a:txBody>
+                  <a:tcPr marL="7841" marR="7841" marT="7841" marB="0" anchor="ctr">
+                    <a:lnL w="6350" cap="flat" cmpd="sng" algn="ctr">
+                      <a:solidFill>
+                        <a:srgbClr val="000000"/>
+                      </a:solidFill>
+                      <a:prstDash val="solid"/>
+                      <a:round/>
+                      <a:headEnd type="none" w="med" len="med"/>
+                      <a:tailEnd type="none" w="med" len="med"/>
+                    </a:lnL>
+                    <a:lnR w="6350" cap="flat" cmpd="sng" algn="ctr">
+                      <a:solidFill>
+                        <a:srgbClr val="000000"/>
+                      </a:solidFill>
+                      <a:prstDash val="solid"/>
+                      <a:round/>
+                      <a:headEnd type="none" w="med" len="med"/>
+                      <a:tailEnd type="none" w="med" len="med"/>
+                    </a:lnR>
+                    <a:lnT w="6350" cap="flat" cmpd="sng" algn="ctr">
+                      <a:solidFill>
+                        <a:srgbClr val="000000"/>
+                      </a:solidFill>
+                      <a:prstDash val="solid"/>
+                      <a:round/>
+                      <a:headEnd type="none" w="med" len="med"/>
+                      <a:tailEnd type="none" w="med" len="med"/>
+                    </a:lnT>
+                    <a:lnB w="12700" cap="flat" cmpd="sng" algn="ctr">
+                      <a:solidFill>
+                        <a:srgbClr val="000000"/>
+                      </a:solidFill>
+                      <a:prstDash val="solid"/>
+                      <a:round/>
+                      <a:headEnd type="none" w="med" len="med"/>
+                      <a:tailEnd type="none" w="med" len="med"/>
+                    </a:lnB>
+                    <a:solidFill>
+                      <a:srgbClr val="FFFFFF"/>
+                    </a:solidFill>
+                  </a:tcPr>
+                </a:tc>
+                <a:tc>
+                  <a:txBody>
+                    <a:bodyPr/>
+                    <a:lstStyle/>
+                    <a:p>
+                      <a:pPr algn="ctr" fontAlgn="ctr"/>
+                      <a:r>
+                        <a:rPr lang="is-IS" sz="1200" b="0" i="0" u="none" strike="noStrike">
+                          <a:solidFill>
+                            <a:srgbClr val="000000"/>
+                          </a:solidFill>
+                          <a:effectLst/>
+                          <a:latin typeface="Calibri"/>
+                        </a:rPr>
+                        <a:t>9000</a:t>
+                      </a:r>
+                    </a:p>
+                  </a:txBody>
+                  <a:tcPr marL="7841" marR="7841" marT="7841" marB="0" anchor="ctr">
+                    <a:lnL w="6350" cap="flat" cmpd="sng" algn="ctr">
+                      <a:solidFill>
+                        <a:srgbClr val="000000"/>
+                      </a:solidFill>
+                      <a:prstDash val="solid"/>
+                      <a:round/>
+                      <a:headEnd type="none" w="med" len="med"/>
+                      <a:tailEnd type="none" w="med" len="med"/>
+                    </a:lnL>
+                    <a:lnR w="6350" cap="flat" cmpd="sng" algn="ctr">
+                      <a:solidFill>
+                        <a:srgbClr val="000000"/>
+                      </a:solidFill>
+                      <a:prstDash val="solid"/>
+                      <a:round/>
+                      <a:headEnd type="none" w="med" len="med"/>
+                      <a:tailEnd type="none" w="med" len="med"/>
+                    </a:lnR>
+                    <a:lnT w="6350" cap="flat" cmpd="sng" algn="ctr">
+                      <a:solidFill>
+                        <a:srgbClr val="000000"/>
+                      </a:solidFill>
+                      <a:prstDash val="solid"/>
+                      <a:round/>
+                      <a:headEnd type="none" w="med" len="med"/>
+                      <a:tailEnd type="none" w="med" len="med"/>
+                    </a:lnT>
+                    <a:lnB w="12700" cap="flat" cmpd="sng" algn="ctr">
+                      <a:solidFill>
+                        <a:srgbClr val="000000"/>
+                      </a:solidFill>
+                      <a:prstDash val="solid"/>
+                      <a:round/>
+                      <a:headEnd type="none" w="med" len="med"/>
+                      <a:tailEnd type="none" w="med" len="med"/>
+                    </a:lnB>
+                    <a:solidFill>
+                      <a:srgbClr val="FFFFFF"/>
+                    </a:solidFill>
+                  </a:tcPr>
+                </a:tc>
+                <a:tc vMerge="1">
+                  <a:txBody>
+                    <a:bodyPr/>
+                    <a:lstStyle/>
+                    <a:p>
+                      <a:endParaRPr lang="en-US"/>
+                    </a:p>
+                  </a:txBody>
+                  <a:tcPr/>
+                </a:tc>
+                <a:tc vMerge="1">
+                  <a:txBody>
+                    <a:bodyPr/>
+                    <a:lstStyle/>
+                    <a:p>
+                      <a:endParaRPr lang="en-US"/>
+                    </a:p>
+                  </a:txBody>
+                  <a:tcPr/>
+                </a:tc>
+                <a:tc vMerge="1">
+                  <a:txBody>
+                    <a:bodyPr/>
+                    <a:lstStyle/>
+                    <a:p>
+                      <a:endParaRPr lang="en-US"/>
+                    </a:p>
+                  </a:txBody>
+                  <a:tcPr/>
+                </a:tc>
+                <a:tc vMerge="1">
+                  <a:txBody>
+                    <a:bodyPr/>
+                    <a:lstStyle/>
+                    <a:p>
+                      <a:endParaRPr lang="en-US"/>
+                    </a:p>
+                  </a:txBody>
+                  <a:tcPr/>
+                </a:tc>
+              </a:tr>
+              <a:tr h="184442">
+                <a:tc rowSpan="5">
+                  <a:txBody>
+                    <a:bodyPr/>
+                    <a:lstStyle/>
+                    <a:p>
+                      <a:pPr algn="ctr" fontAlgn="ctr"/>
+                      <a:r>
+                        <a:rPr lang="en-US" sz="1200" b="0" i="0" u="none" strike="noStrike">
+                          <a:solidFill>
+                            <a:srgbClr val="000000"/>
+                          </a:solidFill>
+                          <a:effectLst/>
+                          <a:latin typeface="Calibri"/>
+                        </a:rPr>
+                        <a:t>3</a:t>
+                      </a:r>
+                    </a:p>
+                  </a:txBody>
+                  <a:tcPr marL="7841" marR="7841" marT="7841" marB="0" anchor="ctr">
+                    <a:lnL w="12700" cap="flat" cmpd="sng" algn="ctr">
+                      <a:solidFill>
+                        <a:srgbClr val="000000"/>
+                      </a:solidFill>
+                      <a:prstDash val="solid"/>
+                      <a:round/>
+                      <a:headEnd type="none" w="med" len="med"/>
+                      <a:tailEnd type="none" w="med" len="med"/>
+                    </a:lnL>
+                    <a:lnR w="6350" cap="flat" cmpd="sng" algn="ctr">
+                      <a:solidFill>
+                        <a:srgbClr val="000000"/>
+                      </a:solidFill>
+                      <a:prstDash val="solid"/>
+                      <a:round/>
+                      <a:headEnd type="none" w="med" len="med"/>
+                      <a:tailEnd type="none" w="med" len="med"/>
+                    </a:lnR>
+                    <a:lnT w="12700" cap="flat" cmpd="sng" algn="ctr">
+                      <a:solidFill>
+                        <a:srgbClr val="000000"/>
+                      </a:solidFill>
+                      <a:prstDash val="solid"/>
+                      <a:round/>
+                      <a:headEnd type="none" w="med" len="med"/>
+                      <a:tailEnd type="none" w="med" len="med"/>
+                    </a:lnT>
+                    <a:lnB w="12700" cap="flat" cmpd="sng" algn="ctr">
+                      <a:solidFill>
+                        <a:srgbClr val="000000"/>
+                      </a:solidFill>
+                      <a:prstDash val="solid"/>
+                      <a:round/>
+                      <a:headEnd type="none" w="med" len="med"/>
+                      <a:tailEnd type="none" w="med" len="med"/>
+                    </a:lnB>
+                    <a:solidFill>
+                      <a:srgbClr val="FFFFFF"/>
+                    </a:solidFill>
+                  </a:tcPr>
+                </a:tc>
+                <a:tc>
+                  <a:txBody>
+                    <a:bodyPr/>
+                    <a:lstStyle/>
+                    <a:p>
+                      <a:pPr algn="ctr" fontAlgn="ctr"/>
+                      <a:r>
+                        <a:rPr lang="en-US" sz="1200" b="0" i="0" u="none" strike="noStrike">
+                          <a:solidFill>
+                            <a:srgbClr val="000000"/>
+                          </a:solidFill>
+                          <a:effectLst/>
+                          <a:latin typeface="Calibri"/>
+                        </a:rPr>
+                        <a:t>Rotate 90</a:t>
+                      </a:r>
+                    </a:p>
+                  </a:txBody>
+                  <a:tcPr marL="7841" marR="7841" marT="7841" marB="0" anchor="ctr">
+                    <a:lnL w="6350" cap="flat" cmpd="sng" algn="ctr">
+                      <a:solidFill>
+                        <a:srgbClr val="000000"/>
+                      </a:solidFill>
+                      <a:prstDash val="solid"/>
+                      <a:round/>
+                      <a:headEnd type="none" w="med" len="med"/>
+                      <a:tailEnd type="none" w="med" len="med"/>
+                    </a:lnL>
+                    <a:lnR w="6350" cap="flat" cmpd="sng" algn="ctr">
+                      <a:solidFill>
+                        <a:srgbClr val="000000"/>
+                      </a:solidFill>
+                      <a:prstDash val="solid"/>
+                      <a:round/>
+                      <a:headEnd type="none" w="med" len="med"/>
+                      <a:tailEnd type="none" w="med" len="med"/>
+                    </a:lnR>
+                    <a:lnT w="12700" cap="flat" cmpd="sng" algn="ctr">
+                      <a:solidFill>
+                        <a:srgbClr val="000000"/>
+                      </a:solidFill>
+                      <a:prstDash val="solid"/>
+                      <a:round/>
+                      <a:headEnd type="none" w="med" len="med"/>
+                      <a:tailEnd type="none" w="med" len="med"/>
+                    </a:lnT>
+                    <a:lnB w="6350" cap="flat" cmpd="sng" algn="ctr">
+                      <a:solidFill>
+                        <a:srgbClr val="000000"/>
+                      </a:solidFill>
+                      <a:prstDash val="solid"/>
+                      <a:round/>
+                      <a:headEnd type="none" w="med" len="med"/>
+                      <a:tailEnd type="none" w="med" len="med"/>
+                    </a:lnB>
+                    <a:solidFill>
+                      <a:srgbClr val="FFFFFF"/>
+                    </a:solidFill>
+                  </a:tcPr>
+                </a:tc>
+                <a:tc>
+                  <a:txBody>
+                    <a:bodyPr/>
+                    <a:lstStyle/>
+                    <a:p>
+                      <a:pPr algn="ctr" fontAlgn="ctr"/>
+                      <a:r>
+                        <a:rPr lang="en-US" sz="1200" b="0" i="0" u="none" strike="noStrike">
+                          <a:solidFill>
+                            <a:srgbClr val="000000"/>
+                          </a:solidFill>
+                          <a:effectLst/>
+                          <a:latin typeface="Calibri"/>
+                        </a:rPr>
+                        <a:t>1</a:t>
+                      </a:r>
+                    </a:p>
+                  </a:txBody>
+                  <a:tcPr marL="7841" marR="7841" marT="7841" marB="0" anchor="ctr">
+                    <a:lnL w="6350" cap="flat" cmpd="sng" algn="ctr">
+                      <a:solidFill>
+                        <a:srgbClr val="000000"/>
+                      </a:solidFill>
+                      <a:prstDash val="solid"/>
+                      <a:round/>
+                      <a:headEnd type="none" w="med" len="med"/>
+                      <a:tailEnd type="none" w="med" len="med"/>
+                    </a:lnL>
+                    <a:lnR w="6350" cap="flat" cmpd="sng" algn="ctr">
+                      <a:solidFill>
+                        <a:srgbClr val="000000"/>
+                      </a:solidFill>
+                      <a:prstDash val="solid"/>
+                      <a:round/>
+                      <a:headEnd type="none" w="med" len="med"/>
+                      <a:tailEnd type="none" w="med" len="med"/>
+                    </a:lnR>
+                    <a:lnT w="12700" cap="flat" cmpd="sng" algn="ctr">
+                      <a:solidFill>
+                        <a:srgbClr val="000000"/>
+                      </a:solidFill>
+                      <a:prstDash val="solid"/>
+                      <a:round/>
+                      <a:headEnd type="none" w="med" len="med"/>
+                      <a:tailEnd type="none" w="med" len="med"/>
+                    </a:lnT>
+                    <a:lnB w="6350" cap="flat" cmpd="sng" algn="ctr">
+                      <a:solidFill>
+                        <a:srgbClr val="000000"/>
+                      </a:solidFill>
+                      <a:prstDash val="solid"/>
+                      <a:round/>
+                      <a:headEnd type="none" w="med" len="med"/>
+                      <a:tailEnd type="none" w="med" len="med"/>
+                    </a:lnB>
+                    <a:solidFill>
+                      <a:srgbClr val="FFFFFF"/>
+                    </a:solidFill>
+                  </a:tcPr>
+                </a:tc>
+                <a:tc rowSpan="5">
+                  <a:txBody>
+                    <a:bodyPr/>
+                    <a:lstStyle/>
+                    <a:p>
+                      <a:pPr algn="ctr" fontAlgn="ctr"/>
+                      <a:r>
+                        <a:rPr lang="de-DE" sz="1200" b="0" i="0" u="none" strike="noStrike" dirty="0">
+                          <a:solidFill>
+                            <a:srgbClr val="000000"/>
+                          </a:solidFill>
+                          <a:effectLst/>
+                          <a:latin typeface="Calibri"/>
+                        </a:rPr>
+                        <a:t>U-Net-1</a:t>
+                      </a:r>
+                    </a:p>
+                  </a:txBody>
+                  <a:tcPr marL="7841" marR="7841" marT="7841" marB="0" anchor="ctr">
+                    <a:lnL w="6350" cap="flat" cmpd="sng" algn="ctr">
+                      <a:solidFill>
+                        <a:srgbClr val="000000"/>
+                      </a:solidFill>
+                      <a:prstDash val="solid"/>
+                      <a:round/>
+                      <a:headEnd type="none" w="med" len="med"/>
+                      <a:tailEnd type="none" w="med" len="med"/>
+                    </a:lnL>
+                    <a:lnR w="6350" cap="flat" cmpd="sng" algn="ctr">
+                      <a:solidFill>
+                        <a:srgbClr val="000000"/>
+                      </a:solidFill>
+                      <a:prstDash val="solid"/>
+                      <a:round/>
+                      <a:headEnd type="none" w="med" len="med"/>
+                      <a:tailEnd type="none" w="med" len="med"/>
+                    </a:lnR>
+                    <a:lnT w="12700" cap="flat" cmpd="sng" algn="ctr">
+                      <a:solidFill>
+                        <a:srgbClr val="000000"/>
+                      </a:solidFill>
+                      <a:prstDash val="solid"/>
+                      <a:round/>
+                      <a:headEnd type="none" w="med" len="med"/>
+                      <a:tailEnd type="none" w="med" len="med"/>
+                    </a:lnT>
+                    <a:lnB w="12700" cap="flat" cmpd="sng" algn="ctr">
+                      <a:solidFill>
+                        <a:srgbClr val="000000"/>
+                      </a:solidFill>
+                      <a:prstDash val="solid"/>
+                      <a:round/>
+                      <a:headEnd type="none" w="med" len="med"/>
+                      <a:tailEnd type="none" w="med" len="med"/>
+                    </a:lnB>
+                    <a:solidFill>
+                      <a:srgbClr val="FFFFFF"/>
+                    </a:solidFill>
+                  </a:tcPr>
+                </a:tc>
+                <a:tc rowSpan="5">
+                  <a:txBody>
+                    <a:bodyPr/>
+                    <a:lstStyle/>
+                    <a:p>
+                      <a:pPr algn="ctr" fontAlgn="ctr"/>
+                      <a:r>
+                        <a:rPr lang="nb-NO" sz="1200" b="0" i="0" u="none" strike="noStrike">
+                          <a:solidFill>
+                            <a:srgbClr val="000000"/>
+                          </a:solidFill>
+                          <a:effectLst/>
+                          <a:latin typeface="Calibri"/>
+                        </a:rPr>
+                        <a:t>0.7616</a:t>
+                      </a:r>
+                    </a:p>
+                  </a:txBody>
+                  <a:tcPr marL="7841" marR="7841" marT="7841" marB="0" anchor="ctr">
+                    <a:lnL w="6350" cap="flat" cmpd="sng" algn="ctr">
+                      <a:solidFill>
+                        <a:srgbClr val="000000"/>
+                      </a:solidFill>
+                      <a:prstDash val="solid"/>
+                      <a:round/>
+                      <a:headEnd type="none" w="med" len="med"/>
+                      <a:tailEnd type="none" w="med" len="med"/>
+                    </a:lnL>
+                    <a:lnR w="6350" cap="flat" cmpd="sng" algn="ctr">
+                      <a:solidFill>
+                        <a:srgbClr val="000000"/>
+                      </a:solidFill>
+                      <a:prstDash val="solid"/>
+                      <a:round/>
+                      <a:headEnd type="none" w="med" len="med"/>
+                      <a:tailEnd type="none" w="med" len="med"/>
+                    </a:lnR>
+                    <a:lnT w="6350" cap="flat" cmpd="sng" algn="ctr">
+                      <a:solidFill>
+                        <a:srgbClr val="000000"/>
+                      </a:solidFill>
+                      <a:prstDash val="solid"/>
+                      <a:round/>
+                      <a:headEnd type="none" w="med" len="med"/>
+                      <a:tailEnd type="none" w="med" len="med"/>
+                    </a:lnT>
+                    <a:lnB w="6350" cap="flat" cmpd="sng" algn="ctr">
+                      <a:solidFill>
+                        <a:srgbClr val="000000"/>
+                      </a:solidFill>
+                      <a:prstDash val="solid"/>
+                      <a:round/>
+                      <a:headEnd type="none" w="med" len="med"/>
+                      <a:tailEnd type="none" w="med" len="med"/>
+                    </a:lnB>
+                    <a:solidFill>
+                      <a:srgbClr val="FFFFFF"/>
+                    </a:solidFill>
+                  </a:tcPr>
+                </a:tc>
+                <a:tc rowSpan="5">
+                  <a:txBody>
+                    <a:bodyPr/>
+                    <a:lstStyle/>
+                    <a:p>
+                      <a:pPr algn="ctr" fontAlgn="ctr"/>
+                      <a:r>
+                        <a:rPr lang="nb-NO" sz="1200" b="0" i="0" u="none" strike="noStrike">
+                          <a:solidFill>
+                            <a:srgbClr val="000000"/>
+                          </a:solidFill>
+                          <a:effectLst/>
+                          <a:latin typeface="Calibri"/>
+                        </a:rPr>
+                        <a:t>0.7638</a:t>
+                      </a:r>
+                    </a:p>
+                  </a:txBody>
+                  <a:tcPr marL="7841" marR="7841" marT="7841" marB="0" anchor="ctr">
+                    <a:lnL w="6350" cap="flat" cmpd="sng" algn="ctr">
+                      <a:solidFill>
+                        <a:srgbClr val="000000"/>
+                      </a:solidFill>
+                      <a:prstDash val="solid"/>
+                      <a:round/>
+                      <a:headEnd type="none" w="med" len="med"/>
+                      <a:tailEnd type="none" w="med" len="med"/>
+                    </a:lnL>
+                    <a:lnR w="6350" cap="flat" cmpd="sng" algn="ctr">
+                      <a:solidFill>
+                        <a:srgbClr val="000000"/>
+                      </a:solidFill>
+                      <a:prstDash val="solid"/>
+                      <a:round/>
+                      <a:headEnd type="none" w="med" len="med"/>
+                      <a:tailEnd type="none" w="med" len="med"/>
+                    </a:lnR>
+                    <a:lnT w="12700" cap="flat" cmpd="sng" algn="ctr">
+                      <a:solidFill>
+                        <a:srgbClr val="000000"/>
+                      </a:solidFill>
+                      <a:prstDash val="solid"/>
+                      <a:round/>
+                      <a:headEnd type="none" w="med" len="med"/>
+                      <a:tailEnd type="none" w="med" len="med"/>
+                    </a:lnT>
+                    <a:lnB w="12700" cap="flat" cmpd="sng" algn="ctr">
+                      <a:solidFill>
+                        <a:srgbClr val="000000"/>
+                      </a:solidFill>
+                      <a:prstDash val="solid"/>
+                      <a:round/>
+                      <a:headEnd type="none" w="med" len="med"/>
+                      <a:tailEnd type="none" w="med" len="med"/>
+                    </a:lnB>
+                    <a:solidFill>
+                      <a:srgbClr val="FFFFFF"/>
+                    </a:solidFill>
+                  </a:tcPr>
+                </a:tc>
+                <a:tc rowSpan="5">
+                  <a:txBody>
+                    <a:bodyPr/>
+                    <a:lstStyle/>
+                    <a:p>
+                      <a:pPr algn="ctr" fontAlgn="ctr"/>
+                      <a:r>
+                        <a:rPr lang="nb-NO" sz="1200" b="0" i="0" u="none" strike="noStrike">
+                          <a:solidFill>
+                            <a:srgbClr val="000000"/>
+                          </a:solidFill>
+                          <a:effectLst/>
+                          <a:latin typeface="Calibri"/>
+                        </a:rPr>
+                        <a:t>0.691783</a:t>
+                      </a:r>
+                    </a:p>
+                  </a:txBody>
+                  <a:tcPr marL="7841" marR="7841" marT="7841" marB="0" anchor="ctr">
+                    <a:lnL w="6350" cap="flat" cmpd="sng" algn="ctr">
+                      <a:solidFill>
+                        <a:srgbClr val="000000"/>
+                      </a:solidFill>
+                      <a:prstDash val="solid"/>
+                      <a:round/>
+                      <a:headEnd type="none" w="med" len="med"/>
+                      <a:tailEnd type="none" w="med" len="med"/>
+                    </a:lnL>
+                    <a:lnR w="12700" cap="flat" cmpd="sng" algn="ctr">
+                      <a:solidFill>
+                        <a:srgbClr val="000000"/>
+                      </a:solidFill>
+                      <a:prstDash val="solid"/>
+                      <a:round/>
+                      <a:headEnd type="none" w="med" len="med"/>
+                      <a:tailEnd type="none" w="med" len="med"/>
+                    </a:lnR>
+                    <a:lnT w="12700" cap="flat" cmpd="sng" algn="ctr">
+                      <a:solidFill>
+                        <a:srgbClr val="000000"/>
+                      </a:solidFill>
+                      <a:prstDash val="solid"/>
+                      <a:round/>
+                      <a:headEnd type="none" w="med" len="med"/>
+                      <a:tailEnd type="none" w="med" len="med"/>
+                    </a:lnT>
+                    <a:lnB w="12700" cap="flat" cmpd="sng" algn="ctr">
+                      <a:solidFill>
+                        <a:srgbClr val="000000"/>
+                      </a:solidFill>
+                      <a:prstDash val="solid"/>
+                      <a:round/>
+                      <a:headEnd type="none" w="med" len="med"/>
+                      <a:tailEnd type="none" w="med" len="med"/>
+                    </a:lnB>
+                    <a:solidFill>
+                      <a:srgbClr val="FFFFFF"/>
+                    </a:solidFill>
+                  </a:tcPr>
+                </a:tc>
+              </a:tr>
+              <a:tr h="184442">
+                <a:tc vMerge="1">
+                  <a:txBody>
+                    <a:bodyPr/>
+                    <a:lstStyle/>
+                    <a:p>
+                      <a:endParaRPr lang="en-US"/>
+                    </a:p>
+                  </a:txBody>
+                  <a:tcPr/>
+                </a:tc>
+                <a:tc>
+                  <a:txBody>
+                    <a:bodyPr/>
+                    <a:lstStyle/>
+                    <a:p>
+                      <a:pPr algn="ctr" fontAlgn="ctr"/>
+                      <a:r>
+                        <a:rPr lang="en-US" sz="1200" b="0" i="0" u="none" strike="noStrike">
+                          <a:solidFill>
+                            <a:srgbClr val="000000"/>
+                          </a:solidFill>
+                          <a:effectLst/>
+                          <a:latin typeface="Calibri"/>
+                        </a:rPr>
+                        <a:t>Rotate 270</a:t>
+                      </a:r>
+                    </a:p>
+                  </a:txBody>
+                  <a:tcPr marL="7841" marR="7841" marT="7841" marB="0" anchor="ctr">
+                    <a:lnL w="6350" cap="flat" cmpd="sng" algn="ctr">
+                      <a:solidFill>
+                        <a:srgbClr val="000000"/>
+                      </a:solidFill>
+                      <a:prstDash val="solid"/>
+                      <a:round/>
+                      <a:headEnd type="none" w="med" len="med"/>
+                      <a:tailEnd type="none" w="med" len="med"/>
+                    </a:lnL>
+                    <a:lnR w="6350" cap="flat" cmpd="sng" algn="ctr">
+                      <a:solidFill>
+                        <a:srgbClr val="000000"/>
+                      </a:solidFill>
+                      <a:prstDash val="solid"/>
+                      <a:round/>
+                      <a:headEnd type="none" w="med" len="med"/>
+                      <a:tailEnd type="none" w="med" len="med"/>
+                    </a:lnR>
+                    <a:lnT w="6350" cap="flat" cmpd="sng" algn="ctr">
+                      <a:solidFill>
+                        <a:srgbClr val="000000"/>
+                      </a:solidFill>
+                      <a:prstDash val="solid"/>
+                      <a:round/>
+                      <a:headEnd type="none" w="med" len="med"/>
+                      <a:tailEnd type="none" w="med" len="med"/>
+                    </a:lnT>
+                    <a:lnB w="6350" cap="flat" cmpd="sng" algn="ctr">
+                      <a:solidFill>
+                        <a:srgbClr val="000000"/>
+                      </a:solidFill>
+                      <a:prstDash val="solid"/>
+                      <a:round/>
+                      <a:headEnd type="none" w="med" len="med"/>
+                      <a:tailEnd type="none" w="med" len="med"/>
+                    </a:lnB>
+                    <a:solidFill>
+                      <a:srgbClr val="FFFFFF"/>
+                    </a:solidFill>
+                  </a:tcPr>
+                </a:tc>
+                <a:tc>
+                  <a:txBody>
+                    <a:bodyPr/>
+                    <a:lstStyle/>
+                    <a:p>
+                      <a:pPr algn="ctr" fontAlgn="ctr"/>
+                      <a:r>
+                        <a:rPr lang="en-US" sz="1200" b="0" i="0" u="none" strike="noStrike">
+                          <a:solidFill>
+                            <a:srgbClr val="000000"/>
+                          </a:solidFill>
+                          <a:effectLst/>
+                          <a:latin typeface="Calibri"/>
+                        </a:rPr>
+                        <a:t>1</a:t>
+                      </a:r>
+                    </a:p>
+                  </a:txBody>
+                  <a:tcPr marL="7841" marR="7841" marT="7841" marB="0" anchor="ctr">
+                    <a:lnL w="6350" cap="flat" cmpd="sng" algn="ctr">
+                      <a:solidFill>
+                        <a:srgbClr val="000000"/>
+                      </a:solidFill>
+                      <a:prstDash val="solid"/>
+                      <a:round/>
+                      <a:headEnd type="none" w="med" len="med"/>
+                      <a:tailEnd type="none" w="med" len="med"/>
+                    </a:lnL>
+                    <a:lnR w="6350" cap="flat" cmpd="sng" algn="ctr">
+                      <a:solidFill>
+                        <a:srgbClr val="000000"/>
+                      </a:solidFill>
+                      <a:prstDash val="solid"/>
+                      <a:round/>
+                      <a:headEnd type="none" w="med" len="med"/>
+                      <a:tailEnd type="none" w="med" len="med"/>
+                    </a:lnR>
+                    <a:lnT w="6350" cap="flat" cmpd="sng" algn="ctr">
+                      <a:solidFill>
+                        <a:srgbClr val="000000"/>
+                      </a:solidFill>
+                      <a:prstDash val="solid"/>
+                      <a:round/>
+                      <a:headEnd type="none" w="med" len="med"/>
+                      <a:tailEnd type="none" w="med" len="med"/>
+                    </a:lnT>
+                    <a:lnB w="6350" cap="flat" cmpd="sng" algn="ctr">
+                      <a:solidFill>
+                        <a:srgbClr val="000000"/>
+                      </a:solidFill>
+                      <a:prstDash val="solid"/>
+                      <a:round/>
+                      <a:headEnd type="none" w="med" len="med"/>
+                      <a:tailEnd type="none" w="med" len="med"/>
+                    </a:lnB>
+                    <a:solidFill>
+                      <a:srgbClr val="FFFFFF"/>
+                    </a:solidFill>
+                  </a:tcPr>
+                </a:tc>
+                <a:tc vMerge="1">
+                  <a:txBody>
+                    <a:bodyPr/>
+                    <a:lstStyle/>
+                    <a:p>
+                      <a:endParaRPr lang="en-US"/>
+                    </a:p>
+                  </a:txBody>
+                  <a:tcPr/>
+                </a:tc>
+                <a:tc vMerge="1">
+                  <a:txBody>
+                    <a:bodyPr/>
+                    <a:lstStyle/>
+                    <a:p>
+                      <a:endParaRPr lang="en-US"/>
+                    </a:p>
+                  </a:txBody>
+                  <a:tcPr/>
+                </a:tc>
+                <a:tc vMerge="1">
+                  <a:txBody>
+                    <a:bodyPr/>
+                    <a:lstStyle/>
+                    <a:p>
+                      <a:endParaRPr lang="en-US"/>
+                    </a:p>
+                  </a:txBody>
+                  <a:tcPr/>
+                </a:tc>
+                <a:tc vMerge="1">
+                  <a:txBody>
+                    <a:bodyPr/>
+                    <a:lstStyle/>
+                    <a:p>
+                      <a:endParaRPr lang="en-US"/>
+                    </a:p>
+                  </a:txBody>
+                  <a:tcPr/>
+                </a:tc>
+              </a:tr>
+              <a:tr h="301107">
+                <a:tc vMerge="1">
+                  <a:txBody>
+                    <a:bodyPr/>
+                    <a:lstStyle/>
+                    <a:p>
+                      <a:endParaRPr lang="en-US"/>
+                    </a:p>
+                  </a:txBody>
+                  <a:tcPr/>
+                </a:tc>
+                <a:tc>
+                  <a:txBody>
+                    <a:bodyPr/>
+                    <a:lstStyle/>
+                    <a:p>
+                      <a:pPr algn="ctr" fontAlgn="ctr"/>
+                      <a:r>
+                        <a:rPr lang="en-US" sz="1200" b="0" i="0" u="none" strike="noStrike">
+                          <a:solidFill>
+                            <a:srgbClr val="000000"/>
+                          </a:solidFill>
+                          <a:effectLst/>
+                          <a:latin typeface="Calibri"/>
+                        </a:rPr>
+                        <a:t>Flip over X-axis</a:t>
+                      </a:r>
+                    </a:p>
+                  </a:txBody>
+                  <a:tcPr marL="7841" marR="7841" marT="7841" marB="0" anchor="ctr">
+                    <a:lnL w="6350" cap="flat" cmpd="sng" algn="ctr">
+                      <a:solidFill>
+                        <a:srgbClr val="000000"/>
+                      </a:solidFill>
+                      <a:prstDash val="solid"/>
+                      <a:round/>
+                      <a:headEnd type="none" w="med" len="med"/>
+                      <a:tailEnd type="none" w="med" len="med"/>
+                    </a:lnL>
+                    <a:lnR w="6350" cap="flat" cmpd="sng" algn="ctr">
+                      <a:solidFill>
+                        <a:srgbClr val="000000"/>
+                      </a:solidFill>
+                      <a:prstDash val="solid"/>
+                      <a:round/>
+                      <a:headEnd type="none" w="med" len="med"/>
+                      <a:tailEnd type="none" w="med" len="med"/>
+                    </a:lnR>
+                    <a:lnT w="6350" cap="flat" cmpd="sng" algn="ctr">
+                      <a:solidFill>
+                        <a:srgbClr val="000000"/>
+                      </a:solidFill>
+                      <a:prstDash val="solid"/>
+                      <a:round/>
+                      <a:headEnd type="none" w="med" len="med"/>
+                      <a:tailEnd type="none" w="med" len="med"/>
+                    </a:lnT>
+                    <a:lnB w="6350" cap="flat" cmpd="sng" algn="ctr">
+                      <a:solidFill>
+                        <a:srgbClr val="000000"/>
+                      </a:solidFill>
+                      <a:prstDash val="solid"/>
+                      <a:round/>
+                      <a:headEnd type="none" w="med" len="med"/>
+                      <a:tailEnd type="none" w="med" len="med"/>
+                    </a:lnB>
+                    <a:solidFill>
+                      <a:srgbClr val="FFFFFF"/>
+                    </a:solidFill>
+                  </a:tcPr>
+                </a:tc>
+                <a:tc>
+                  <a:txBody>
+                    <a:bodyPr/>
+                    <a:lstStyle/>
+                    <a:p>
+                      <a:pPr algn="ctr" fontAlgn="ctr"/>
+                      <a:r>
+                        <a:rPr lang="nb-NO" sz="1200" b="0" i="0" u="none" strike="noStrike">
+                          <a:solidFill>
+                            <a:srgbClr val="000000"/>
+                          </a:solidFill>
+                          <a:effectLst/>
+                          <a:latin typeface="Calibri"/>
+                        </a:rPr>
+                        <a:t>0.3</a:t>
+                      </a:r>
+                    </a:p>
+                  </a:txBody>
+                  <a:tcPr marL="7841" marR="7841" marT="7841" marB="0" anchor="ctr">
+                    <a:lnL w="6350" cap="flat" cmpd="sng" algn="ctr">
+                      <a:solidFill>
+                        <a:srgbClr val="000000"/>
+                      </a:solidFill>
+                      <a:prstDash val="solid"/>
+                      <a:round/>
+                      <a:headEnd type="none" w="med" len="med"/>
+                      <a:tailEnd type="none" w="med" len="med"/>
+                    </a:lnL>
+                    <a:lnR w="6350" cap="flat" cmpd="sng" algn="ctr">
+                      <a:solidFill>
+                        <a:srgbClr val="000000"/>
+                      </a:solidFill>
+                      <a:prstDash val="solid"/>
+                      <a:round/>
+                      <a:headEnd type="none" w="med" len="med"/>
+                      <a:tailEnd type="none" w="med" len="med"/>
+                    </a:lnR>
+                    <a:lnT w="6350" cap="flat" cmpd="sng" algn="ctr">
+                      <a:solidFill>
+                        <a:srgbClr val="000000"/>
+                      </a:solidFill>
+                      <a:prstDash val="solid"/>
+                      <a:round/>
+                      <a:headEnd type="none" w="med" len="med"/>
+                      <a:tailEnd type="none" w="med" len="med"/>
+                    </a:lnT>
+                    <a:lnB w="6350" cap="flat" cmpd="sng" algn="ctr">
+                      <a:solidFill>
+                        <a:srgbClr val="000000"/>
+                      </a:solidFill>
+                      <a:prstDash val="solid"/>
+                      <a:round/>
+                      <a:headEnd type="none" w="med" len="med"/>
+                      <a:tailEnd type="none" w="med" len="med"/>
+                    </a:lnB>
+                    <a:solidFill>
+                      <a:srgbClr val="FFFFFF"/>
+                    </a:solidFill>
+                  </a:tcPr>
+                </a:tc>
+                <a:tc vMerge="1">
+                  <a:txBody>
+                    <a:bodyPr/>
+                    <a:lstStyle/>
+                    <a:p>
+                      <a:endParaRPr lang="en-US"/>
+                    </a:p>
+                  </a:txBody>
+                  <a:tcPr/>
+                </a:tc>
+                <a:tc vMerge="1">
+                  <a:txBody>
+                    <a:bodyPr/>
+                    <a:lstStyle/>
+                    <a:p>
+                      <a:endParaRPr lang="en-US"/>
+                    </a:p>
+                  </a:txBody>
+                  <a:tcPr/>
+                </a:tc>
+                <a:tc vMerge="1">
+                  <a:txBody>
+                    <a:bodyPr/>
+                    <a:lstStyle/>
+                    <a:p>
+                      <a:endParaRPr lang="en-US"/>
+                    </a:p>
+                  </a:txBody>
+                  <a:tcPr/>
+                </a:tc>
+                <a:tc vMerge="1">
+                  <a:txBody>
+                    <a:bodyPr/>
+                    <a:lstStyle/>
+                    <a:p>
+                      <a:endParaRPr lang="en-US"/>
+                    </a:p>
+                  </a:txBody>
+                  <a:tcPr/>
+                </a:tc>
+              </a:tr>
+              <a:tr h="301107">
+                <a:tc vMerge="1">
+                  <a:txBody>
+                    <a:bodyPr/>
+                    <a:lstStyle/>
+                    <a:p>
+                      <a:endParaRPr lang="en-US"/>
+                    </a:p>
+                  </a:txBody>
+                  <a:tcPr/>
+                </a:tc>
+                <a:tc>
+                  <a:txBody>
+                    <a:bodyPr/>
+                    <a:lstStyle/>
+                    <a:p>
+                      <a:pPr algn="ctr" fontAlgn="ctr"/>
+                      <a:r>
+                        <a:rPr lang="en-US" sz="1200" b="0" i="0" u="none" strike="noStrike">
+                          <a:solidFill>
+                            <a:srgbClr val="000000"/>
+                          </a:solidFill>
+                          <a:effectLst/>
+                          <a:latin typeface="Calibri"/>
+                        </a:rPr>
+                        <a:t>Flip over Y-axis</a:t>
+                      </a:r>
+                    </a:p>
+                  </a:txBody>
+                  <a:tcPr marL="7841" marR="7841" marT="7841" marB="0" anchor="ctr">
+                    <a:lnL w="6350" cap="flat" cmpd="sng" algn="ctr">
+                      <a:solidFill>
+                        <a:srgbClr val="000000"/>
+                      </a:solidFill>
+                      <a:prstDash val="solid"/>
+                      <a:round/>
+                      <a:headEnd type="none" w="med" len="med"/>
+                      <a:tailEnd type="none" w="med" len="med"/>
+                    </a:lnL>
+                    <a:lnR w="6350" cap="flat" cmpd="sng" algn="ctr">
+                      <a:solidFill>
+                        <a:srgbClr val="000000"/>
+                      </a:solidFill>
+                      <a:prstDash val="solid"/>
+                      <a:round/>
+                      <a:headEnd type="none" w="med" len="med"/>
+                      <a:tailEnd type="none" w="med" len="med"/>
+                    </a:lnR>
+                    <a:lnT w="6350" cap="flat" cmpd="sng" algn="ctr">
+                      <a:solidFill>
+                        <a:srgbClr val="000000"/>
+                      </a:solidFill>
+                      <a:prstDash val="solid"/>
+                      <a:round/>
+                      <a:headEnd type="none" w="med" len="med"/>
+                      <a:tailEnd type="none" w="med" len="med"/>
+                    </a:lnT>
+                    <a:lnB w="6350" cap="flat" cmpd="sng" algn="ctr">
+                      <a:solidFill>
+                        <a:srgbClr val="000000"/>
+                      </a:solidFill>
+                      <a:prstDash val="solid"/>
+                      <a:round/>
+                      <a:headEnd type="none" w="med" len="med"/>
+                      <a:tailEnd type="none" w="med" len="med"/>
+                    </a:lnB>
+                    <a:solidFill>
+                      <a:srgbClr val="FFFFFF"/>
+                    </a:solidFill>
+                  </a:tcPr>
+                </a:tc>
+                <a:tc>
+                  <a:txBody>
+                    <a:bodyPr/>
+                    <a:lstStyle/>
+                    <a:p>
+                      <a:pPr algn="ctr" fontAlgn="ctr"/>
+                      <a:r>
+                        <a:rPr lang="nb-NO" sz="1200" b="0" i="0" u="none" strike="noStrike">
+                          <a:solidFill>
+                            <a:srgbClr val="000000"/>
+                          </a:solidFill>
+                          <a:effectLst/>
+                          <a:latin typeface="Calibri"/>
+                        </a:rPr>
+                        <a:t>0.8</a:t>
+                      </a:r>
+                    </a:p>
+                  </a:txBody>
+                  <a:tcPr marL="7841" marR="7841" marT="7841" marB="0" anchor="ctr">
+                    <a:lnL w="6350" cap="flat" cmpd="sng" algn="ctr">
+                      <a:solidFill>
+                        <a:srgbClr val="000000"/>
+                      </a:solidFill>
+                      <a:prstDash val="solid"/>
+                      <a:round/>
+                      <a:headEnd type="none" w="med" len="med"/>
+                      <a:tailEnd type="none" w="med" len="med"/>
+                    </a:lnL>
+                    <a:lnR w="6350" cap="flat" cmpd="sng" algn="ctr">
+                      <a:solidFill>
+                        <a:srgbClr val="000000"/>
+                      </a:solidFill>
+                      <a:prstDash val="solid"/>
+                      <a:round/>
+                      <a:headEnd type="none" w="med" len="med"/>
+                      <a:tailEnd type="none" w="med" len="med"/>
+                    </a:lnR>
+                    <a:lnT w="6350" cap="flat" cmpd="sng" algn="ctr">
+                      <a:solidFill>
+                        <a:srgbClr val="000000"/>
+                      </a:solidFill>
+                      <a:prstDash val="solid"/>
+                      <a:round/>
+                      <a:headEnd type="none" w="med" len="med"/>
+                      <a:tailEnd type="none" w="med" len="med"/>
+                    </a:lnT>
+                    <a:lnB w="6350" cap="flat" cmpd="sng" algn="ctr">
+                      <a:solidFill>
+                        <a:srgbClr val="000000"/>
+                      </a:solidFill>
+                      <a:prstDash val="solid"/>
+                      <a:round/>
+                      <a:headEnd type="none" w="med" len="med"/>
+                      <a:tailEnd type="none" w="med" len="med"/>
+                    </a:lnB>
+                    <a:solidFill>
+                      <a:srgbClr val="FFFFFF"/>
+                    </a:solidFill>
+                  </a:tcPr>
+                </a:tc>
+                <a:tc vMerge="1">
+                  <a:txBody>
+                    <a:bodyPr/>
+                    <a:lstStyle/>
+                    <a:p>
+                      <a:endParaRPr lang="en-US"/>
+                    </a:p>
+                  </a:txBody>
+                  <a:tcPr/>
+                </a:tc>
+                <a:tc vMerge="1">
+                  <a:txBody>
+                    <a:bodyPr/>
+                    <a:lstStyle/>
+                    <a:p>
+                      <a:endParaRPr lang="en-US"/>
+                    </a:p>
+                  </a:txBody>
+                  <a:tcPr/>
+                </a:tc>
+                <a:tc vMerge="1">
+                  <a:txBody>
+                    <a:bodyPr/>
+                    <a:lstStyle/>
+                    <a:p>
+                      <a:endParaRPr lang="en-US"/>
+                    </a:p>
+                  </a:txBody>
+                  <a:tcPr/>
+                </a:tc>
+                <a:tc vMerge="1">
+                  <a:txBody>
+                    <a:bodyPr/>
+                    <a:lstStyle/>
+                    <a:p>
+                      <a:endParaRPr lang="en-US"/>
+                    </a:p>
+                  </a:txBody>
+                  <a:tcPr/>
+                </a:tc>
+              </a:tr>
+              <a:tr h="538159">
+                <a:tc vMerge="1">
+                  <a:txBody>
+                    <a:bodyPr/>
+                    <a:lstStyle/>
+                    <a:p>
+                      <a:endParaRPr lang="en-US"/>
+                    </a:p>
+                  </a:txBody>
+                  <a:tcPr/>
+                </a:tc>
+                <a:tc>
+                  <a:txBody>
+                    <a:bodyPr/>
+                    <a:lstStyle/>
+                    <a:p>
+                      <a:pPr algn="ctr" fontAlgn="ctr"/>
+                      <a:r>
+                        <a:rPr lang="en-US" sz="1200" b="0" i="0" u="none" strike="noStrike">
+                          <a:solidFill>
+                            <a:srgbClr val="000000"/>
+                          </a:solidFill>
+                          <a:effectLst/>
+                          <a:latin typeface="Calibri"/>
+                        </a:rPr>
+                        <a:t>Number of Augmented Images</a:t>
+                      </a:r>
+                    </a:p>
+                  </a:txBody>
+                  <a:tcPr marL="7841" marR="7841" marT="7841" marB="0" anchor="ctr">
+                    <a:lnL w="6350" cap="flat" cmpd="sng" algn="ctr">
+                      <a:solidFill>
+                        <a:srgbClr val="000000"/>
+                      </a:solidFill>
+                      <a:prstDash val="solid"/>
+                      <a:round/>
+                      <a:headEnd type="none" w="med" len="med"/>
+                      <a:tailEnd type="none" w="med" len="med"/>
+                    </a:lnL>
+                    <a:lnR w="6350" cap="flat" cmpd="sng" algn="ctr">
+                      <a:solidFill>
+                        <a:srgbClr val="000000"/>
+                      </a:solidFill>
+                      <a:prstDash val="solid"/>
+                      <a:round/>
+                      <a:headEnd type="none" w="med" len="med"/>
+                      <a:tailEnd type="none" w="med" len="med"/>
+                    </a:lnR>
+                    <a:lnT w="6350" cap="flat" cmpd="sng" algn="ctr">
+                      <a:solidFill>
+                        <a:srgbClr val="000000"/>
+                      </a:solidFill>
+                      <a:prstDash val="solid"/>
+                      <a:round/>
+                      <a:headEnd type="none" w="med" len="med"/>
+                      <a:tailEnd type="none" w="med" len="med"/>
+                    </a:lnT>
+                    <a:lnB w="12700" cap="flat" cmpd="sng" algn="ctr">
+                      <a:solidFill>
+                        <a:srgbClr val="000000"/>
+                      </a:solidFill>
+                      <a:prstDash val="solid"/>
+                      <a:round/>
+                      <a:headEnd type="none" w="med" len="med"/>
+                      <a:tailEnd type="none" w="med" len="med"/>
+                    </a:lnB>
+                    <a:solidFill>
+                      <a:srgbClr val="FFFFFF"/>
+                    </a:solidFill>
+                  </a:tcPr>
+                </a:tc>
+                <a:tc>
+                  <a:txBody>
+                    <a:bodyPr/>
+                    <a:lstStyle/>
+                    <a:p>
+                      <a:pPr algn="ctr" fontAlgn="ctr"/>
+                      <a:r>
+                        <a:rPr lang="is-IS" sz="1200" b="0" i="0" u="none" strike="noStrike">
+                          <a:solidFill>
+                            <a:srgbClr val="000000"/>
+                          </a:solidFill>
+                          <a:effectLst/>
+                          <a:latin typeface="Calibri"/>
+                        </a:rPr>
+                        <a:t>9000</a:t>
+                      </a:r>
+                    </a:p>
+                  </a:txBody>
+                  <a:tcPr marL="7841" marR="7841" marT="7841" marB="0" anchor="ctr">
+                    <a:lnL w="6350" cap="flat" cmpd="sng" algn="ctr">
+                      <a:solidFill>
+                        <a:srgbClr val="000000"/>
+                      </a:solidFill>
+                      <a:prstDash val="solid"/>
+                      <a:round/>
+                      <a:headEnd type="none" w="med" len="med"/>
+                      <a:tailEnd type="none" w="med" len="med"/>
+                    </a:lnL>
+                    <a:lnR w="6350" cap="flat" cmpd="sng" algn="ctr">
+                      <a:solidFill>
+                        <a:srgbClr val="000000"/>
+                      </a:solidFill>
+                      <a:prstDash val="solid"/>
+                      <a:round/>
+                      <a:headEnd type="none" w="med" len="med"/>
+                      <a:tailEnd type="none" w="med" len="med"/>
+                    </a:lnR>
+                    <a:lnT w="6350" cap="flat" cmpd="sng" algn="ctr">
+                      <a:solidFill>
+                        <a:srgbClr val="000000"/>
+                      </a:solidFill>
+                      <a:prstDash val="solid"/>
+                      <a:round/>
+                      <a:headEnd type="none" w="med" len="med"/>
+                      <a:tailEnd type="none" w="med" len="med"/>
+                    </a:lnT>
+                    <a:lnB w="12700" cap="flat" cmpd="sng" algn="ctr">
+                      <a:solidFill>
+                        <a:srgbClr val="000000"/>
+                      </a:solidFill>
+                      <a:prstDash val="solid"/>
+                      <a:round/>
+                      <a:headEnd type="none" w="med" len="med"/>
+                      <a:tailEnd type="none" w="med" len="med"/>
+                    </a:lnB>
+                    <a:solidFill>
+                      <a:srgbClr val="FFFFFF"/>
+                    </a:solidFill>
+                  </a:tcPr>
+                </a:tc>
+                <a:tc vMerge="1">
+                  <a:txBody>
+                    <a:bodyPr/>
+                    <a:lstStyle/>
+                    <a:p>
+                      <a:endParaRPr lang="en-US"/>
+                    </a:p>
+                  </a:txBody>
+                  <a:tcPr/>
+                </a:tc>
+                <a:tc vMerge="1">
+                  <a:txBody>
+                    <a:bodyPr/>
+                    <a:lstStyle/>
+                    <a:p>
+                      <a:endParaRPr lang="en-US"/>
+                    </a:p>
+                  </a:txBody>
+                  <a:tcPr/>
+                </a:tc>
+                <a:tc vMerge="1">
+                  <a:txBody>
+                    <a:bodyPr/>
+                    <a:lstStyle/>
+                    <a:p>
+                      <a:endParaRPr lang="en-US"/>
+                    </a:p>
+                  </a:txBody>
+                  <a:tcPr/>
+                </a:tc>
+                <a:tc vMerge="1">
+                  <a:txBody>
+                    <a:bodyPr/>
+                    <a:lstStyle/>
+                    <a:p>
+                      <a:endParaRPr lang="en-US"/>
+                    </a:p>
+                  </a:txBody>
+                  <a:tcPr/>
+                </a:tc>
+              </a:tr>
+              <a:tr h="184442">
+                <a:tc rowSpan="5">
+                  <a:txBody>
+                    <a:bodyPr/>
+                    <a:lstStyle/>
+                    <a:p>
+                      <a:pPr algn="ctr" fontAlgn="ctr"/>
+                      <a:r>
+                        <a:rPr lang="en-US" sz="1200" b="0" i="0" u="none" strike="noStrike" dirty="0">
+                          <a:solidFill>
+                            <a:srgbClr val="000000"/>
+                          </a:solidFill>
+                          <a:effectLst/>
+                          <a:latin typeface="Calibri"/>
+                        </a:rPr>
+                        <a:t>3</a:t>
+                      </a:r>
+                    </a:p>
+                  </a:txBody>
+                  <a:tcPr marL="7841" marR="7841" marT="7841" marB="0" anchor="ctr">
+                    <a:lnL w="12700" cap="flat" cmpd="sng" algn="ctr">
+                      <a:solidFill>
+                        <a:srgbClr val="000000"/>
+                      </a:solidFill>
+                      <a:prstDash val="solid"/>
+                      <a:round/>
+                      <a:headEnd type="none" w="med" len="med"/>
+                      <a:tailEnd type="none" w="med" len="med"/>
+                    </a:lnL>
+                    <a:lnR w="6350" cap="flat" cmpd="sng" algn="ctr">
+                      <a:solidFill>
+                        <a:srgbClr val="000000"/>
+                      </a:solidFill>
+                      <a:prstDash val="solid"/>
+                      <a:round/>
+                      <a:headEnd type="none" w="med" len="med"/>
+                      <a:tailEnd type="none" w="med" len="med"/>
+                    </a:lnR>
+                    <a:lnT w="12700" cap="flat" cmpd="sng" algn="ctr">
+                      <a:solidFill>
+                        <a:srgbClr val="000000"/>
+                      </a:solidFill>
+                      <a:prstDash val="solid"/>
+                      <a:round/>
+                      <a:headEnd type="none" w="med" len="med"/>
+                      <a:tailEnd type="none" w="med" len="med"/>
+                    </a:lnT>
+                    <a:lnB w="12700" cap="flat" cmpd="sng" algn="ctr">
+                      <a:solidFill>
+                        <a:srgbClr val="000000"/>
+                      </a:solidFill>
+                      <a:prstDash val="solid"/>
+                      <a:round/>
+                      <a:headEnd type="none" w="med" len="med"/>
+                      <a:tailEnd type="none" w="med" len="med"/>
+                    </a:lnB>
+                    <a:solidFill>
+                      <a:srgbClr val="FFFFFF"/>
+                    </a:solidFill>
+                  </a:tcPr>
+                </a:tc>
+                <a:tc>
+                  <a:txBody>
+                    <a:bodyPr/>
+                    <a:lstStyle/>
+                    <a:p>
+                      <a:pPr algn="ctr" fontAlgn="ctr"/>
+                      <a:r>
+                        <a:rPr lang="en-US" sz="1200" b="0" i="0" u="none" strike="noStrike">
+                          <a:solidFill>
+                            <a:srgbClr val="000000"/>
+                          </a:solidFill>
+                          <a:effectLst/>
+                          <a:latin typeface="Calibri"/>
+                        </a:rPr>
+                        <a:t>Rotate 90</a:t>
+                      </a:r>
+                    </a:p>
+                  </a:txBody>
+                  <a:tcPr marL="7841" marR="7841" marT="7841" marB="0" anchor="ctr">
+                    <a:lnL w="6350" cap="flat" cmpd="sng" algn="ctr">
+                      <a:solidFill>
+                        <a:srgbClr val="000000"/>
+                      </a:solidFill>
+                      <a:prstDash val="solid"/>
+                      <a:round/>
+                      <a:headEnd type="none" w="med" len="med"/>
+                      <a:tailEnd type="none" w="med" len="med"/>
+                    </a:lnL>
+                    <a:lnR w="6350" cap="flat" cmpd="sng" algn="ctr">
+                      <a:solidFill>
+                        <a:srgbClr val="000000"/>
+                      </a:solidFill>
+                      <a:prstDash val="solid"/>
+                      <a:round/>
+                      <a:headEnd type="none" w="med" len="med"/>
+                      <a:tailEnd type="none" w="med" len="med"/>
+                    </a:lnR>
+                    <a:lnT w="12700" cap="flat" cmpd="sng" algn="ctr">
+                      <a:solidFill>
+                        <a:srgbClr val="000000"/>
+                      </a:solidFill>
+                      <a:prstDash val="solid"/>
+                      <a:round/>
+                      <a:headEnd type="none" w="med" len="med"/>
+                      <a:tailEnd type="none" w="med" len="med"/>
+                    </a:lnT>
+                    <a:lnB w="6350" cap="flat" cmpd="sng" algn="ctr">
+                      <a:solidFill>
+                        <a:srgbClr val="000000"/>
+                      </a:solidFill>
+                      <a:prstDash val="solid"/>
+                      <a:round/>
+                      <a:headEnd type="none" w="med" len="med"/>
+                      <a:tailEnd type="none" w="med" len="med"/>
+                    </a:lnB>
+                    <a:solidFill>
+                      <a:srgbClr val="FFFFFF"/>
+                    </a:solidFill>
+                  </a:tcPr>
+                </a:tc>
+                <a:tc>
+                  <a:txBody>
+                    <a:bodyPr/>
+                    <a:lstStyle/>
+                    <a:p>
+                      <a:pPr algn="ctr" fontAlgn="ctr"/>
+                      <a:r>
+                        <a:rPr lang="en-US" sz="1200" b="0" i="0" u="none" strike="noStrike">
+                          <a:solidFill>
+                            <a:srgbClr val="000000"/>
+                          </a:solidFill>
+                          <a:effectLst/>
+                          <a:latin typeface="Calibri"/>
+                        </a:rPr>
+                        <a:t>1</a:t>
+                      </a:r>
+                    </a:p>
+                  </a:txBody>
+                  <a:tcPr marL="7841" marR="7841" marT="7841" marB="0" anchor="ctr">
+                    <a:lnL w="6350" cap="flat" cmpd="sng" algn="ctr">
+                      <a:solidFill>
+                        <a:srgbClr val="000000"/>
+                      </a:solidFill>
+                      <a:prstDash val="solid"/>
+                      <a:round/>
+                      <a:headEnd type="none" w="med" len="med"/>
+                      <a:tailEnd type="none" w="med" len="med"/>
+                    </a:lnL>
+                    <a:lnR w="6350" cap="flat" cmpd="sng" algn="ctr">
+                      <a:solidFill>
+                        <a:srgbClr val="000000"/>
+                      </a:solidFill>
+                      <a:prstDash val="solid"/>
+                      <a:round/>
+                      <a:headEnd type="none" w="med" len="med"/>
+                      <a:tailEnd type="none" w="med" len="med"/>
+                    </a:lnR>
+                    <a:lnT w="12700" cap="flat" cmpd="sng" algn="ctr">
+                      <a:solidFill>
+                        <a:srgbClr val="000000"/>
+                      </a:solidFill>
+                      <a:prstDash val="solid"/>
+                      <a:round/>
+                      <a:headEnd type="none" w="med" len="med"/>
+                      <a:tailEnd type="none" w="med" len="med"/>
+                    </a:lnT>
+                    <a:lnB w="6350" cap="flat" cmpd="sng" algn="ctr">
+                      <a:solidFill>
+                        <a:srgbClr val="000000"/>
+                      </a:solidFill>
+                      <a:prstDash val="solid"/>
+                      <a:round/>
+                      <a:headEnd type="none" w="med" len="med"/>
+                      <a:tailEnd type="none" w="med" len="med"/>
+                    </a:lnB>
+                    <a:solidFill>
+                      <a:srgbClr val="FFFFFF"/>
+                    </a:solidFill>
+                  </a:tcPr>
+                </a:tc>
+                <a:tc rowSpan="5">
+                  <a:txBody>
+                    <a:bodyPr/>
+                    <a:lstStyle/>
+                    <a:p>
+                      <a:pPr algn="ctr" fontAlgn="ctr"/>
+                      <a:r>
+                        <a:rPr lang="de-DE" sz="1200" b="0" i="0" u="none" strike="noStrike">
+                          <a:solidFill>
+                            <a:srgbClr val="000000"/>
+                          </a:solidFill>
+                          <a:effectLst/>
+                          <a:latin typeface="Calibri"/>
+                        </a:rPr>
+                        <a:t>U-Net-2</a:t>
+                      </a:r>
+                    </a:p>
+                  </a:txBody>
+                  <a:tcPr marL="7841" marR="7841" marT="7841" marB="0" anchor="ctr">
+                    <a:lnL w="6350" cap="flat" cmpd="sng" algn="ctr">
+                      <a:solidFill>
+                        <a:srgbClr val="000000"/>
+                      </a:solidFill>
+                      <a:prstDash val="solid"/>
+                      <a:round/>
+                      <a:headEnd type="none" w="med" len="med"/>
+                      <a:tailEnd type="none" w="med" len="med"/>
+                    </a:lnL>
+                    <a:lnR w="6350" cap="flat" cmpd="sng" algn="ctr">
+                      <a:solidFill>
+                        <a:srgbClr val="000000"/>
+                      </a:solidFill>
+                      <a:prstDash val="solid"/>
+                      <a:round/>
+                      <a:headEnd type="none" w="med" len="med"/>
+                      <a:tailEnd type="none" w="med" len="med"/>
+                    </a:lnR>
+                    <a:lnT w="12700" cap="flat" cmpd="sng" algn="ctr">
+                      <a:solidFill>
+                        <a:srgbClr val="000000"/>
+                      </a:solidFill>
+                      <a:prstDash val="solid"/>
+                      <a:round/>
+                      <a:headEnd type="none" w="med" len="med"/>
+                      <a:tailEnd type="none" w="med" len="med"/>
+                    </a:lnT>
+                    <a:lnB w="12700" cap="flat" cmpd="sng" algn="ctr">
+                      <a:solidFill>
+                        <a:srgbClr val="000000"/>
+                      </a:solidFill>
+                      <a:prstDash val="solid"/>
+                      <a:round/>
+                      <a:headEnd type="none" w="med" len="med"/>
+                      <a:tailEnd type="none" w="med" len="med"/>
+                    </a:lnB>
+                    <a:solidFill>
+                      <a:srgbClr val="FFFFFF"/>
+                    </a:solidFill>
+                  </a:tcPr>
+                </a:tc>
+                <a:tc rowSpan="5">
+                  <a:txBody>
+                    <a:bodyPr/>
+                    <a:lstStyle/>
+                    <a:p>
+                      <a:pPr algn="ctr" fontAlgn="ctr"/>
+                      <a:r>
+                        <a:rPr lang="sk-SK" sz="1200" b="0" i="0" u="none" strike="noStrike">
+                          <a:solidFill>
+                            <a:srgbClr val="000000"/>
+                          </a:solidFill>
+                          <a:effectLst/>
+                          <a:latin typeface="Calibri"/>
+                        </a:rPr>
+                        <a:t> </a:t>
+                      </a:r>
+                    </a:p>
+                  </a:txBody>
+                  <a:tcPr marL="7841" marR="7841" marT="7841" marB="0" anchor="ctr">
+                    <a:lnL w="6350" cap="flat" cmpd="sng" algn="ctr">
+                      <a:solidFill>
+                        <a:srgbClr val="000000"/>
+                      </a:solidFill>
+                      <a:prstDash val="solid"/>
+                      <a:round/>
+                      <a:headEnd type="none" w="med" len="med"/>
+                      <a:tailEnd type="none" w="med" len="med"/>
+                    </a:lnL>
+                    <a:lnR w="6350" cap="flat" cmpd="sng" algn="ctr">
+                      <a:solidFill>
+                        <a:srgbClr val="000000"/>
+                      </a:solidFill>
+                      <a:prstDash val="solid"/>
+                      <a:round/>
+                      <a:headEnd type="none" w="med" len="med"/>
+                      <a:tailEnd type="none" w="med" len="med"/>
+                    </a:lnR>
+                    <a:lnT w="6350" cap="flat" cmpd="sng" algn="ctr">
+                      <a:solidFill>
+                        <a:srgbClr val="000000"/>
+                      </a:solidFill>
+                      <a:prstDash val="solid"/>
+                      <a:round/>
+                      <a:headEnd type="none" w="med" len="med"/>
+                      <a:tailEnd type="none" w="med" len="med"/>
+                    </a:lnT>
+                    <a:lnB w="12700" cap="flat" cmpd="sng" algn="ctr">
+                      <a:solidFill>
+                        <a:srgbClr val="000000"/>
+                      </a:solidFill>
+                      <a:prstDash val="solid"/>
+                      <a:round/>
+                      <a:headEnd type="none" w="med" len="med"/>
+                      <a:tailEnd type="none" w="med" len="med"/>
+                    </a:lnB>
+                    <a:solidFill>
+                      <a:srgbClr val="FFFFFF"/>
+                    </a:solidFill>
+                  </a:tcPr>
+                </a:tc>
+                <a:tc rowSpan="5">
+                  <a:txBody>
+                    <a:bodyPr/>
+                    <a:lstStyle/>
+                    <a:p>
+                      <a:pPr algn="ctr" fontAlgn="ctr"/>
+                      <a:r>
+                        <a:rPr lang="sk-SK" sz="1200" b="0" i="0" u="none" strike="noStrike" dirty="0">
+                          <a:solidFill>
+                            <a:srgbClr val="000000"/>
+                          </a:solidFill>
+                          <a:effectLst/>
+                          <a:latin typeface="Calibri"/>
+                        </a:rPr>
+                        <a:t> </a:t>
+                      </a:r>
+                    </a:p>
+                  </a:txBody>
+                  <a:tcPr marL="7841" marR="7841" marT="7841" marB="0" anchor="ctr">
+                    <a:lnL w="6350" cap="flat" cmpd="sng" algn="ctr">
+                      <a:solidFill>
+                        <a:srgbClr val="000000"/>
+                      </a:solidFill>
+                      <a:prstDash val="solid"/>
+                      <a:round/>
+                      <a:headEnd type="none" w="med" len="med"/>
+                      <a:tailEnd type="none" w="med" len="med"/>
+                    </a:lnL>
+                    <a:lnR w="6350" cap="flat" cmpd="sng" algn="ctr">
+                      <a:solidFill>
+                        <a:srgbClr val="000000"/>
+                      </a:solidFill>
+                      <a:prstDash val="solid"/>
+                      <a:round/>
+                      <a:headEnd type="none" w="med" len="med"/>
+                      <a:tailEnd type="none" w="med" len="med"/>
+                    </a:lnR>
+                    <a:lnT w="12700" cap="flat" cmpd="sng" algn="ctr">
+                      <a:solidFill>
+                        <a:srgbClr val="000000"/>
+                      </a:solidFill>
+                      <a:prstDash val="solid"/>
+                      <a:round/>
+                      <a:headEnd type="none" w="med" len="med"/>
+                      <a:tailEnd type="none" w="med" len="med"/>
+                    </a:lnT>
+                    <a:lnB w="12700" cap="flat" cmpd="sng" algn="ctr">
+                      <a:solidFill>
+                        <a:srgbClr val="000000"/>
+                      </a:solidFill>
+                      <a:prstDash val="solid"/>
+                      <a:round/>
+                      <a:headEnd type="none" w="med" len="med"/>
+                      <a:tailEnd type="none" w="med" len="med"/>
+                    </a:lnB>
+                    <a:solidFill>
+                      <a:srgbClr val="FFFFFF"/>
+                    </a:solidFill>
+                  </a:tcPr>
+                </a:tc>
+                <a:tc rowSpan="5">
+                  <a:txBody>
+                    <a:bodyPr/>
+                    <a:lstStyle/>
+                    <a:p>
+                      <a:pPr algn="ctr" fontAlgn="ctr"/>
+                      <a:r>
+                        <a:rPr lang="sk-SK" sz="1200" b="0" i="0" u="none" strike="noStrike">
+                          <a:solidFill>
+                            <a:srgbClr val="000000"/>
+                          </a:solidFill>
+                          <a:effectLst/>
+                          <a:latin typeface="Calibri"/>
+                        </a:rPr>
+                        <a:t> </a:t>
+                      </a:r>
+                    </a:p>
+                  </a:txBody>
+                  <a:tcPr marL="7841" marR="7841" marT="7841" marB="0" anchor="ctr">
+                    <a:lnL w="6350" cap="flat" cmpd="sng" algn="ctr">
+                      <a:solidFill>
+                        <a:srgbClr val="000000"/>
+                      </a:solidFill>
+                      <a:prstDash val="solid"/>
+                      <a:round/>
+                      <a:headEnd type="none" w="med" len="med"/>
+                      <a:tailEnd type="none" w="med" len="med"/>
+                    </a:lnL>
+                    <a:lnR w="12700" cap="flat" cmpd="sng" algn="ctr">
+                      <a:solidFill>
+                        <a:srgbClr val="000000"/>
+                      </a:solidFill>
+                      <a:prstDash val="solid"/>
+                      <a:round/>
+                      <a:headEnd type="none" w="med" len="med"/>
+                      <a:tailEnd type="none" w="med" len="med"/>
+                    </a:lnR>
+                    <a:lnT w="12700" cap="flat" cmpd="sng" algn="ctr">
+                      <a:solidFill>
+                        <a:srgbClr val="000000"/>
+                      </a:solidFill>
+                      <a:prstDash val="solid"/>
+                      <a:round/>
+                      <a:headEnd type="none" w="med" len="med"/>
+                      <a:tailEnd type="none" w="med" len="med"/>
+                    </a:lnT>
+                    <a:lnB w="12700" cap="flat" cmpd="sng" algn="ctr">
+                      <a:solidFill>
+                        <a:srgbClr val="000000"/>
+                      </a:solidFill>
+                      <a:prstDash val="solid"/>
+                      <a:round/>
+                      <a:headEnd type="none" w="med" len="med"/>
+                      <a:tailEnd type="none" w="med" len="med"/>
+                    </a:lnB>
+                    <a:solidFill>
+                      <a:srgbClr val="FFFFFF"/>
+                    </a:solidFill>
+                  </a:tcPr>
+                </a:tc>
+              </a:tr>
+              <a:tr h="184442">
+                <a:tc vMerge="1">
+                  <a:txBody>
+                    <a:bodyPr/>
+                    <a:lstStyle/>
+                    <a:p>
+                      <a:endParaRPr lang="en-US"/>
+                    </a:p>
+                  </a:txBody>
+                  <a:tcPr/>
+                </a:tc>
+                <a:tc>
+                  <a:txBody>
+                    <a:bodyPr/>
+                    <a:lstStyle/>
+                    <a:p>
+                      <a:pPr algn="ctr" fontAlgn="ctr"/>
+                      <a:r>
+                        <a:rPr lang="en-US" sz="1200" b="0" i="0" u="none" strike="noStrike">
+                          <a:solidFill>
+                            <a:srgbClr val="000000"/>
+                          </a:solidFill>
+                          <a:effectLst/>
+                          <a:latin typeface="Calibri"/>
+                        </a:rPr>
+                        <a:t>Rotate 270</a:t>
+                      </a:r>
+                    </a:p>
+                  </a:txBody>
+                  <a:tcPr marL="7841" marR="7841" marT="7841" marB="0" anchor="ctr">
+                    <a:lnL w="6350" cap="flat" cmpd="sng" algn="ctr">
+                      <a:solidFill>
+                        <a:srgbClr val="000000"/>
+                      </a:solidFill>
+                      <a:prstDash val="solid"/>
+                      <a:round/>
+                      <a:headEnd type="none" w="med" len="med"/>
+                      <a:tailEnd type="none" w="med" len="med"/>
+                    </a:lnL>
+                    <a:lnR w="6350" cap="flat" cmpd="sng" algn="ctr">
+                      <a:solidFill>
+                        <a:srgbClr val="000000"/>
+                      </a:solidFill>
+                      <a:prstDash val="solid"/>
+                      <a:round/>
+                      <a:headEnd type="none" w="med" len="med"/>
+                      <a:tailEnd type="none" w="med" len="med"/>
+                    </a:lnR>
+                    <a:lnT w="6350" cap="flat" cmpd="sng" algn="ctr">
+                      <a:solidFill>
+                        <a:srgbClr val="000000"/>
+                      </a:solidFill>
+                      <a:prstDash val="solid"/>
+                      <a:round/>
+                      <a:headEnd type="none" w="med" len="med"/>
+                      <a:tailEnd type="none" w="med" len="med"/>
+                    </a:lnT>
+                    <a:lnB w="6350" cap="flat" cmpd="sng" algn="ctr">
+                      <a:solidFill>
+                        <a:srgbClr val="000000"/>
+                      </a:solidFill>
+                      <a:prstDash val="solid"/>
+                      <a:round/>
+                      <a:headEnd type="none" w="med" len="med"/>
+                      <a:tailEnd type="none" w="med" len="med"/>
+                    </a:lnB>
+                    <a:solidFill>
+                      <a:srgbClr val="FFFFFF"/>
+                    </a:solidFill>
+                  </a:tcPr>
+                </a:tc>
+                <a:tc>
+                  <a:txBody>
+                    <a:bodyPr/>
+                    <a:lstStyle/>
+                    <a:p>
+                      <a:pPr algn="ctr" fontAlgn="ctr"/>
+                      <a:r>
+                        <a:rPr lang="en-US" sz="1200" b="0" i="0" u="none" strike="noStrike">
+                          <a:solidFill>
+                            <a:srgbClr val="000000"/>
+                          </a:solidFill>
+                          <a:effectLst/>
+                          <a:latin typeface="Calibri"/>
+                        </a:rPr>
+                        <a:t>1</a:t>
+                      </a:r>
+                    </a:p>
+                  </a:txBody>
+                  <a:tcPr marL="7841" marR="7841" marT="7841" marB="0" anchor="ctr">
+                    <a:lnL w="6350" cap="flat" cmpd="sng" algn="ctr">
+                      <a:solidFill>
+                        <a:srgbClr val="000000"/>
+                      </a:solidFill>
+                      <a:prstDash val="solid"/>
+                      <a:round/>
+                      <a:headEnd type="none" w="med" len="med"/>
+                      <a:tailEnd type="none" w="med" len="med"/>
+                    </a:lnL>
+                    <a:lnR w="6350" cap="flat" cmpd="sng" algn="ctr">
+                      <a:solidFill>
+                        <a:srgbClr val="000000"/>
+                      </a:solidFill>
+                      <a:prstDash val="solid"/>
+                      <a:round/>
+                      <a:headEnd type="none" w="med" len="med"/>
+                      <a:tailEnd type="none" w="med" len="med"/>
+                    </a:lnR>
+                    <a:lnT w="6350" cap="flat" cmpd="sng" algn="ctr">
+                      <a:solidFill>
+                        <a:srgbClr val="000000"/>
+                      </a:solidFill>
+                      <a:prstDash val="solid"/>
+                      <a:round/>
+                      <a:headEnd type="none" w="med" len="med"/>
+                      <a:tailEnd type="none" w="med" len="med"/>
+                    </a:lnT>
+                    <a:lnB w="6350" cap="flat" cmpd="sng" algn="ctr">
+                      <a:solidFill>
+                        <a:srgbClr val="000000"/>
+                      </a:solidFill>
+                      <a:prstDash val="solid"/>
+                      <a:round/>
+                      <a:headEnd type="none" w="med" len="med"/>
+                      <a:tailEnd type="none" w="med" len="med"/>
+                    </a:lnB>
+                    <a:solidFill>
+                      <a:srgbClr val="FFFFFF"/>
+                    </a:solidFill>
+                  </a:tcPr>
+                </a:tc>
+                <a:tc vMerge="1">
+                  <a:txBody>
+                    <a:bodyPr/>
+                    <a:lstStyle/>
+                    <a:p>
+                      <a:endParaRPr lang="en-US"/>
+                    </a:p>
+                  </a:txBody>
+                  <a:tcPr/>
+                </a:tc>
+                <a:tc vMerge="1">
+                  <a:txBody>
+                    <a:bodyPr/>
+                    <a:lstStyle/>
+                    <a:p>
+                      <a:endParaRPr lang="en-US"/>
+                    </a:p>
+                  </a:txBody>
+                  <a:tcPr/>
+                </a:tc>
+                <a:tc vMerge="1">
+                  <a:txBody>
+                    <a:bodyPr/>
+                    <a:lstStyle/>
+                    <a:p>
+                      <a:endParaRPr lang="en-US"/>
+                    </a:p>
+                  </a:txBody>
+                  <a:tcPr/>
+                </a:tc>
+                <a:tc vMerge="1">
+                  <a:txBody>
+                    <a:bodyPr/>
+                    <a:lstStyle/>
+                    <a:p>
+                      <a:endParaRPr lang="en-US"/>
+                    </a:p>
+                  </a:txBody>
+                  <a:tcPr/>
+                </a:tc>
+              </a:tr>
+              <a:tr h="301107">
+                <a:tc vMerge="1">
+                  <a:txBody>
+                    <a:bodyPr/>
+                    <a:lstStyle/>
+                    <a:p>
+                      <a:endParaRPr lang="en-US"/>
+                    </a:p>
+                  </a:txBody>
+                  <a:tcPr/>
+                </a:tc>
+                <a:tc>
+                  <a:txBody>
+                    <a:bodyPr/>
+                    <a:lstStyle/>
+                    <a:p>
+                      <a:pPr algn="ctr" fontAlgn="ctr"/>
+                      <a:r>
+                        <a:rPr lang="en-US" sz="1200" b="0" i="0" u="none" strike="noStrike">
+                          <a:solidFill>
+                            <a:srgbClr val="000000"/>
+                          </a:solidFill>
+                          <a:effectLst/>
+                          <a:latin typeface="Calibri"/>
+                        </a:rPr>
+                        <a:t>Flip over X-axis</a:t>
+                      </a:r>
+                    </a:p>
+                  </a:txBody>
+                  <a:tcPr marL="7841" marR="7841" marT="7841" marB="0" anchor="ctr">
+                    <a:lnL w="6350" cap="flat" cmpd="sng" algn="ctr">
+                      <a:solidFill>
+                        <a:srgbClr val="000000"/>
+                      </a:solidFill>
+                      <a:prstDash val="solid"/>
+                      <a:round/>
+                      <a:headEnd type="none" w="med" len="med"/>
+                      <a:tailEnd type="none" w="med" len="med"/>
+                    </a:lnL>
+                    <a:lnR w="6350" cap="flat" cmpd="sng" algn="ctr">
+                      <a:solidFill>
+                        <a:srgbClr val="000000"/>
+                      </a:solidFill>
+                      <a:prstDash val="solid"/>
+                      <a:round/>
+                      <a:headEnd type="none" w="med" len="med"/>
+                      <a:tailEnd type="none" w="med" len="med"/>
+                    </a:lnR>
+                    <a:lnT w="6350" cap="flat" cmpd="sng" algn="ctr">
+                      <a:solidFill>
+                        <a:srgbClr val="000000"/>
+                      </a:solidFill>
+                      <a:prstDash val="solid"/>
+                      <a:round/>
+                      <a:headEnd type="none" w="med" len="med"/>
+                      <a:tailEnd type="none" w="med" len="med"/>
+                    </a:lnT>
+                    <a:lnB w="6350" cap="flat" cmpd="sng" algn="ctr">
+                      <a:solidFill>
+                        <a:srgbClr val="000000"/>
+                      </a:solidFill>
+                      <a:prstDash val="solid"/>
+                      <a:round/>
+                      <a:headEnd type="none" w="med" len="med"/>
+                      <a:tailEnd type="none" w="med" len="med"/>
+                    </a:lnB>
+                    <a:solidFill>
+                      <a:srgbClr val="FFFFFF"/>
+                    </a:solidFill>
+                  </a:tcPr>
+                </a:tc>
+                <a:tc>
+                  <a:txBody>
+                    <a:bodyPr/>
+                    <a:lstStyle/>
+                    <a:p>
+                      <a:pPr algn="ctr" fontAlgn="ctr"/>
+                      <a:r>
+                        <a:rPr lang="nb-NO" sz="1200" b="0" i="0" u="none" strike="noStrike">
+                          <a:solidFill>
+                            <a:srgbClr val="000000"/>
+                          </a:solidFill>
+                          <a:effectLst/>
+                          <a:latin typeface="Calibri"/>
+                        </a:rPr>
+                        <a:t>0.3</a:t>
+                      </a:r>
+                    </a:p>
+                  </a:txBody>
+                  <a:tcPr marL="7841" marR="7841" marT="7841" marB="0" anchor="ctr">
+                    <a:lnL w="6350" cap="flat" cmpd="sng" algn="ctr">
+                      <a:solidFill>
+                        <a:srgbClr val="000000"/>
+                      </a:solidFill>
+                      <a:prstDash val="solid"/>
+                      <a:round/>
+                      <a:headEnd type="none" w="med" len="med"/>
+                      <a:tailEnd type="none" w="med" len="med"/>
+                    </a:lnL>
+                    <a:lnR w="6350" cap="flat" cmpd="sng" algn="ctr">
+                      <a:solidFill>
+                        <a:srgbClr val="000000"/>
+                      </a:solidFill>
+                      <a:prstDash val="solid"/>
+                      <a:round/>
+                      <a:headEnd type="none" w="med" len="med"/>
+                      <a:tailEnd type="none" w="med" len="med"/>
+                    </a:lnR>
+                    <a:lnT w="6350" cap="flat" cmpd="sng" algn="ctr">
+                      <a:solidFill>
+                        <a:srgbClr val="000000"/>
+                      </a:solidFill>
+                      <a:prstDash val="solid"/>
+                      <a:round/>
+                      <a:headEnd type="none" w="med" len="med"/>
+                      <a:tailEnd type="none" w="med" len="med"/>
+                    </a:lnT>
+                    <a:lnB w="6350" cap="flat" cmpd="sng" algn="ctr">
+                      <a:solidFill>
+                        <a:srgbClr val="000000"/>
+                      </a:solidFill>
+                      <a:prstDash val="solid"/>
+                      <a:round/>
+                      <a:headEnd type="none" w="med" len="med"/>
+                      <a:tailEnd type="none" w="med" len="med"/>
+                    </a:lnB>
+                    <a:solidFill>
+                      <a:srgbClr val="FFFFFF"/>
+                    </a:solidFill>
+                  </a:tcPr>
+                </a:tc>
+                <a:tc vMerge="1">
+                  <a:txBody>
+                    <a:bodyPr/>
+                    <a:lstStyle/>
+                    <a:p>
+                      <a:endParaRPr lang="en-US"/>
+                    </a:p>
+                  </a:txBody>
+                  <a:tcPr/>
+                </a:tc>
+                <a:tc vMerge="1">
+                  <a:txBody>
+                    <a:bodyPr/>
+                    <a:lstStyle/>
+                    <a:p>
+                      <a:endParaRPr lang="en-US"/>
+                    </a:p>
+                  </a:txBody>
+                  <a:tcPr/>
+                </a:tc>
+                <a:tc vMerge="1">
+                  <a:txBody>
+                    <a:bodyPr/>
+                    <a:lstStyle/>
+                    <a:p>
+                      <a:endParaRPr lang="en-US"/>
+                    </a:p>
+                  </a:txBody>
+                  <a:tcPr/>
+                </a:tc>
+                <a:tc vMerge="1">
+                  <a:txBody>
+                    <a:bodyPr/>
+                    <a:lstStyle/>
+                    <a:p>
+                      <a:endParaRPr lang="en-US"/>
+                    </a:p>
+                  </a:txBody>
+                  <a:tcPr/>
+                </a:tc>
+              </a:tr>
+              <a:tr h="301107">
+                <a:tc vMerge="1">
+                  <a:txBody>
+                    <a:bodyPr/>
+                    <a:lstStyle/>
+                    <a:p>
+                      <a:endParaRPr lang="en-US"/>
+                    </a:p>
+                  </a:txBody>
+                  <a:tcPr/>
+                </a:tc>
+                <a:tc>
+                  <a:txBody>
+                    <a:bodyPr/>
+                    <a:lstStyle/>
+                    <a:p>
+                      <a:pPr algn="ctr" fontAlgn="ctr"/>
+                      <a:r>
+                        <a:rPr lang="en-US" sz="1200" b="0" i="0" u="none" strike="noStrike">
+                          <a:solidFill>
+                            <a:srgbClr val="000000"/>
+                          </a:solidFill>
+                          <a:effectLst/>
+                          <a:latin typeface="Calibri"/>
+                        </a:rPr>
+                        <a:t>Flip over Y-axis</a:t>
+                      </a:r>
+                    </a:p>
+                  </a:txBody>
+                  <a:tcPr marL="7841" marR="7841" marT="7841" marB="0" anchor="ctr">
+                    <a:lnL w="6350" cap="flat" cmpd="sng" algn="ctr">
+                      <a:solidFill>
+                        <a:srgbClr val="000000"/>
+                      </a:solidFill>
+                      <a:prstDash val="solid"/>
+                      <a:round/>
+                      <a:headEnd type="none" w="med" len="med"/>
+                      <a:tailEnd type="none" w="med" len="med"/>
+                    </a:lnL>
+                    <a:lnR w="6350" cap="flat" cmpd="sng" algn="ctr">
+                      <a:solidFill>
+                        <a:srgbClr val="000000"/>
+                      </a:solidFill>
+                      <a:prstDash val="solid"/>
+                      <a:round/>
+                      <a:headEnd type="none" w="med" len="med"/>
+                      <a:tailEnd type="none" w="med" len="med"/>
+                    </a:lnR>
+                    <a:lnT w="6350" cap="flat" cmpd="sng" algn="ctr">
+                      <a:solidFill>
+                        <a:srgbClr val="000000"/>
+                      </a:solidFill>
+                      <a:prstDash val="solid"/>
+                      <a:round/>
+                      <a:headEnd type="none" w="med" len="med"/>
+                      <a:tailEnd type="none" w="med" len="med"/>
+                    </a:lnT>
+                    <a:lnB w="6350" cap="flat" cmpd="sng" algn="ctr">
+                      <a:solidFill>
+                        <a:srgbClr val="000000"/>
+                      </a:solidFill>
+                      <a:prstDash val="solid"/>
+                      <a:round/>
+                      <a:headEnd type="none" w="med" len="med"/>
+                      <a:tailEnd type="none" w="med" len="med"/>
+                    </a:lnB>
+                    <a:solidFill>
+                      <a:srgbClr val="FFFFFF"/>
+                    </a:solidFill>
+                  </a:tcPr>
+                </a:tc>
+                <a:tc>
+                  <a:txBody>
+                    <a:bodyPr/>
+                    <a:lstStyle/>
+                    <a:p>
+                      <a:pPr algn="ctr" fontAlgn="ctr"/>
+                      <a:r>
+                        <a:rPr lang="nb-NO" sz="1200" b="0" i="0" u="none" strike="noStrike">
+                          <a:solidFill>
+                            <a:srgbClr val="000000"/>
+                          </a:solidFill>
+                          <a:effectLst/>
+                          <a:latin typeface="Calibri"/>
+                        </a:rPr>
+                        <a:t>0.8</a:t>
+                      </a:r>
+                    </a:p>
+                  </a:txBody>
+                  <a:tcPr marL="7841" marR="7841" marT="7841" marB="0" anchor="ctr">
+                    <a:lnL w="6350" cap="flat" cmpd="sng" algn="ctr">
+                      <a:solidFill>
+                        <a:srgbClr val="000000"/>
+                      </a:solidFill>
+                      <a:prstDash val="solid"/>
+                      <a:round/>
+                      <a:headEnd type="none" w="med" len="med"/>
+                      <a:tailEnd type="none" w="med" len="med"/>
+                    </a:lnL>
+                    <a:lnR w="6350" cap="flat" cmpd="sng" algn="ctr">
+                      <a:solidFill>
+                        <a:srgbClr val="000000"/>
+                      </a:solidFill>
+                      <a:prstDash val="solid"/>
+                      <a:round/>
+                      <a:headEnd type="none" w="med" len="med"/>
+                      <a:tailEnd type="none" w="med" len="med"/>
+                    </a:lnR>
+                    <a:lnT w="6350" cap="flat" cmpd="sng" algn="ctr">
+                      <a:solidFill>
+                        <a:srgbClr val="000000"/>
+                      </a:solidFill>
+                      <a:prstDash val="solid"/>
+                      <a:round/>
+                      <a:headEnd type="none" w="med" len="med"/>
+                      <a:tailEnd type="none" w="med" len="med"/>
+                    </a:lnT>
+                    <a:lnB w="6350" cap="flat" cmpd="sng" algn="ctr">
+                      <a:solidFill>
+                        <a:srgbClr val="000000"/>
+                      </a:solidFill>
+                      <a:prstDash val="solid"/>
+                      <a:round/>
+                      <a:headEnd type="none" w="med" len="med"/>
+                      <a:tailEnd type="none" w="med" len="med"/>
+                    </a:lnB>
+                    <a:solidFill>
+                      <a:srgbClr val="FFFFFF"/>
+                    </a:solidFill>
+                  </a:tcPr>
+                </a:tc>
+                <a:tc vMerge="1">
+                  <a:txBody>
+                    <a:bodyPr/>
+                    <a:lstStyle/>
+                    <a:p>
+                      <a:endParaRPr lang="en-US"/>
+                    </a:p>
+                  </a:txBody>
+                  <a:tcPr/>
+                </a:tc>
+                <a:tc vMerge="1">
+                  <a:txBody>
+                    <a:bodyPr/>
+                    <a:lstStyle/>
+                    <a:p>
+                      <a:endParaRPr lang="en-US"/>
+                    </a:p>
+                  </a:txBody>
+                  <a:tcPr/>
+                </a:tc>
+                <a:tc vMerge="1">
+                  <a:txBody>
+                    <a:bodyPr/>
+                    <a:lstStyle/>
+                    <a:p>
+                      <a:endParaRPr lang="en-US"/>
+                    </a:p>
+                  </a:txBody>
+                  <a:tcPr/>
+                </a:tc>
+                <a:tc vMerge="1">
+                  <a:txBody>
+                    <a:bodyPr/>
+                    <a:lstStyle/>
+                    <a:p>
+                      <a:endParaRPr lang="en-US"/>
+                    </a:p>
+                  </a:txBody>
+                  <a:tcPr/>
+                </a:tc>
+              </a:tr>
+              <a:tr h="538159">
+                <a:tc vMerge="1">
+                  <a:txBody>
+                    <a:bodyPr/>
+                    <a:lstStyle/>
+                    <a:p>
+                      <a:endParaRPr lang="en-US"/>
+                    </a:p>
+                  </a:txBody>
+                  <a:tcPr/>
+                </a:tc>
+                <a:tc>
+                  <a:txBody>
+                    <a:bodyPr/>
+                    <a:lstStyle/>
+                    <a:p>
+                      <a:pPr algn="ctr" fontAlgn="ctr"/>
+                      <a:r>
+                        <a:rPr lang="en-US" sz="1200" b="0" i="0" u="none" strike="noStrike">
+                          <a:solidFill>
+                            <a:srgbClr val="000000"/>
+                          </a:solidFill>
+                          <a:effectLst/>
+                          <a:latin typeface="Calibri"/>
+                        </a:rPr>
+                        <a:t>Number of Augmented Images</a:t>
+                      </a:r>
+                    </a:p>
+                  </a:txBody>
+                  <a:tcPr marL="7841" marR="7841" marT="7841" marB="0" anchor="ctr">
+                    <a:lnL w="6350" cap="flat" cmpd="sng" algn="ctr">
+                      <a:solidFill>
+                        <a:srgbClr val="000000"/>
+                      </a:solidFill>
+                      <a:prstDash val="solid"/>
+                      <a:round/>
+                      <a:headEnd type="none" w="med" len="med"/>
+                      <a:tailEnd type="none" w="med" len="med"/>
+                    </a:lnL>
+                    <a:lnR w="6350" cap="flat" cmpd="sng" algn="ctr">
+                      <a:solidFill>
+                        <a:srgbClr val="000000"/>
+                      </a:solidFill>
+                      <a:prstDash val="solid"/>
+                      <a:round/>
+                      <a:headEnd type="none" w="med" len="med"/>
+                      <a:tailEnd type="none" w="med" len="med"/>
+                    </a:lnR>
+                    <a:lnT w="6350" cap="flat" cmpd="sng" algn="ctr">
+                      <a:solidFill>
+                        <a:srgbClr val="000000"/>
+                      </a:solidFill>
+                      <a:prstDash val="solid"/>
+                      <a:round/>
+                      <a:headEnd type="none" w="med" len="med"/>
+                      <a:tailEnd type="none" w="med" len="med"/>
+                    </a:lnT>
+                    <a:lnB w="12700" cap="flat" cmpd="sng" algn="ctr">
+                      <a:solidFill>
+                        <a:srgbClr val="000000"/>
+                      </a:solidFill>
+                      <a:prstDash val="solid"/>
+                      <a:round/>
+                      <a:headEnd type="none" w="med" len="med"/>
+                      <a:tailEnd type="none" w="med" len="med"/>
+                    </a:lnB>
+                    <a:solidFill>
+                      <a:srgbClr val="FFFFFF"/>
+                    </a:solidFill>
+                  </a:tcPr>
+                </a:tc>
+                <a:tc>
+                  <a:txBody>
+                    <a:bodyPr/>
+                    <a:lstStyle/>
+                    <a:p>
+                      <a:pPr algn="ctr" fontAlgn="ctr"/>
+                      <a:r>
+                        <a:rPr lang="is-IS" sz="1200" b="0" i="0" u="none" strike="noStrike" dirty="0">
+                          <a:solidFill>
+                            <a:srgbClr val="000000"/>
+                          </a:solidFill>
+                          <a:effectLst/>
+                          <a:latin typeface="Calibri"/>
+                        </a:rPr>
+                        <a:t>9000</a:t>
+                      </a:r>
+                    </a:p>
+                  </a:txBody>
+                  <a:tcPr marL="7841" marR="7841" marT="7841" marB="0" anchor="ctr">
+                    <a:lnL w="6350" cap="flat" cmpd="sng" algn="ctr">
+                      <a:solidFill>
+                        <a:srgbClr val="000000"/>
+                      </a:solidFill>
+                      <a:prstDash val="solid"/>
+                      <a:round/>
+                      <a:headEnd type="none" w="med" len="med"/>
+                      <a:tailEnd type="none" w="med" len="med"/>
+                    </a:lnL>
+                    <a:lnR w="6350" cap="flat" cmpd="sng" algn="ctr">
+                      <a:solidFill>
+                        <a:srgbClr val="000000"/>
+                      </a:solidFill>
+                      <a:prstDash val="solid"/>
+                      <a:round/>
+                      <a:headEnd type="none" w="med" len="med"/>
+                      <a:tailEnd type="none" w="med" len="med"/>
+                    </a:lnR>
+                    <a:lnT w="6350" cap="flat" cmpd="sng" algn="ctr">
+                      <a:solidFill>
+                        <a:srgbClr val="000000"/>
+                      </a:solidFill>
+                      <a:prstDash val="solid"/>
+                      <a:round/>
+                      <a:headEnd type="none" w="med" len="med"/>
+                      <a:tailEnd type="none" w="med" len="med"/>
+                    </a:lnT>
+                    <a:lnB w="12700" cap="flat" cmpd="sng" algn="ctr">
+                      <a:solidFill>
+                        <a:srgbClr val="000000"/>
+                      </a:solidFill>
+                      <a:prstDash val="solid"/>
+                      <a:round/>
+                      <a:headEnd type="none" w="med" len="med"/>
+                      <a:tailEnd type="none" w="med" len="med"/>
+                    </a:lnB>
+                    <a:solidFill>
+                      <a:srgbClr val="FFFFFF"/>
+                    </a:solidFill>
+                  </a:tcPr>
+                </a:tc>
+                <a:tc vMerge="1">
+                  <a:txBody>
+                    <a:bodyPr/>
+                    <a:lstStyle/>
+                    <a:p>
+                      <a:endParaRPr lang="en-US"/>
+                    </a:p>
+                  </a:txBody>
+                  <a:tcPr/>
+                </a:tc>
+                <a:tc vMerge="1">
+                  <a:txBody>
+                    <a:bodyPr/>
+                    <a:lstStyle/>
+                    <a:p>
+                      <a:endParaRPr lang="en-US"/>
+                    </a:p>
+                  </a:txBody>
+                  <a:tcPr/>
+                </a:tc>
+                <a:tc vMerge="1">
+                  <a:txBody>
+                    <a:bodyPr/>
+                    <a:lstStyle/>
+                    <a:p>
+                      <a:endParaRPr lang="en-US"/>
+                    </a:p>
+                  </a:txBody>
+                  <a:tcPr/>
+                </a:tc>
+                <a:tc vMerge="1">
+                  <a:txBody>
+                    <a:bodyPr/>
+                    <a:lstStyle/>
+                    <a:p>
+                      <a:endParaRPr lang="en-US"/>
+                    </a:p>
+                  </a:txBody>
+                  <a:tcPr/>
+                </a:tc>
+              </a:tr>
+            </a:tbl>
+          </a:graphicData>
+        </a:graphic>
+      </p:graphicFrame>
     </p:spTree>
     <p:extLst>
       <p:ext uri="{BB962C8B-B14F-4D97-AF65-F5344CB8AC3E}">
@@ -5462,6 +10432,13 @@
   <p:clrMapOvr>
     <a:masterClrMapping/>
   </p:clrMapOvr>
+  <p:timing>
+    <p:tnLst>
+      <p:par>
+        <p:cTn xmlns:p14="http://schemas.microsoft.com/office/powerpoint/2010/main" id="1" dur="indefinite" restart="never" nodeType="tmRoot"/>
+      </p:par>
+    </p:tnLst>
+  </p:timing>
 </p:sld>
 </file>
 
@@ -5641,6 +10618,13 @@
   <p:clrMapOvr>
     <a:masterClrMapping/>
   </p:clrMapOvr>
+  <p:timing>
+    <p:tnLst>
+      <p:par>
+        <p:cTn xmlns:p14="http://schemas.microsoft.com/office/powerpoint/2010/main" id="1" dur="indefinite" restart="never" nodeType="tmRoot"/>
+      </p:par>
+    </p:tnLst>
+  </p:timing>
 </p:sld>
 </file>
 
@@ -5849,6 +10833,13 @@
   <p:clrMapOvr>
     <a:masterClrMapping/>
   </p:clrMapOvr>
+  <p:timing>
+    <p:tnLst>
+      <p:par>
+        <p:cTn xmlns:p14="http://schemas.microsoft.com/office/powerpoint/2010/main" id="1" dur="indefinite" restart="never" nodeType="tmRoot"/>
+      </p:par>
+    </p:tnLst>
+  </p:timing>
 </p:sld>
 </file>
 
@@ -6031,6 +11022,13 @@
   <p:clrMapOvr>
     <a:masterClrMapping/>
   </p:clrMapOvr>
+  <p:timing>
+    <p:tnLst>
+      <p:par>
+        <p:cTn xmlns:p14="http://schemas.microsoft.com/office/powerpoint/2010/main" id="1" dur="indefinite" restart="never" nodeType="tmRoot"/>
+      </p:par>
+    </p:tnLst>
+  </p:timing>
 </p:sld>
 </file>
 
@@ -6167,6 +11165,13 @@
   <p:clrMapOvr>
     <a:masterClrMapping/>
   </p:clrMapOvr>
+  <p:timing>
+    <p:tnLst>
+      <p:par>
+        <p:cTn xmlns:p14="http://schemas.microsoft.com/office/powerpoint/2010/main" id="1" dur="indefinite" restart="never" nodeType="tmRoot"/>
+      </p:par>
+    </p:tnLst>
+  </p:timing>
 </p:sld>
 </file>
 
@@ -6257,6 +11262,13 @@
   <p:clrMapOvr>
     <a:masterClrMapping/>
   </p:clrMapOvr>
+  <p:timing>
+    <p:tnLst>
+      <p:par>
+        <p:cTn xmlns:p14="http://schemas.microsoft.com/office/powerpoint/2010/main" id="1" dur="indefinite" restart="never" nodeType="tmRoot"/>
+      </p:par>
+    </p:tnLst>
+  </p:timing>
 </p:sld>
 </file>
 
@@ -6734,15 +11746,7 @@
                   <a:schemeClr val="bg2"/>
                 </a:solidFill>
               </a:rPr>
-              <a:t>Convert the Images into Nump</a:t>
-            </a:r>
-            <a:r>
-              <a:rPr lang="en-US" dirty="0" smtClean="0">
-                <a:solidFill>
-                  <a:schemeClr val="bg2"/>
-                </a:solidFill>
-              </a:rPr>
-              <a:t>y Arrays</a:t>
+              <a:t>Convert the Images into Numpy Arrays</a:t>
             </a:r>
             <a:endParaRPr lang="en-US" dirty="0">
               <a:solidFill>
@@ -6785,15 +11789,7 @@
                   <a:schemeClr val="bg2"/>
                 </a:solidFill>
               </a:rPr>
-              <a:t>-Used Keras</a:t>
-            </a:r>
-            <a:r>
-              <a:rPr lang="en-US" dirty="0" smtClean="0">
-                <a:solidFill>
-                  <a:schemeClr val="bg2"/>
-                </a:solidFill>
-              </a:rPr>
-              <a:t>’s image library for conversion.</a:t>
+              <a:t>-Used Keras’s image library for conversion.</a:t>
             </a:r>
           </a:p>
           <a:p>
@@ -6812,23 +11808,7 @@
                   <a:schemeClr val="bg2"/>
                 </a:solidFill>
               </a:rPr>
-              <a:t>img</a:t>
-            </a:r>
-            <a:r>
-              <a:rPr lang="en-US" dirty="0" err="1" smtClean="0">
-                <a:solidFill>
-                  <a:schemeClr val="bg2"/>
-                </a:solidFill>
-              </a:rPr>
-              <a:t>_</a:t>
-            </a:r>
-            <a:r>
-              <a:rPr lang="en-US" dirty="0" err="1" smtClean="0">
-                <a:solidFill>
-                  <a:schemeClr val="bg2"/>
-                </a:solidFill>
-              </a:rPr>
-              <a:t>to</a:t>
+              <a:t>img_to</a:t>
             </a:r>
             <a:r>
               <a:rPr lang="en-US" dirty="0" err="1">
@@ -6864,6 +11844,13 @@
   <p:clrMapOvr>
     <a:masterClrMapping/>
   </p:clrMapOvr>
+  <p:timing>
+    <p:tnLst>
+      <p:par>
+        <p:cTn xmlns:p14="http://schemas.microsoft.com/office/powerpoint/2010/main" id="1" dur="indefinite" restart="never" nodeType="tmRoot"/>
+      </p:par>
+    </p:tnLst>
+  </p:timing>
 </p:sld>
 </file>
 
@@ -7143,11 +12130,6 @@
               </a:rPr>
               <a:t>-Rerun the same python code that occurred for the original images and masks.</a:t>
             </a:r>
-            <a:endParaRPr lang="en-US" dirty="0" smtClean="0">
-              <a:solidFill>
-                <a:schemeClr val="bg2"/>
-              </a:solidFill>
-            </a:endParaRPr>
           </a:p>
         </p:txBody>
       </p:sp>
@@ -7324,15 +12306,7 @@
                   <a:schemeClr val="bg2"/>
                 </a:solidFill>
               </a:rPr>
-              <a:t>Concatenate Augmented Data with Original Data</a:t>
-            </a:r>
-            <a:r>
-              <a:rPr lang="en-US" dirty="0" smtClean="0">
-                <a:solidFill>
-                  <a:schemeClr val="bg2"/>
-                </a:solidFill>
-              </a:rPr>
-              <a:t> </a:t>
+              <a:t>Concatenate Augmented Data with Original Data </a:t>
             </a:r>
             <a:endParaRPr lang="en-US" dirty="0">
               <a:solidFill>
@@ -7388,11 +12362,6 @@
               </a:rPr>
               <a:t>-Shape of Array: (# of images, width, height, channel depth)</a:t>
             </a:r>
-            <a:endParaRPr lang="en-US" dirty="0" smtClean="0">
-              <a:solidFill>
-                <a:schemeClr val="bg2"/>
-              </a:solidFill>
-            </a:endParaRPr>
           </a:p>
         </p:txBody>
       </p:sp>
@@ -7406,6 +12375,13 @@
   <p:clrMapOvr>
     <a:masterClrMapping/>
   </p:clrMapOvr>
+  <p:timing>
+    <p:tnLst>
+      <p:par>
+        <p:cTn xmlns:p14="http://schemas.microsoft.com/office/powerpoint/2010/main" id="1" dur="indefinite" restart="never" nodeType="tmRoot"/>
+      </p:par>
+    </p:tnLst>
+  </p:timing>
 </p:sld>
 </file>
 
@@ -7696,11 +12672,6 @@
               </a:rPr>
               <a:t>-Save the best weights in model to be used for prediction.</a:t>
             </a:r>
-            <a:endParaRPr lang="en-US" dirty="0" smtClean="0">
-              <a:solidFill>
-                <a:schemeClr val="bg2"/>
-              </a:solidFill>
-            </a:endParaRPr>
           </a:p>
         </p:txBody>
       </p:sp>
@@ -7920,23 +12891,7 @@
                   <a:schemeClr val="bg2"/>
                 </a:solidFill>
               </a:rPr>
-              <a:t>-Rerun Import and Conversion Code, the same as </a:t>
-            </a:r>
-            <a:r>
-              <a:rPr lang="en-US" dirty="0" smtClean="0">
-                <a:solidFill>
-                  <a:schemeClr val="bg2"/>
-                </a:solidFill>
-              </a:rPr>
-              <a:t>b</a:t>
-            </a:r>
-            <a:r>
-              <a:rPr lang="en-US" dirty="0" smtClean="0">
-                <a:solidFill>
-                  <a:schemeClr val="bg2"/>
-                </a:solidFill>
-              </a:rPr>
-              <a:t>efore.</a:t>
+              <a:t>-Rerun Import and Conversion Code, the same as before.</a:t>
             </a:r>
           </a:p>
         </p:txBody>
@@ -7951,6 +12906,13 @@
   <p:clrMapOvr>
     <a:masterClrMapping/>
   </p:clrMapOvr>
+  <p:timing>
+    <p:tnLst>
+      <p:par>
+        <p:cTn xmlns:p14="http://schemas.microsoft.com/office/powerpoint/2010/main" id="1" dur="indefinite" restart="never" nodeType="tmRoot"/>
+      </p:par>
+    </p:tnLst>
+  </p:timing>
 </p:sld>
 </file>
 
